--- a/Employee_Data_Analysis_2_GITHUB[1].pptx
+++ b/Employee_Data_Analysis_2_GITHUB[1].pptx
@@ -1,33 +1,33 @@
 
 <file path=ppt/presentation.xml><?xml version="1.0" encoding="utf-8"?>
-<p:presentation xmlns:a="http://schemas.openxmlformats.org/drawingml/2006/main" xmlns:r="http://schemas.openxmlformats.org/officeDocument/2006/relationships" xmlns:p="http://schemas.openxmlformats.org/presentationml/2006/main">
+<p:presentation xmlns:p="http://schemas.openxmlformats.org/presentationml/2006/main" xmlns:r="http://schemas.openxmlformats.org/officeDocument/2006/relationships" xmlns:a="http://schemas.openxmlformats.org/drawingml/2006/main">
   <p:sldMasterIdLst>
-    <p:sldMasterId id="2147483648" r:id="rId1"/>
+    <p:sldMasterId id="2147483666" r:id="rId1"/>
   </p:sldMasterIdLst>
   <p:notesMasterIdLst>
-    <p:notesMasterId r:id="rId14"/>
+    <p:notesMasterId r:id="rId2"/>
   </p:notesMasterIdLst>
   <p:sldIdLst>
-    <p:sldId id="256" r:id="rId2"/>
-    <p:sldId id="257" r:id="rId3"/>
-    <p:sldId id="258" r:id="rId4"/>
-    <p:sldId id="259" r:id="rId5"/>
-    <p:sldId id="260" r:id="rId6"/>
-    <p:sldId id="261" r:id="rId7"/>
-    <p:sldId id="262" r:id="rId8"/>
-    <p:sldId id="269" r:id="rId9"/>
-    <p:sldId id="263" r:id="rId10"/>
-    <p:sldId id="264" r:id="rId11"/>
-    <p:sldId id="268" r:id="rId12"/>
-    <p:sldId id="265" r:id="rId13"/>
+    <p:sldId id="299" r:id="rId3"/>
+    <p:sldId id="300" r:id="rId4"/>
+    <p:sldId id="301" r:id="rId5"/>
+    <p:sldId id="302" r:id="rId6"/>
+    <p:sldId id="303" r:id="rId7"/>
+    <p:sldId id="304" r:id="rId8"/>
+    <p:sldId id="305" r:id="rId9"/>
+    <p:sldId id="306" r:id="rId10"/>
+    <p:sldId id="307" r:id="rId11"/>
+    <p:sldId id="308" r:id="rId12"/>
+    <p:sldId id="310" r:id="rId13"/>
+    <p:sldId id="311" r:id="rId14"/>
   </p:sldIdLst>
-  <p:sldSz cx="12192000" cy="6858000"/>
+  <p:sldSz type="screen16x9" cy="6858000" cx="12192000"/>
   <p:notesSz cx="12192000" cy="6858000"/>
   <p:defaultTextStyle>
     <a:defPPr>
       <a:defRPr lang="en-US"/>
     </a:defPPr>
-    <a:lvl1pPr marL="0" algn="l" defTabSz="914400" rtl="0" eaLnBrk="1" latinLnBrk="0" hangingPunct="1">
+    <a:lvl1pPr algn="l" defTabSz="914400" eaLnBrk="1" hangingPunct="1" latinLnBrk="0" marL="0" rtl="0">
       <a:defRPr sz="1800" kern="1200">
         <a:solidFill>
           <a:schemeClr val="tx1"/>
@@ -37,7 +37,7 @@
         <a:cs typeface="+mn-cs"/>
       </a:defRPr>
     </a:lvl1pPr>
-    <a:lvl2pPr marL="457200" algn="l" defTabSz="914400" rtl="0" eaLnBrk="1" latinLnBrk="0" hangingPunct="1">
+    <a:lvl2pPr algn="l" defTabSz="914400" eaLnBrk="1" hangingPunct="1" latinLnBrk="0" marL="457200" rtl="0">
       <a:defRPr sz="1800" kern="1200">
         <a:solidFill>
           <a:schemeClr val="tx1"/>
@@ -47,7 +47,7 @@
         <a:cs typeface="+mn-cs"/>
       </a:defRPr>
     </a:lvl2pPr>
-    <a:lvl3pPr marL="914400" algn="l" defTabSz="914400" rtl="0" eaLnBrk="1" latinLnBrk="0" hangingPunct="1">
+    <a:lvl3pPr algn="l" defTabSz="914400" eaLnBrk="1" hangingPunct="1" latinLnBrk="0" marL="914400" rtl="0">
       <a:defRPr sz="1800" kern="1200">
         <a:solidFill>
           <a:schemeClr val="tx1"/>
@@ -57,7 +57,7 @@
         <a:cs typeface="+mn-cs"/>
       </a:defRPr>
     </a:lvl3pPr>
-    <a:lvl4pPr marL="1371600" algn="l" defTabSz="914400" rtl="0" eaLnBrk="1" latinLnBrk="0" hangingPunct="1">
+    <a:lvl4pPr algn="l" defTabSz="914400" eaLnBrk="1" hangingPunct="1" latinLnBrk="0" marL="1371600" rtl="0">
       <a:defRPr sz="1800" kern="1200">
         <a:solidFill>
           <a:schemeClr val="tx1"/>
@@ -67,7 +67,7 @@
         <a:cs typeface="+mn-cs"/>
       </a:defRPr>
     </a:lvl4pPr>
-    <a:lvl5pPr marL="1828800" algn="l" defTabSz="914400" rtl="0" eaLnBrk="1" latinLnBrk="0" hangingPunct="1">
+    <a:lvl5pPr algn="l" defTabSz="914400" eaLnBrk="1" hangingPunct="1" latinLnBrk="0" marL="1828800" rtl="0">
       <a:defRPr sz="1800" kern="1200">
         <a:solidFill>
           <a:schemeClr val="tx1"/>
@@ -77,7 +77,7 @@
         <a:cs typeface="+mn-cs"/>
       </a:defRPr>
     </a:lvl5pPr>
-    <a:lvl6pPr marL="2286000" algn="l" defTabSz="914400" rtl="0" eaLnBrk="1" latinLnBrk="0" hangingPunct="1">
+    <a:lvl6pPr algn="l" defTabSz="914400" eaLnBrk="1" hangingPunct="1" latinLnBrk="0" marL="2286000" rtl="0">
       <a:defRPr sz="1800" kern="1200">
         <a:solidFill>
           <a:schemeClr val="tx1"/>
@@ -87,7 +87,7 @@
         <a:cs typeface="+mn-cs"/>
       </a:defRPr>
     </a:lvl6pPr>
-    <a:lvl7pPr marL="2743200" algn="l" defTabSz="914400" rtl="0" eaLnBrk="1" latinLnBrk="0" hangingPunct="1">
+    <a:lvl7pPr algn="l" defTabSz="914400" eaLnBrk="1" hangingPunct="1" latinLnBrk="0" marL="2743200" rtl="0">
       <a:defRPr sz="1800" kern="1200">
         <a:solidFill>
           <a:schemeClr val="tx1"/>
@@ -97,7 +97,7 @@
         <a:cs typeface="+mn-cs"/>
       </a:defRPr>
     </a:lvl7pPr>
-    <a:lvl8pPr marL="3200400" algn="l" defTabSz="914400" rtl="0" eaLnBrk="1" latinLnBrk="0" hangingPunct="1">
+    <a:lvl8pPr algn="l" defTabSz="914400" eaLnBrk="1" hangingPunct="1" latinLnBrk="0" marL="3200400" rtl="0">
       <a:defRPr sz="1800" kern="1200">
         <a:solidFill>
           <a:schemeClr val="tx1"/>
@@ -107,7 +107,7 @@
         <a:cs typeface="+mn-cs"/>
       </a:defRPr>
     </a:lvl8pPr>
-    <a:lvl9pPr marL="3657600" algn="l" defTabSz="914400" rtl="0" eaLnBrk="1" latinLnBrk="0" hangingPunct="1">
+    <a:lvl9pPr algn="l" defTabSz="914400" eaLnBrk="1" hangingPunct="1" latinLnBrk="0" marL="3657600" rtl="0">
       <a:defRPr sz="1800" kern="1200">
         <a:solidFill>
           <a:schemeClr val="tx1"/>
@@ -118,57 +118,22 @@
       </a:defRPr>
     </a:lvl9pPr>
   </p:defaultTextStyle>
-  <p:extLst>
-    <p:ext uri="{EFAFB233-063F-42B5-8137-9DF3F51BA10A}">
-      <p15:sldGuideLst xmlns="" xmlns:p15="http://schemas.microsoft.com/office/powerpoint/2012/main">
-        <p15:guide id="1" orient="horz" pos="2880">
-          <p15:clr>
-            <a:srgbClr val="A4A3A4"/>
-          </p15:clr>
-        </p15:guide>
-        <p15:guide id="2" pos="2160">
-          <p15:clr>
-            <a:srgbClr val="A4A3A4"/>
-          </p15:clr>
-        </p15:guide>
-      </p15:sldGuideLst>
-    </p:ext>
-  </p:extLst>
 </p:presentation>
-</file>
-
-<file path=ppt/changesInfos/changesInfo1.xml><?xml version="1.0" encoding="utf-8"?>
-<pc:chgInfo xmlns:a="http://schemas.openxmlformats.org/drawingml/2006/main" xmlns:r="http://schemas.openxmlformats.org/officeDocument/2006/relationships" xmlns:ac="http://schemas.microsoft.com/office/drawing/2013/main/command" xmlns:pc="http://schemas.microsoft.com/office/powerpoint/2013/main/command">
-  <pc:docChgLst>
-    <pc:chgData name="Konduru Narasimha" userId="bd3f5b018a89079d" providerId="LiveId" clId="{69F0B7B8-A48D-48FD-8D34-6509FC35AB36}"/>
-    <pc:docChg chg="modSld">
-      <pc:chgData name="Konduru Narasimha" userId="bd3f5b018a89079d" providerId="LiveId" clId="{69F0B7B8-A48D-48FD-8D34-6509FC35AB36}" dt="2024-03-30T14:42:22.571" v="0" actId="1076"/>
-      <pc:docMkLst>
-        <pc:docMk/>
-      </pc:docMkLst>
-      <pc:sldChg chg="modSp mod">
-        <pc:chgData name="Konduru Narasimha" userId="bd3f5b018a89079d" providerId="LiveId" clId="{69F0B7B8-A48D-48FD-8D34-6509FC35AB36}" dt="2024-03-30T14:42:22.571" v="0" actId="1076"/>
-        <pc:sldMkLst>
-          <pc:docMk/>
-          <pc:sldMk cId="0" sldId="265"/>
-        </pc:sldMkLst>
-        <pc:picChg chg="mod">
-          <ac:chgData name="Konduru Narasimha" userId="bd3f5b018a89079d" providerId="LiveId" clId="{69F0B7B8-A48D-48FD-8D34-6509FC35AB36}" dt="2024-03-30T14:42:22.571" v="0" actId="1076"/>
-          <ac:picMkLst>
-            <pc:docMk/>
-            <pc:sldMk cId="0" sldId="265"/>
-            <ac:picMk id="13" creationId="{FEA2EDFA-59A4-12BC-EED8-7AFB8BE2180E}"/>
-          </ac:picMkLst>
-        </pc:picChg>
-      </pc:sldChg>
-    </pc:docChg>
-  </pc:docChgLst>
-</pc:chgInfo>
 </file>
 
 <file path=ppt/charts/chart1.xml><?xml version="1.0" encoding="utf-8"?>
 <c:chartSpace xmlns:c="http://schemas.openxmlformats.org/drawingml/2006/chart" xmlns:a="http://schemas.openxmlformats.org/drawingml/2006/main" xmlns:r="http://schemas.openxmlformats.org/officeDocument/2006/relationships">
+  <c:date1904 val="0"/>
   <c:lang val="en-US"/>
+  <c:roundedCorners val="0"/>
+  <mc:AlternateContent xmlns:mc="http://schemas.openxmlformats.org/markup-compatibility/2006">
+    <mc:Choice xmlns:c14="http://schemas.microsoft.com/office/drawing/2007/8/2/chart" Requires="c14">
+      <c14:style val="102"/>
+    </mc:Choice>
+    <mc:Fallback>
+      <c:style val="2"/>
+    </mc:Fallback>
+  </mc:AlternateContent>
   <c:pivotSource>
     <c:name>[EMPLOYEE DATA BASE 1.txt]Sheet3!PivotTable4</c:name>
     <c:fmtId val="4"/>
@@ -176,7 +141,9 @@
   <c:chart>
     <c:title>
       <c:layout/>
+      <c:overlay val="0"/>
     </c:title>
+    <c:autoTitleDeleted val="0"/>
     <c:pivotFmts>
       <c:pivotFmt>
         <c:idx val="0"/>
@@ -229,6 +196,8 @@
     </c:pivotFmts>
     <c:view3D>
       <c:rotX val="30"/>
+      <c:rotY val="0"/>
+      <c:rAngAx val="0"/>
       <c:perspective val="30"/>
     </c:view3D>
     <c:plotArea>
@@ -294,34 +263,34 @@
                 <c:formatCode>General</c:formatCode>
                 <c:ptCount val="10"/>
                 <c:pt idx="0">
-                  <c:v>36</c:v>
+                  <c:v>36.0</c:v>
                 </c:pt>
                 <c:pt idx="1">
-                  <c:v>39</c:v>
+                  <c:v>39.0</c:v>
                 </c:pt>
                 <c:pt idx="2">
-                  <c:v>39</c:v>
+                  <c:v>39.0</c:v>
                 </c:pt>
                 <c:pt idx="3">
-                  <c:v>39</c:v>
+                  <c:v>39.0</c:v>
                 </c:pt>
                 <c:pt idx="4">
-                  <c:v>30</c:v>
+                  <c:v>30.0</c:v>
                 </c:pt>
                 <c:pt idx="5">
-                  <c:v>34</c:v>
+                  <c:v>34.0</c:v>
                 </c:pt>
                 <c:pt idx="6">
-                  <c:v>35</c:v>
+                  <c:v>35.0</c:v>
                 </c:pt>
                 <c:pt idx="7">
-                  <c:v>46</c:v>
+                  <c:v>46.0</c:v>
                 </c:pt>
                 <c:pt idx="8">
-                  <c:v>41</c:v>
+                  <c:v>41.0</c:v>
                 </c:pt>
                 <c:pt idx="9">
-                  <c:v>30</c:v>
+                  <c:v>30.0</c:v>
                 </c:pt>
               </c:numCache>
             </c:numRef>
@@ -386,34 +355,34 @@
                 <c:formatCode>General</c:formatCode>
                 <c:ptCount val="10"/>
                 <c:pt idx="0">
-                  <c:v>235</c:v>
+                  <c:v>235.0</c:v>
                 </c:pt>
                 <c:pt idx="1">
-                  <c:v>234</c:v>
+                  <c:v>234.0</c:v>
                 </c:pt>
                 <c:pt idx="2">
-                  <c:v>240</c:v>
+                  <c:v>240.0</c:v>
                 </c:pt>
                 <c:pt idx="3">
-                  <c:v>226</c:v>
+                  <c:v>226.0</c:v>
                 </c:pt>
                 <c:pt idx="4">
-                  <c:v>251</c:v>
+                  <c:v>251.0</c:v>
                 </c:pt>
                 <c:pt idx="5">
-                  <c:v>241</c:v>
+                  <c:v>241.0</c:v>
                 </c:pt>
                 <c:pt idx="6">
-                  <c:v>228</c:v>
+                  <c:v>228.0</c:v>
                 </c:pt>
                 <c:pt idx="7">
-                  <c:v>233</c:v>
+                  <c:v>233.0</c:v>
                 </c:pt>
                 <c:pt idx="8">
-                  <c:v>233</c:v>
+                  <c:v>233.0</c:v>
                 </c:pt>
                 <c:pt idx="9">
-                  <c:v>240</c:v>
+                  <c:v>240.0</c:v>
                 </c:pt>
               </c:numCache>
             </c:numRef>
@@ -478,34 +447,34 @@
                 <c:formatCode>General</c:formatCode>
                 <c:ptCount val="10"/>
                 <c:pt idx="0">
-                  <c:v>24</c:v>
+                  <c:v>24.0</c:v>
                 </c:pt>
                 <c:pt idx="1">
-                  <c:v>17</c:v>
+                  <c:v>17.0</c:v>
                 </c:pt>
                 <c:pt idx="2">
-                  <c:v>16</c:v>
+                  <c:v>16.0</c:v>
                 </c:pt>
                 <c:pt idx="3">
-                  <c:v>20</c:v>
+                  <c:v>20.0</c:v>
                 </c:pt>
                 <c:pt idx="4">
-                  <c:v>11</c:v>
+                  <c:v>11.0</c:v>
                 </c:pt>
                 <c:pt idx="5">
-                  <c:v>16</c:v>
+                  <c:v>16.0</c:v>
                 </c:pt>
                 <c:pt idx="6">
-                  <c:v>23</c:v>
+                  <c:v>23.0</c:v>
                 </c:pt>
                 <c:pt idx="7">
-                  <c:v>20</c:v>
+                  <c:v>20.0</c:v>
                 </c:pt>
                 <c:pt idx="8">
-                  <c:v>15</c:v>
+                  <c:v>15.0</c:v>
                 </c:pt>
                 <c:pt idx="9">
-                  <c:v>15</c:v>
+                  <c:v>15.0</c:v>
                 </c:pt>
               </c:numCache>
             </c:numRef>
@@ -570,46 +539,58 @@
                 <c:formatCode>General</c:formatCode>
                 <c:ptCount val="10"/>
                 <c:pt idx="0">
-                  <c:v>8</c:v>
+                  <c:v>8.0</c:v>
                 </c:pt>
                 <c:pt idx="1">
-                  <c:v>10</c:v>
+                  <c:v>10.0</c:v>
                 </c:pt>
                 <c:pt idx="2">
-                  <c:v>7</c:v>
+                  <c:v>7.0</c:v>
                 </c:pt>
                 <c:pt idx="3">
-                  <c:v>11</c:v>
+                  <c:v>11.0</c:v>
                 </c:pt>
                 <c:pt idx="4">
-                  <c:v>12</c:v>
+                  <c:v>12.0</c:v>
                 </c:pt>
                 <c:pt idx="5">
-                  <c:v>10</c:v>
+                  <c:v>10.0</c:v>
                 </c:pt>
                 <c:pt idx="6">
-                  <c:v>13</c:v>
+                  <c:v>13.0</c:v>
                 </c:pt>
                 <c:pt idx="7">
-                  <c:v>5</c:v>
+                  <c:v>5.0</c:v>
                 </c:pt>
                 <c:pt idx="8">
-                  <c:v>8</c:v>
+                  <c:v>8.0</c:v>
                 </c:pt>
                 <c:pt idx="9">
-                  <c:v>9</c:v>
+                  <c:v>9.0</c:v>
                 </c:pt>
               </c:numCache>
             </c:numRef>
           </c:val>
         </c:ser>
+        <c:dLbls>
+          <c:showLegendKey val="0"/>
+          <c:showVal val="0"/>
+          <c:showCatName val="0"/>
+          <c:showSerName val="0"/>
+          <c:showPercent val="0"/>
+          <c:showBubbleSize val="0"/>
+          <c:showLeaderLines val="1"/>
+        </c:dLbls>
       </c:pie3DChart>
     </c:plotArea>
     <c:legend>
       <c:legendPos val="r"/>
       <c:layout/>
+      <c:overlay val="0"/>
     </c:legend>
     <c:plotVisOnly val="1"/>
+    <c:dispBlanksAs val="gap"/>
+    <c:showDLblsOverMax val="0"/>
   </c:chart>
   <c:externalData r:id="rId1"/>
 </c:chartSpace>
@@ -625,7 +606,7 @@
     </p:bg>
     <p:spTree>
       <p:nvGrpSpPr>
-        <p:cNvPr id="1" name=""/>
+        <p:cNvPr id="46" name=""/>
         <p:cNvGrpSpPr/>
         <p:nvPr/>
       </p:nvGrpSpPr>
@@ -639,7 +620,7 @@
       </p:grpSpPr>
       <p:sp>
         <p:nvSpPr>
-          <p:cNvPr id="2" name="Header Placeholder 1"/>
+          <p:cNvPr id="1048706" name="Header Placeholder 1"/>
           <p:cNvSpPr>
             <a:spLocks noGrp="1"/>
           </p:cNvSpPr>
@@ -652,12 +633,10 @@
             <a:off x="0" y="0"/>
             <a:ext cx="5283200" cy="344488"/>
           </a:xfrm>
-          <a:prstGeom prst="rect">
-            <a:avLst/>
-          </a:prstGeom>
-        </p:spPr>
-        <p:txBody>
-          <a:bodyPr vert="horz" lIns="91440" tIns="45720" rIns="91440" bIns="45720" rtlCol="0"/>
+          <a:prstGeom prst="rect"/>
+        </p:spPr>
+        <p:txBody>
+          <a:bodyPr bIns="45720" lIns="91440" rIns="91440" rtlCol="0" tIns="45720" vert="horz"/>
           <a:lstStyle>
             <a:lvl1pPr algn="l">
               <a:defRPr sz="1200"/>
@@ -670,7 +649,7 @@
       </p:sp>
       <p:sp>
         <p:nvSpPr>
-          <p:cNvPr id="3" name="Date Placeholder 2"/>
+          <p:cNvPr id="1048707" name="Date Placeholder 2"/>
           <p:cNvSpPr>
             <a:spLocks noGrp="1"/>
           </p:cNvSpPr>
@@ -683,12 +662,10 @@
             <a:off x="6905625" y="0"/>
             <a:ext cx="5283200" cy="344488"/>
           </a:xfrm>
-          <a:prstGeom prst="rect">
-            <a:avLst/>
-          </a:prstGeom>
-        </p:spPr>
-        <p:txBody>
-          <a:bodyPr vert="horz" lIns="91440" tIns="45720" rIns="91440" bIns="45720" rtlCol="0"/>
+          <a:prstGeom prst="rect"/>
+        </p:spPr>
+        <p:txBody>
+          <a:bodyPr bIns="45720" lIns="91440" rIns="91440" rtlCol="0" tIns="45720" vert="horz"/>
           <a:lstStyle>
             <a:lvl1pPr algn="r">
               <a:defRPr sz="1200"/>
@@ -697,7 +674,6 @@
           <a:p>
             <a:fld id="{84B86612-B127-4CD0-BF15-66D49A7175F7}" type="datetimeFigureOut">
               <a:rPr lang="en-IN" smtClean="0"/>
-              <a:pPr/>
               <a:t>29-08-2024</a:t>
             </a:fld>
             <a:endParaRPr lang="en-IN"/>
@@ -706,9 +682,9 @@
       </p:sp>
       <p:sp>
         <p:nvSpPr>
-          <p:cNvPr id="4" name="Slide Image Placeholder 3"/>
+          <p:cNvPr id="1048708" name="Slide Image Placeholder 3"/>
           <p:cNvSpPr>
-            <a:spLocks noGrp="1" noRot="1" noChangeAspect="1"/>
+            <a:spLocks noChangeAspect="1" noRot="1" noGrp="1"/>
           </p:cNvSpPr>
           <p:nvPr>
             <p:ph type="sldImg" idx="2"/>
@@ -719,9 +695,7 @@
             <a:off x="4038600" y="857250"/>
             <a:ext cx="4114800" cy="2314575"/>
           </a:xfrm>
-          <a:prstGeom prst="rect">
-            <a:avLst/>
-          </a:prstGeom>
+          <a:prstGeom prst="rect"/>
           <a:noFill/>
           <a:ln w="12700">
             <a:solidFill>
@@ -730,8 +704,7 @@
           </a:ln>
         </p:spPr>
         <p:txBody>
-          <a:bodyPr vert="horz" lIns="91440" tIns="45720" rIns="91440" bIns="45720" rtlCol="0" anchor="ctr"/>
-          <a:lstStyle/>
+          <a:bodyPr anchor="ctr" bIns="45720" lIns="91440" rIns="91440" rtlCol="0" tIns="45720" vert="horz"/>
           <a:p>
             <a:endParaRPr lang="en-IN"/>
           </a:p>
@@ -739,7 +712,7 @@
       </p:sp>
       <p:sp>
         <p:nvSpPr>
-          <p:cNvPr id="5" name="Notes Placeholder 4"/>
+          <p:cNvPr id="1048709" name="Notes Placeholder 4"/>
           <p:cNvSpPr>
             <a:spLocks noGrp="1"/>
           </p:cNvSpPr>
@@ -752,13 +725,10 @@
             <a:off x="1219200" y="3300413"/>
             <a:ext cx="9753600" cy="2700337"/>
           </a:xfrm>
-          <a:prstGeom prst="rect">
-            <a:avLst/>
-          </a:prstGeom>
-        </p:spPr>
-        <p:txBody>
-          <a:bodyPr vert="horz" lIns="91440" tIns="45720" rIns="91440" bIns="45720" rtlCol="0"/>
-          <a:lstStyle/>
+          <a:prstGeom prst="rect"/>
+        </p:spPr>
+        <p:txBody>
+          <a:bodyPr bIns="45720" lIns="91440" rIns="91440" rtlCol="0" tIns="45720" vert="horz"/>
           <a:p>
             <a:pPr lvl="0"/>
             <a:r>
@@ -799,7 +769,7 @@
       </p:sp>
       <p:sp>
         <p:nvSpPr>
-          <p:cNvPr id="6" name="Footer Placeholder 5"/>
+          <p:cNvPr id="1048710" name="Footer Placeholder 5"/>
           <p:cNvSpPr>
             <a:spLocks noGrp="1"/>
           </p:cNvSpPr>
@@ -812,12 +782,10 @@
             <a:off x="0" y="6513513"/>
             <a:ext cx="5283200" cy="344487"/>
           </a:xfrm>
-          <a:prstGeom prst="rect">
-            <a:avLst/>
-          </a:prstGeom>
-        </p:spPr>
-        <p:txBody>
-          <a:bodyPr vert="horz" lIns="91440" tIns="45720" rIns="91440" bIns="45720" rtlCol="0" anchor="b"/>
+          <a:prstGeom prst="rect"/>
+        </p:spPr>
+        <p:txBody>
+          <a:bodyPr anchor="b" bIns="45720" lIns="91440" rIns="91440" rtlCol="0" tIns="45720" vert="horz"/>
           <a:lstStyle>
             <a:lvl1pPr algn="l">
               <a:defRPr sz="1200"/>
@@ -830,7 +798,7 @@
       </p:sp>
       <p:sp>
         <p:nvSpPr>
-          <p:cNvPr id="7" name="Slide Number Placeholder 6"/>
+          <p:cNvPr id="1048711" name="Slide Number Placeholder 6"/>
           <p:cNvSpPr>
             <a:spLocks noGrp="1"/>
           </p:cNvSpPr>
@@ -843,12 +811,10 @@
             <a:off x="6905625" y="6513513"/>
             <a:ext cx="5283200" cy="344487"/>
           </a:xfrm>
-          <a:prstGeom prst="rect">
-            <a:avLst/>
-          </a:prstGeom>
-        </p:spPr>
-        <p:txBody>
-          <a:bodyPr vert="horz" lIns="91440" tIns="45720" rIns="91440" bIns="45720" rtlCol="0" anchor="b"/>
+          <a:prstGeom prst="rect"/>
+        </p:spPr>
+        <p:txBody>
+          <a:bodyPr anchor="b" bIns="45720" lIns="91440" rIns="91440" rtlCol="0" tIns="45720" vert="horz"/>
           <a:lstStyle>
             <a:lvl1pPr algn="r">
               <a:defRPr sz="1200"/>
@@ -857,7 +823,6 @@
           <a:p>
             <a:fld id="{F7F439ED-1E90-4106-847A-8EF19031FE2F}" type="slidenum">
               <a:rPr lang="en-IN" smtClean="0"/>
-              <a:pPr/>
               <a:t>‹#›</a:t>
             </a:fld>
             <a:endParaRPr lang="en-IN"/>
@@ -865,15 +830,10 @@
         </p:txBody>
       </p:sp>
     </p:spTree>
-    <p:extLst>
-      <p:ext uri="{BB962C8B-B14F-4D97-AF65-F5344CB8AC3E}">
-        <p14:creationId xmlns="" xmlns:p14="http://schemas.microsoft.com/office/powerpoint/2010/main" val="2918557904"/>
-      </p:ext>
-    </p:extLst>
   </p:cSld>
-  <p:clrMap bg1="lt1" tx1="dk1" bg2="lt2" tx2="dk2" accent1="accent1" accent2="accent2" accent3="accent3" accent4="accent4" accent5="accent5" accent6="accent6" hlink="hlink" folHlink="folHlink"/>
+  <p:clrMap accent1="accent1" accent2="accent2" accent3="accent3" accent4="accent4" accent5="accent5" accent6="accent6" bg1="lt1" bg2="lt2" tx1="dk1" tx2="dk2" hlink="hlink" folHlink="folHlink"/>
   <p:notesStyle>
-    <a:lvl1pPr marL="0" algn="l" defTabSz="914400" rtl="0" eaLnBrk="1" latinLnBrk="0" hangingPunct="1">
+    <a:lvl1pPr algn="l" defTabSz="914400" eaLnBrk="1" hangingPunct="1" latinLnBrk="0" marL="0" rtl="0">
       <a:defRPr sz="1200" kern="1200">
         <a:solidFill>
           <a:schemeClr val="tx1"/>
@@ -883,7 +843,7 @@
         <a:cs typeface="+mn-cs"/>
       </a:defRPr>
     </a:lvl1pPr>
-    <a:lvl2pPr marL="457200" algn="l" defTabSz="914400" rtl="0" eaLnBrk="1" latinLnBrk="0" hangingPunct="1">
+    <a:lvl2pPr algn="l" defTabSz="914400" eaLnBrk="1" hangingPunct="1" latinLnBrk="0" marL="457200" rtl="0">
       <a:defRPr sz="1200" kern="1200">
         <a:solidFill>
           <a:schemeClr val="tx1"/>
@@ -893,7 +853,7 @@
         <a:cs typeface="+mn-cs"/>
       </a:defRPr>
     </a:lvl2pPr>
-    <a:lvl3pPr marL="914400" algn="l" defTabSz="914400" rtl="0" eaLnBrk="1" latinLnBrk="0" hangingPunct="1">
+    <a:lvl3pPr algn="l" defTabSz="914400" eaLnBrk="1" hangingPunct="1" latinLnBrk="0" marL="914400" rtl="0">
       <a:defRPr sz="1200" kern="1200">
         <a:solidFill>
           <a:schemeClr val="tx1"/>
@@ -903,7 +863,7 @@
         <a:cs typeface="+mn-cs"/>
       </a:defRPr>
     </a:lvl3pPr>
-    <a:lvl4pPr marL="1371600" algn="l" defTabSz="914400" rtl="0" eaLnBrk="1" latinLnBrk="0" hangingPunct="1">
+    <a:lvl4pPr algn="l" defTabSz="914400" eaLnBrk="1" hangingPunct="1" latinLnBrk="0" marL="1371600" rtl="0">
       <a:defRPr sz="1200" kern="1200">
         <a:solidFill>
           <a:schemeClr val="tx1"/>
@@ -913,7 +873,7 @@
         <a:cs typeface="+mn-cs"/>
       </a:defRPr>
     </a:lvl4pPr>
-    <a:lvl5pPr marL="1828800" algn="l" defTabSz="914400" rtl="0" eaLnBrk="1" latinLnBrk="0" hangingPunct="1">
+    <a:lvl5pPr algn="l" defTabSz="914400" eaLnBrk="1" hangingPunct="1" latinLnBrk="0" marL="1828800" rtl="0">
       <a:defRPr sz="1200" kern="1200">
         <a:solidFill>
           <a:schemeClr val="tx1"/>
@@ -923,7 +883,7 @@
         <a:cs typeface="+mn-cs"/>
       </a:defRPr>
     </a:lvl5pPr>
-    <a:lvl6pPr marL="2286000" algn="l" defTabSz="914400" rtl="0" eaLnBrk="1" latinLnBrk="0" hangingPunct="1">
+    <a:lvl6pPr algn="l" defTabSz="914400" eaLnBrk="1" hangingPunct="1" latinLnBrk="0" marL="2286000" rtl="0">
       <a:defRPr sz="1200" kern="1200">
         <a:solidFill>
           <a:schemeClr val="tx1"/>
@@ -933,7 +893,7 @@
         <a:cs typeface="+mn-cs"/>
       </a:defRPr>
     </a:lvl6pPr>
-    <a:lvl7pPr marL="2743200" algn="l" defTabSz="914400" rtl="0" eaLnBrk="1" latinLnBrk="0" hangingPunct="1">
+    <a:lvl7pPr algn="l" defTabSz="914400" eaLnBrk="1" hangingPunct="1" latinLnBrk="0" marL="2743200" rtl="0">
       <a:defRPr sz="1200" kern="1200">
         <a:solidFill>
           <a:schemeClr val="tx1"/>
@@ -943,7 +903,7 @@
         <a:cs typeface="+mn-cs"/>
       </a:defRPr>
     </a:lvl7pPr>
-    <a:lvl8pPr marL="3200400" algn="l" defTabSz="914400" rtl="0" eaLnBrk="1" latinLnBrk="0" hangingPunct="1">
+    <a:lvl8pPr algn="l" defTabSz="914400" eaLnBrk="1" hangingPunct="1" latinLnBrk="0" marL="3200400" rtl="0">
       <a:defRPr sz="1200" kern="1200">
         <a:solidFill>
           <a:schemeClr val="tx1"/>
@@ -953,7 +913,7 @@
         <a:cs typeface="+mn-cs"/>
       </a:defRPr>
     </a:lvl8pPr>
-    <a:lvl9pPr marL="3657600" algn="l" defTabSz="914400" rtl="0" eaLnBrk="1" latinLnBrk="0" hangingPunct="1">
+    <a:lvl9pPr algn="l" defTabSz="914400" eaLnBrk="1" hangingPunct="1" latinLnBrk="0" marL="3657600" rtl="0">
       <a:defRPr sz="1200" kern="1200">
         <a:solidFill>
           <a:schemeClr val="tx1"/>
@@ -972,7 +932,7 @@
   <p:cSld>
     <p:spTree>
       <p:nvGrpSpPr>
-        <p:cNvPr id="1" name=""/>
+        <p:cNvPr id="22" name=""/>
         <p:cNvGrpSpPr/>
         <p:nvPr/>
       </p:nvGrpSpPr>
@@ -986,9 +946,9 @@
       </p:grpSpPr>
       <p:sp>
         <p:nvSpPr>
-          <p:cNvPr id="2" name="Slide Image Placeholder 1"/>
+          <p:cNvPr id="1048603" name="Slide Image Placeholder 1"/>
           <p:cNvSpPr>
-            <a:spLocks noGrp="1" noRot="1" noChangeAspect="1"/>
+            <a:spLocks noChangeAspect="1" noRot="1" noGrp="1"/>
           </p:cNvSpPr>
           <p:nvPr>
             <p:ph type="sldImg"/>
@@ -998,7 +958,7 @@
       </p:sp>
       <p:sp>
         <p:nvSpPr>
-          <p:cNvPr id="3" name="Notes Placeholder 2"/>
+          <p:cNvPr id="1048604" name="Notes Placeholder 2"/>
           <p:cNvSpPr>
             <a:spLocks noGrp="1"/>
           </p:cNvSpPr>
@@ -1009,15 +969,14 @@
         <p:spPr/>
         <p:txBody>
           <a:bodyPr/>
-          <a:lstStyle/>
-          <a:p>
-            <a:endParaRPr lang="en-IN" dirty="0"/>
-          </a:p>
-        </p:txBody>
-      </p:sp>
-      <p:sp>
-        <p:nvSpPr>
-          <p:cNvPr id="4" name="Slide Number Placeholder 3"/>
+          <a:p>
+            <a:endParaRPr dirty="0" lang="en-IN"/>
+          </a:p>
+        </p:txBody>
+      </p:sp>
+      <p:sp>
+        <p:nvSpPr>
+          <p:cNvPr id="1048605" name="Slide Number Placeholder 3"/>
           <p:cNvSpPr>
             <a:spLocks noGrp="1"/>
           </p:cNvSpPr>
@@ -1028,11 +987,9 @@
         <p:spPr/>
         <p:txBody>
           <a:bodyPr/>
-          <a:lstStyle/>
           <a:p>
             <a:fld id="{F7F439ED-1E90-4106-847A-8EF19031FE2F}" type="slidenum">
               <a:rPr lang="en-IN" smtClean="0"/>
-              <a:pPr/>
               <a:t>1</a:t>
             </a:fld>
             <a:endParaRPr lang="en-IN"/>
@@ -1040,11 +997,6 @@
         </p:txBody>
       </p:sp>
     </p:spTree>
-    <p:extLst>
-      <p:ext uri="{BB962C8B-B14F-4D97-AF65-F5344CB8AC3E}">
-        <p14:creationId xmlns="" xmlns:p14="http://schemas.microsoft.com/office/powerpoint/2010/main" val="404353501"/>
-      </p:ext>
-    </p:extLst>
   </p:cSld>
   <p:clrMapOvr>
     <a:masterClrMapping/>
@@ -1053,11 +1005,11 @@
 </file>
 
 <file path=ppt/slideLayouts/slideLayout1.xml><?xml version="1.0" encoding="utf-8"?>
-<p:sldLayout xmlns:a="http://schemas.openxmlformats.org/drawingml/2006/main" xmlns:r="http://schemas.openxmlformats.org/officeDocument/2006/relationships" xmlns:p="http://schemas.openxmlformats.org/presentationml/2006/main" type="obj" preserve="1">
+<p:sldLayout xmlns:a="http://schemas.openxmlformats.org/drawingml/2006/main" xmlns:r="http://schemas.openxmlformats.org/officeDocument/2006/relationships" xmlns:p="http://schemas.openxmlformats.org/presentationml/2006/main" preserve="1" type="obj">
   <p:cSld name="Title Slide">
     <p:spTree>
       <p:nvGrpSpPr>
-        <p:cNvPr id="1" name=""/>
+        <p:cNvPr id="18" name=""/>
         <p:cNvGrpSpPr/>
         <p:nvPr/>
       </p:nvGrpSpPr>
@@ -1071,7 +1023,7 @@
       </p:grpSpPr>
       <p:sp>
         <p:nvSpPr>
-          <p:cNvPr id="2" name="Holder 2"/>
+          <p:cNvPr id="1048591" name="Holder 2"/>
           <p:cNvSpPr>
             <a:spLocks noGrp="1"/>
           </p:cNvSpPr>
@@ -1084,17 +1036,15 @@
             <a:off x="3195574" y="2067305"/>
             <a:ext cx="5800851" cy="518160"/>
           </a:xfrm>
-          <a:prstGeom prst="rect">
-            <a:avLst/>
-          </a:prstGeom>
-        </p:spPr>
-        <p:txBody>
-          <a:bodyPr wrap="square" lIns="0" tIns="0" rIns="0" bIns="0">
+          <a:prstGeom prst="rect"/>
+        </p:spPr>
+        <p:txBody>
+          <a:bodyPr bIns="0" lIns="0" rIns="0" tIns="0" wrap="square">
             <a:spAutoFit/>
           </a:bodyPr>
           <a:lstStyle>
             <a:lvl1pPr>
-              <a:defRPr sz="3200" b="0" i="0">
+              <a:defRPr b="0" sz="3200" i="0">
                 <a:solidFill>
                   <a:schemeClr val="tx1"/>
                 </a:solidFill>
@@ -1103,14 +1053,12 @@
               </a:defRPr>
             </a:lvl1pPr>
           </a:lstStyle>
-          <a:p>
-            <a:endParaRPr/>
-          </a:p>
-        </p:txBody>
-      </p:sp>
-      <p:sp>
-        <p:nvSpPr>
-          <p:cNvPr id="3" name="Holder 3"/>
+          <a:p/>
+        </p:txBody>
+      </p:sp>
+      <p:sp>
+        <p:nvSpPr>
+          <p:cNvPr id="1048592" name="Holder 3"/>
           <p:cNvSpPr>
             <a:spLocks noGrp="1"/>
           </p:cNvSpPr>
@@ -1123,27 +1071,18 @@
             <a:off x="1828800" y="3840480"/>
             <a:ext cx="8534400" cy="1714500"/>
           </a:xfrm>
-          <a:prstGeom prst="rect">
-            <a:avLst/>
-          </a:prstGeom>
-        </p:spPr>
-        <p:txBody>
-          <a:bodyPr wrap="square" lIns="0" tIns="0" rIns="0" bIns="0">
+          <a:prstGeom prst="rect"/>
+        </p:spPr>
+        <p:txBody>
+          <a:bodyPr bIns="0" lIns="0" rIns="0" tIns="0" wrap="square">
             <a:spAutoFit/>
           </a:bodyPr>
-          <a:lstStyle>
-            <a:lvl1pPr>
-              <a:defRPr/>
-            </a:lvl1pPr>
-          </a:lstStyle>
-          <a:p>
-            <a:endParaRPr/>
-          </a:p>
-        </p:txBody>
-      </p:sp>
-      <p:sp>
-        <p:nvSpPr>
-          <p:cNvPr id="4" name="Holder 4"/>
+          <a:p/>
+        </p:txBody>
+      </p:sp>
+      <p:sp>
+        <p:nvSpPr>
+          <p:cNvPr id="1048593" name="Holder 4"/>
           <p:cNvSpPr>
             <a:spLocks noGrp="1"/>
           </p:cNvSpPr>
@@ -1153,7 +1092,7 @@
         </p:nvSpPr>
         <p:spPr/>
         <p:txBody>
-          <a:bodyPr lIns="0" tIns="0" rIns="0" bIns="0"/>
+          <a:bodyPr bIns="0" lIns="0" rIns="0" tIns="0"/>
           <a:lstStyle>
             <a:lvl1pPr algn="ctr">
               <a:defRPr>
@@ -1165,14 +1104,12 @@
               </a:defRPr>
             </a:lvl1pPr>
           </a:lstStyle>
-          <a:p>
-            <a:endParaRPr/>
-          </a:p>
-        </p:txBody>
-      </p:sp>
-      <p:sp>
-        <p:nvSpPr>
-          <p:cNvPr id="5" name="Holder 5"/>
+          <a:p/>
+        </p:txBody>
+      </p:sp>
+      <p:sp>
+        <p:nvSpPr>
+          <p:cNvPr id="1048594" name="Holder 5"/>
           <p:cNvSpPr>
             <a:spLocks noGrp="1"/>
           </p:cNvSpPr>
@@ -1182,7 +1119,7 @@
         </p:nvSpPr>
         <p:spPr/>
         <p:txBody>
-          <a:bodyPr lIns="0" tIns="0" rIns="0" bIns="0"/>
+          <a:bodyPr bIns="0" lIns="0" rIns="0" tIns="0"/>
           <a:lstStyle>
             <a:lvl1pPr algn="l">
               <a:defRPr>
@@ -1197,7 +1134,6 @@
           <a:p>
             <a:fld id="{1D8BD707-D9CF-40AE-B4C6-C98DA3205C09}" type="datetimeFigureOut">
               <a:rPr lang="en-US"/>
-              <a:pPr/>
               <a:t>29-Aug-24</a:t>
             </a:fld>
             <a:endParaRPr lang="en-US"/>
@@ -1206,7 +1142,7 @@
       </p:sp>
       <p:sp>
         <p:nvSpPr>
-          <p:cNvPr id="6" name="Holder 6"/>
+          <p:cNvPr id="1048595" name="Holder 6"/>
           <p:cNvSpPr>
             <a:spLocks noGrp="1"/>
           </p:cNvSpPr>
@@ -1216,10 +1152,10 @@
         </p:nvSpPr>
         <p:spPr/>
         <p:txBody>
-          <a:bodyPr lIns="0" tIns="0" rIns="0" bIns="0"/>
+          <a:bodyPr bIns="0" lIns="0" rIns="0" tIns="0"/>
           <a:lstStyle>
             <a:lvl1pPr>
-              <a:defRPr sz="1100" b="0" i="0">
+              <a:defRPr b="0" sz="1100" i="0">
                 <a:solidFill>
                   <a:srgbClr val="2D936B"/>
                 </a:solidFill>
@@ -1238,7 +1174,7 @@
               </a:spcBef>
             </a:pPr>
             <a:fld id="{81D60167-4931-47E6-BA6A-407CBD079E47}" type="slidenum">
-              <a:rPr spc="10" dirty="0"/>
+              <a:rPr dirty="0" spc="10"/>
               <a:pPr marL="38100">
                 <a:lnSpc>
                   <a:spcPct val="100000"/>
@@ -1249,7 +1185,7 @@
               </a:pPr>
               <a:t>‹#›</a:t>
             </a:fld>
-            <a:endParaRPr spc="10" dirty="0"/>
+            <a:endParaRPr dirty="0" spc="10"/>
           </a:p>
         </p:txBody>
       </p:sp>
@@ -1262,11 +1198,11 @@
 </file>
 
 <file path=ppt/slideLayouts/slideLayout2.xml><?xml version="1.0" encoding="utf-8"?>
-<p:sldLayout xmlns:a="http://schemas.openxmlformats.org/drawingml/2006/main" xmlns:r="http://schemas.openxmlformats.org/officeDocument/2006/relationships" xmlns:p="http://schemas.openxmlformats.org/presentationml/2006/main" type="obj" preserve="1">
+<p:sldLayout xmlns:a="http://schemas.openxmlformats.org/drawingml/2006/main" xmlns:r="http://schemas.openxmlformats.org/officeDocument/2006/relationships" xmlns:p="http://schemas.openxmlformats.org/presentationml/2006/main" preserve="1" type="obj">
   <p:cSld name="Title and Content">
     <p:spTree>
       <p:nvGrpSpPr>
-        <p:cNvPr id="1" name=""/>
+        <p:cNvPr id="43" name=""/>
         <p:cNvGrpSpPr/>
         <p:nvPr/>
       </p:nvGrpSpPr>
@@ -1280,7 +1216,7 @@
       </p:grpSpPr>
       <p:sp>
         <p:nvSpPr>
-          <p:cNvPr id="2" name="Holder 2"/>
+          <p:cNvPr id="1048692" name="Holder 2"/>
           <p:cNvSpPr>
             <a:spLocks noGrp="1"/>
           </p:cNvSpPr>
@@ -1290,10 +1226,10 @@
         </p:nvSpPr>
         <p:spPr/>
         <p:txBody>
-          <a:bodyPr lIns="0" tIns="0" rIns="0" bIns="0"/>
+          <a:bodyPr bIns="0" lIns="0" rIns="0" tIns="0"/>
           <a:lstStyle>
             <a:lvl1pPr>
-              <a:defRPr sz="4800" b="1" i="0">
+              <a:defRPr b="1" sz="4800" i="0">
                 <a:solidFill>
                   <a:schemeClr val="tx1"/>
                 </a:solidFill>
@@ -1302,14 +1238,12 @@
               </a:defRPr>
             </a:lvl1pPr>
           </a:lstStyle>
-          <a:p>
-            <a:endParaRPr/>
-          </a:p>
-        </p:txBody>
-      </p:sp>
-      <p:sp>
-        <p:nvSpPr>
-          <p:cNvPr id="3" name="Holder 3"/>
+          <a:p/>
+        </p:txBody>
+      </p:sp>
+      <p:sp>
+        <p:nvSpPr>
+          <p:cNvPr id="1048693" name="Holder 3"/>
           <p:cNvSpPr>
             <a:spLocks noGrp="1"/>
           </p:cNvSpPr>
@@ -1319,20 +1253,13 @@
         </p:nvSpPr>
         <p:spPr/>
         <p:txBody>
-          <a:bodyPr lIns="0" tIns="0" rIns="0" bIns="0"/>
-          <a:lstStyle>
-            <a:lvl1pPr>
-              <a:defRPr/>
-            </a:lvl1pPr>
-          </a:lstStyle>
-          <a:p>
-            <a:endParaRPr/>
-          </a:p>
-        </p:txBody>
-      </p:sp>
-      <p:sp>
-        <p:nvSpPr>
-          <p:cNvPr id="4" name="Holder 4"/>
+          <a:bodyPr bIns="0" lIns="0" rIns="0" tIns="0"/>
+          <a:p/>
+        </p:txBody>
+      </p:sp>
+      <p:sp>
+        <p:nvSpPr>
+          <p:cNvPr id="1048694" name="Holder 4"/>
           <p:cNvSpPr>
             <a:spLocks noGrp="1"/>
           </p:cNvSpPr>
@@ -1342,7 +1269,7 @@
         </p:nvSpPr>
         <p:spPr/>
         <p:txBody>
-          <a:bodyPr lIns="0" tIns="0" rIns="0" bIns="0"/>
+          <a:bodyPr bIns="0" lIns="0" rIns="0" tIns="0"/>
           <a:lstStyle>
             <a:lvl1pPr algn="ctr">
               <a:defRPr>
@@ -1354,14 +1281,12 @@
               </a:defRPr>
             </a:lvl1pPr>
           </a:lstStyle>
-          <a:p>
-            <a:endParaRPr/>
-          </a:p>
-        </p:txBody>
-      </p:sp>
-      <p:sp>
-        <p:nvSpPr>
-          <p:cNvPr id="5" name="Holder 5"/>
+          <a:p/>
+        </p:txBody>
+      </p:sp>
+      <p:sp>
+        <p:nvSpPr>
+          <p:cNvPr id="1048695" name="Holder 5"/>
           <p:cNvSpPr>
             <a:spLocks noGrp="1"/>
           </p:cNvSpPr>
@@ -1371,7 +1296,7 @@
         </p:nvSpPr>
         <p:spPr/>
         <p:txBody>
-          <a:bodyPr lIns="0" tIns="0" rIns="0" bIns="0"/>
+          <a:bodyPr bIns="0" lIns="0" rIns="0" tIns="0"/>
           <a:lstStyle>
             <a:lvl1pPr algn="l">
               <a:defRPr>
@@ -1386,7 +1311,6 @@
           <a:p>
             <a:fld id="{1D8BD707-D9CF-40AE-B4C6-C98DA3205C09}" type="datetimeFigureOut">
               <a:rPr lang="en-US"/>
-              <a:pPr/>
               <a:t>29-Aug-24</a:t>
             </a:fld>
             <a:endParaRPr lang="en-US"/>
@@ -1395,7 +1319,7 @@
       </p:sp>
       <p:sp>
         <p:nvSpPr>
-          <p:cNvPr id="6" name="Holder 6"/>
+          <p:cNvPr id="1048696" name="Holder 6"/>
           <p:cNvSpPr>
             <a:spLocks noGrp="1"/>
           </p:cNvSpPr>
@@ -1405,10 +1329,10 @@
         </p:nvSpPr>
         <p:spPr/>
         <p:txBody>
-          <a:bodyPr lIns="0" tIns="0" rIns="0" bIns="0"/>
+          <a:bodyPr bIns="0" lIns="0" rIns="0" tIns="0"/>
           <a:lstStyle>
             <a:lvl1pPr>
-              <a:defRPr sz="1100" b="0" i="0">
+              <a:defRPr b="0" sz="1100" i="0">
                 <a:solidFill>
                   <a:srgbClr val="2D936B"/>
                 </a:solidFill>
@@ -1427,7 +1351,7 @@
               </a:spcBef>
             </a:pPr>
             <a:fld id="{81D60167-4931-47E6-BA6A-407CBD079E47}" type="slidenum">
-              <a:rPr spc="10" dirty="0"/>
+              <a:rPr dirty="0" spc="10"/>
               <a:pPr marL="38100">
                 <a:lnSpc>
                   <a:spcPct val="100000"/>
@@ -1438,7 +1362,7 @@
               </a:pPr>
               <a:t>‹#›</a:t>
             </a:fld>
-            <a:endParaRPr spc="10" dirty="0"/>
+            <a:endParaRPr dirty="0" spc="10"/>
           </a:p>
         </p:txBody>
       </p:sp>
@@ -1451,11 +1375,11 @@
 </file>
 
 <file path=ppt/slideLayouts/slideLayout3.xml><?xml version="1.0" encoding="utf-8"?>
-<p:sldLayout xmlns:a="http://schemas.openxmlformats.org/drawingml/2006/main" xmlns:r="http://schemas.openxmlformats.org/officeDocument/2006/relationships" xmlns:p="http://schemas.openxmlformats.org/presentationml/2006/main" type="obj" preserve="1">
+<p:sldLayout xmlns:a="http://schemas.openxmlformats.org/drawingml/2006/main" xmlns:r="http://schemas.openxmlformats.org/officeDocument/2006/relationships" xmlns:p="http://schemas.openxmlformats.org/presentationml/2006/main" preserve="1" type="obj">
   <p:cSld name="Two Content">
     <p:spTree>
       <p:nvGrpSpPr>
-        <p:cNvPr id="1" name=""/>
+        <p:cNvPr id="44" name=""/>
         <p:cNvGrpSpPr/>
         <p:nvPr/>
       </p:nvGrpSpPr>
@@ -1469,7 +1393,7 @@
       </p:grpSpPr>
       <p:sp>
         <p:nvSpPr>
-          <p:cNvPr id="2" name="Holder 2"/>
+          <p:cNvPr id="1048697" name="Holder 2"/>
           <p:cNvSpPr>
             <a:spLocks noGrp="1"/>
           </p:cNvSpPr>
@@ -1479,10 +1403,10 @@
         </p:nvSpPr>
         <p:spPr/>
         <p:txBody>
-          <a:bodyPr lIns="0" tIns="0" rIns="0" bIns="0"/>
+          <a:bodyPr bIns="0" lIns="0" rIns="0" tIns="0"/>
           <a:lstStyle>
             <a:lvl1pPr>
-              <a:defRPr sz="4800" b="1" i="0">
+              <a:defRPr b="1" sz="4800" i="0">
                 <a:solidFill>
                   <a:schemeClr val="tx1"/>
                 </a:solidFill>
@@ -1491,14 +1415,12 @@
               </a:defRPr>
             </a:lvl1pPr>
           </a:lstStyle>
-          <a:p>
-            <a:endParaRPr/>
-          </a:p>
-        </p:txBody>
-      </p:sp>
-      <p:sp>
-        <p:nvSpPr>
-          <p:cNvPr id="3" name="Holder 3"/>
+          <a:p/>
+        </p:txBody>
+      </p:sp>
+      <p:sp>
+        <p:nvSpPr>
+          <p:cNvPr id="1048698" name="Holder 3"/>
           <p:cNvSpPr>
             <a:spLocks noGrp="1"/>
           </p:cNvSpPr>
@@ -1511,27 +1433,18 @@
             <a:off x="609600" y="1577340"/>
             <a:ext cx="5303520" cy="4526280"/>
           </a:xfrm>
-          <a:prstGeom prst="rect">
-            <a:avLst/>
-          </a:prstGeom>
-        </p:spPr>
-        <p:txBody>
-          <a:bodyPr wrap="square" lIns="0" tIns="0" rIns="0" bIns="0">
+          <a:prstGeom prst="rect"/>
+        </p:spPr>
+        <p:txBody>
+          <a:bodyPr bIns="0" lIns="0" rIns="0" tIns="0" wrap="square">
             <a:spAutoFit/>
           </a:bodyPr>
-          <a:lstStyle>
-            <a:lvl1pPr>
-              <a:defRPr/>
-            </a:lvl1pPr>
-          </a:lstStyle>
-          <a:p>
-            <a:endParaRPr/>
-          </a:p>
-        </p:txBody>
-      </p:sp>
-      <p:sp>
-        <p:nvSpPr>
-          <p:cNvPr id="4" name="Holder 4"/>
+          <a:p/>
+        </p:txBody>
+      </p:sp>
+      <p:sp>
+        <p:nvSpPr>
+          <p:cNvPr id="1048699" name="Holder 4"/>
           <p:cNvSpPr>
             <a:spLocks noGrp="1"/>
           </p:cNvSpPr>
@@ -1544,27 +1457,18 @@
             <a:off x="6278880" y="1577340"/>
             <a:ext cx="5303520" cy="4526280"/>
           </a:xfrm>
-          <a:prstGeom prst="rect">
-            <a:avLst/>
-          </a:prstGeom>
-        </p:spPr>
-        <p:txBody>
-          <a:bodyPr wrap="square" lIns="0" tIns="0" rIns="0" bIns="0">
+          <a:prstGeom prst="rect"/>
+        </p:spPr>
+        <p:txBody>
+          <a:bodyPr bIns="0" lIns="0" rIns="0" tIns="0" wrap="square">
             <a:spAutoFit/>
           </a:bodyPr>
-          <a:lstStyle>
-            <a:lvl1pPr>
-              <a:defRPr/>
-            </a:lvl1pPr>
-          </a:lstStyle>
-          <a:p>
-            <a:endParaRPr/>
-          </a:p>
-        </p:txBody>
-      </p:sp>
-      <p:sp>
-        <p:nvSpPr>
-          <p:cNvPr id="5" name="Holder 5"/>
+          <a:p/>
+        </p:txBody>
+      </p:sp>
+      <p:sp>
+        <p:nvSpPr>
+          <p:cNvPr id="1048700" name="Holder 5"/>
           <p:cNvSpPr>
             <a:spLocks noGrp="1"/>
           </p:cNvSpPr>
@@ -1574,7 +1478,7 @@
         </p:nvSpPr>
         <p:spPr/>
         <p:txBody>
-          <a:bodyPr lIns="0" tIns="0" rIns="0" bIns="0"/>
+          <a:bodyPr bIns="0" lIns="0" rIns="0" tIns="0"/>
           <a:lstStyle>
             <a:lvl1pPr algn="ctr">
               <a:defRPr>
@@ -1586,14 +1490,12 @@
               </a:defRPr>
             </a:lvl1pPr>
           </a:lstStyle>
-          <a:p>
-            <a:endParaRPr/>
-          </a:p>
-        </p:txBody>
-      </p:sp>
-      <p:sp>
-        <p:nvSpPr>
-          <p:cNvPr id="6" name="Holder 6"/>
+          <a:p/>
+        </p:txBody>
+      </p:sp>
+      <p:sp>
+        <p:nvSpPr>
+          <p:cNvPr id="1048701" name="Holder 6"/>
           <p:cNvSpPr>
             <a:spLocks noGrp="1"/>
           </p:cNvSpPr>
@@ -1603,7 +1505,7 @@
         </p:nvSpPr>
         <p:spPr/>
         <p:txBody>
-          <a:bodyPr lIns="0" tIns="0" rIns="0" bIns="0"/>
+          <a:bodyPr bIns="0" lIns="0" rIns="0" tIns="0"/>
           <a:lstStyle>
             <a:lvl1pPr algn="l">
               <a:defRPr>
@@ -1618,7 +1520,6 @@
           <a:p>
             <a:fld id="{1D8BD707-D9CF-40AE-B4C6-C98DA3205C09}" type="datetimeFigureOut">
               <a:rPr lang="en-US"/>
-              <a:pPr/>
               <a:t>29-Aug-24</a:t>
             </a:fld>
             <a:endParaRPr lang="en-US"/>
@@ -1627,7 +1528,7 @@
       </p:sp>
       <p:sp>
         <p:nvSpPr>
-          <p:cNvPr id="7" name="Holder 7"/>
+          <p:cNvPr id="1048702" name="Holder 7"/>
           <p:cNvSpPr>
             <a:spLocks noGrp="1"/>
           </p:cNvSpPr>
@@ -1637,10 +1538,10 @@
         </p:nvSpPr>
         <p:spPr/>
         <p:txBody>
-          <a:bodyPr lIns="0" tIns="0" rIns="0" bIns="0"/>
+          <a:bodyPr bIns="0" lIns="0" rIns="0" tIns="0"/>
           <a:lstStyle>
             <a:lvl1pPr>
-              <a:defRPr sz="1100" b="0" i="0">
+              <a:defRPr b="0" sz="1100" i="0">
                 <a:solidFill>
                   <a:srgbClr val="2D936B"/>
                 </a:solidFill>
@@ -1659,7 +1560,7 @@
               </a:spcBef>
             </a:pPr>
             <a:fld id="{81D60167-4931-47E6-BA6A-407CBD079E47}" type="slidenum">
-              <a:rPr spc="10" dirty="0"/>
+              <a:rPr dirty="0" spc="10"/>
               <a:pPr marL="38100">
                 <a:lnSpc>
                   <a:spcPct val="100000"/>
@@ -1670,7 +1571,7 @@
               </a:pPr>
               <a:t>‹#›</a:t>
             </a:fld>
-            <a:endParaRPr spc="10" dirty="0"/>
+            <a:endParaRPr dirty="0" spc="10"/>
           </a:p>
         </p:txBody>
       </p:sp>
@@ -1683,11 +1584,11 @@
 </file>
 
 <file path=ppt/slideLayouts/slideLayout4.xml><?xml version="1.0" encoding="utf-8"?>
-<p:sldLayout xmlns:a="http://schemas.openxmlformats.org/drawingml/2006/main" xmlns:r="http://schemas.openxmlformats.org/officeDocument/2006/relationships" xmlns:p="http://schemas.openxmlformats.org/presentationml/2006/main" type="obj" preserve="1">
+<p:sldLayout xmlns:a="http://schemas.openxmlformats.org/drawingml/2006/main" xmlns:r="http://schemas.openxmlformats.org/officeDocument/2006/relationships" xmlns:p="http://schemas.openxmlformats.org/presentationml/2006/main" preserve="1" type="obj">
   <p:cSld name="Title Only">
     <p:spTree>
       <p:nvGrpSpPr>
-        <p:cNvPr id="1" name=""/>
+        <p:cNvPr id="25" name=""/>
         <p:cNvGrpSpPr/>
         <p:nvPr/>
       </p:nvGrpSpPr>
@@ -1701,7 +1602,7 @@
       </p:grpSpPr>
       <p:sp>
         <p:nvSpPr>
-          <p:cNvPr id="2" name="Holder 2"/>
+          <p:cNvPr id="1048606" name="Holder 2"/>
           <p:cNvSpPr>
             <a:spLocks noGrp="1"/>
           </p:cNvSpPr>
@@ -1711,10 +1612,10 @@
         </p:nvSpPr>
         <p:spPr/>
         <p:txBody>
-          <a:bodyPr lIns="0" tIns="0" rIns="0" bIns="0"/>
+          <a:bodyPr bIns="0" lIns="0" rIns="0" tIns="0"/>
           <a:lstStyle>
             <a:lvl1pPr>
-              <a:defRPr sz="4800" b="1" i="0">
+              <a:defRPr b="1" sz="4800" i="0">
                 <a:solidFill>
                   <a:schemeClr val="tx1"/>
                 </a:solidFill>
@@ -1723,14 +1624,12 @@
               </a:defRPr>
             </a:lvl1pPr>
           </a:lstStyle>
-          <a:p>
-            <a:endParaRPr/>
-          </a:p>
-        </p:txBody>
-      </p:sp>
-      <p:sp>
-        <p:nvSpPr>
-          <p:cNvPr id="3" name="Holder 3"/>
+          <a:p/>
+        </p:txBody>
+      </p:sp>
+      <p:sp>
+        <p:nvSpPr>
+          <p:cNvPr id="1048607" name="Holder 3"/>
           <p:cNvSpPr>
             <a:spLocks noGrp="1"/>
           </p:cNvSpPr>
@@ -1740,7 +1639,7 @@
         </p:nvSpPr>
         <p:spPr/>
         <p:txBody>
-          <a:bodyPr lIns="0" tIns="0" rIns="0" bIns="0"/>
+          <a:bodyPr bIns="0" lIns="0" rIns="0" tIns="0"/>
           <a:lstStyle>
             <a:lvl1pPr algn="ctr">
               <a:defRPr>
@@ -1752,14 +1651,12 @@
               </a:defRPr>
             </a:lvl1pPr>
           </a:lstStyle>
-          <a:p>
-            <a:endParaRPr/>
-          </a:p>
-        </p:txBody>
-      </p:sp>
-      <p:sp>
-        <p:nvSpPr>
-          <p:cNvPr id="4" name="Holder 4"/>
+          <a:p/>
+        </p:txBody>
+      </p:sp>
+      <p:sp>
+        <p:nvSpPr>
+          <p:cNvPr id="1048608" name="Holder 4"/>
           <p:cNvSpPr>
             <a:spLocks noGrp="1"/>
           </p:cNvSpPr>
@@ -1769,7 +1666,7 @@
         </p:nvSpPr>
         <p:spPr/>
         <p:txBody>
-          <a:bodyPr lIns="0" tIns="0" rIns="0" bIns="0"/>
+          <a:bodyPr bIns="0" lIns="0" rIns="0" tIns="0"/>
           <a:lstStyle>
             <a:lvl1pPr algn="l">
               <a:defRPr>
@@ -1784,7 +1681,6 @@
           <a:p>
             <a:fld id="{1D8BD707-D9CF-40AE-B4C6-C98DA3205C09}" type="datetimeFigureOut">
               <a:rPr lang="en-US"/>
-              <a:pPr/>
               <a:t>29-Aug-24</a:t>
             </a:fld>
             <a:endParaRPr lang="en-US"/>
@@ -1793,7 +1689,7 @@
       </p:sp>
       <p:sp>
         <p:nvSpPr>
-          <p:cNvPr id="5" name="Holder 5"/>
+          <p:cNvPr id="1048609" name="Holder 5"/>
           <p:cNvSpPr>
             <a:spLocks noGrp="1"/>
           </p:cNvSpPr>
@@ -1803,10 +1699,10 @@
         </p:nvSpPr>
         <p:spPr/>
         <p:txBody>
-          <a:bodyPr lIns="0" tIns="0" rIns="0" bIns="0"/>
+          <a:bodyPr bIns="0" lIns="0" rIns="0" tIns="0"/>
           <a:lstStyle>
             <a:lvl1pPr>
-              <a:defRPr sz="1100" b="0" i="0">
+              <a:defRPr b="0" sz="1100" i="0">
                 <a:solidFill>
                   <a:srgbClr val="2D936B"/>
                 </a:solidFill>
@@ -1825,7 +1721,7 @@
               </a:spcBef>
             </a:pPr>
             <a:fld id="{81D60167-4931-47E6-BA6A-407CBD079E47}" type="slidenum">
-              <a:rPr spc="10" dirty="0"/>
+              <a:rPr dirty="0" spc="10"/>
               <a:pPr marL="38100">
                 <a:lnSpc>
                   <a:spcPct val="100000"/>
@@ -1836,7 +1732,7 @@
               </a:pPr>
               <a:t>‹#›</a:t>
             </a:fld>
-            <a:endParaRPr spc="10" dirty="0"/>
+            <a:endParaRPr dirty="0" spc="10"/>
           </a:p>
         </p:txBody>
       </p:sp>
@@ -1849,11 +1745,11 @@
 </file>
 
 <file path=ppt/slideLayouts/slideLayout5.xml><?xml version="1.0" encoding="utf-8"?>
-<p:sldLayout xmlns:a="http://schemas.openxmlformats.org/drawingml/2006/main" xmlns:r="http://schemas.openxmlformats.org/officeDocument/2006/relationships" xmlns:p="http://schemas.openxmlformats.org/presentationml/2006/main" type="obj" preserve="1">
+<p:sldLayout xmlns:a="http://schemas.openxmlformats.org/drawingml/2006/main" xmlns:r="http://schemas.openxmlformats.org/officeDocument/2006/relationships" xmlns:p="http://schemas.openxmlformats.org/presentationml/2006/main" preserve="1" type="obj">
   <p:cSld name="Blank">
     <p:spTree>
       <p:nvGrpSpPr>
-        <p:cNvPr id="1" name=""/>
+        <p:cNvPr id="45" name=""/>
         <p:cNvGrpSpPr/>
         <p:nvPr/>
       </p:nvGrpSpPr>
@@ -1867,7 +1763,7 @@
       </p:grpSpPr>
       <p:sp>
         <p:nvSpPr>
-          <p:cNvPr id="2" name="Holder 2"/>
+          <p:cNvPr id="1048703" name="Holder 2"/>
           <p:cNvSpPr>
             <a:spLocks noGrp="1"/>
           </p:cNvSpPr>
@@ -1877,7 +1773,7 @@
         </p:nvSpPr>
         <p:spPr/>
         <p:txBody>
-          <a:bodyPr lIns="0" tIns="0" rIns="0" bIns="0"/>
+          <a:bodyPr bIns="0" lIns="0" rIns="0" tIns="0"/>
           <a:lstStyle>
             <a:lvl1pPr algn="ctr">
               <a:defRPr>
@@ -1889,14 +1785,12 @@
               </a:defRPr>
             </a:lvl1pPr>
           </a:lstStyle>
-          <a:p>
-            <a:endParaRPr/>
-          </a:p>
-        </p:txBody>
-      </p:sp>
-      <p:sp>
-        <p:nvSpPr>
-          <p:cNvPr id="3" name="Holder 3"/>
+          <a:p/>
+        </p:txBody>
+      </p:sp>
+      <p:sp>
+        <p:nvSpPr>
+          <p:cNvPr id="1048704" name="Holder 3"/>
           <p:cNvSpPr>
             <a:spLocks noGrp="1"/>
           </p:cNvSpPr>
@@ -1906,7 +1800,7 @@
         </p:nvSpPr>
         <p:spPr/>
         <p:txBody>
-          <a:bodyPr lIns="0" tIns="0" rIns="0" bIns="0"/>
+          <a:bodyPr bIns="0" lIns="0" rIns="0" tIns="0"/>
           <a:lstStyle>
             <a:lvl1pPr algn="l">
               <a:defRPr>
@@ -1921,7 +1815,6 @@
           <a:p>
             <a:fld id="{1D8BD707-D9CF-40AE-B4C6-C98DA3205C09}" type="datetimeFigureOut">
               <a:rPr lang="en-US"/>
-              <a:pPr/>
               <a:t>29-Aug-24</a:t>
             </a:fld>
             <a:endParaRPr lang="en-US"/>
@@ -1930,7 +1823,7 @@
       </p:sp>
       <p:sp>
         <p:nvSpPr>
-          <p:cNvPr id="4" name="Holder 4"/>
+          <p:cNvPr id="1048705" name="Holder 4"/>
           <p:cNvSpPr>
             <a:spLocks noGrp="1"/>
           </p:cNvSpPr>
@@ -1940,10 +1833,10 @@
         </p:nvSpPr>
         <p:spPr/>
         <p:txBody>
-          <a:bodyPr lIns="0" tIns="0" rIns="0" bIns="0"/>
+          <a:bodyPr bIns="0" lIns="0" rIns="0" tIns="0"/>
           <a:lstStyle>
             <a:lvl1pPr>
-              <a:defRPr sz="1100" b="0" i="0">
+              <a:defRPr b="0" sz="1100" i="0">
                 <a:solidFill>
                   <a:srgbClr val="2D936B"/>
                 </a:solidFill>
@@ -1962,7 +1855,7 @@
               </a:spcBef>
             </a:pPr>
             <a:fld id="{81D60167-4931-47E6-BA6A-407CBD079E47}" type="slidenum">
-              <a:rPr spc="10" dirty="0"/>
+              <a:rPr dirty="0" spc="10"/>
               <a:pPr marL="38100">
                 <a:lnSpc>
                   <a:spcPct val="100000"/>
@@ -1973,7 +1866,7 @@
               </a:pPr>
               <a:t>‹#›</a:t>
             </a:fld>
-            <a:endParaRPr spc="10" dirty="0"/>
+            <a:endParaRPr dirty="0" spc="10"/>
           </a:p>
         </p:txBody>
       </p:sp>
@@ -1998,7 +1891,7 @@
     </p:bg>
     <p:spTree>
       <p:nvGrpSpPr>
-        <p:cNvPr id="1" name=""/>
+        <p:cNvPr id="12" name=""/>
         <p:cNvGrpSpPr/>
         <p:nvPr/>
       </p:nvGrpSpPr>
@@ -2012,7 +1905,7 @@
       </p:grpSpPr>
       <p:sp>
         <p:nvSpPr>
-          <p:cNvPr id="16" name="bg object 16"/>
+          <p:cNvPr id="1048576" name="bg object 16"/>
           <p:cNvSpPr/>
           <p:nvPr/>
         </p:nvSpPr>
@@ -2023,9 +1916,7 @@
           </a:xfrm>
           <a:custGeom>
             <a:avLst/>
-            <a:gdLst/>
             <a:ahLst/>
-            <a:cxnLst/>
             <a:rect l="l" t="t" r="r" b="b"/>
             <a:pathLst>
               <a:path w="1218565" h="6853555">
@@ -2045,16 +1936,13 @@
           </a:ln>
         </p:spPr>
         <p:txBody>
-          <a:bodyPr wrap="square" lIns="0" tIns="0" rIns="0" bIns="0" rtlCol="0"/>
-          <a:lstStyle/>
-          <a:p>
-            <a:endParaRPr/>
-          </a:p>
-        </p:txBody>
-      </p:sp>
-      <p:sp>
-        <p:nvSpPr>
-          <p:cNvPr id="17" name="bg object 17"/>
+          <a:bodyPr bIns="0" lIns="0" rIns="0" rtlCol="0" tIns="0" wrap="square"/>
+          <a:p/>
+        </p:txBody>
+      </p:sp>
+      <p:sp>
+        <p:nvSpPr>
+          <p:cNvPr id="1048577" name="bg object 17"/>
           <p:cNvSpPr/>
           <p:nvPr/>
         </p:nvSpPr>
@@ -2065,9 +1953,7 @@
           </a:xfrm>
           <a:custGeom>
             <a:avLst/>
-            <a:gdLst/>
             <a:ahLst/>
-            <a:cxnLst/>
             <a:rect l="l" t="t" r="r" b="b"/>
             <a:pathLst>
               <a:path w="4743450" h="3163570">
@@ -2087,16 +1973,13 @@
           </a:ln>
         </p:spPr>
         <p:txBody>
-          <a:bodyPr wrap="square" lIns="0" tIns="0" rIns="0" bIns="0" rtlCol="0"/>
-          <a:lstStyle/>
-          <a:p>
-            <a:endParaRPr/>
-          </a:p>
-        </p:txBody>
-      </p:sp>
-      <p:sp>
-        <p:nvSpPr>
-          <p:cNvPr id="18" name="bg object 18"/>
+          <a:bodyPr bIns="0" lIns="0" rIns="0" rtlCol="0" tIns="0" wrap="square"/>
+          <a:p/>
+        </p:txBody>
+      </p:sp>
+      <p:sp>
+        <p:nvSpPr>
+          <p:cNvPr id="1048578" name="bg object 18"/>
           <p:cNvSpPr/>
           <p:nvPr/>
         </p:nvSpPr>
@@ -2107,9 +1990,7 @@
           </a:xfrm>
           <a:custGeom>
             <a:avLst/>
-            <a:gdLst/>
             <a:ahLst/>
-            <a:cxnLst/>
             <a:rect l="l" t="t" r="r" b="b"/>
             <a:pathLst>
               <a:path w="3009900" h="6858000">
@@ -2139,16 +2020,13 @@
           </a:solidFill>
         </p:spPr>
         <p:txBody>
-          <a:bodyPr wrap="square" lIns="0" tIns="0" rIns="0" bIns="0" rtlCol="0"/>
-          <a:lstStyle/>
-          <a:p>
-            <a:endParaRPr/>
-          </a:p>
-        </p:txBody>
-      </p:sp>
-      <p:sp>
-        <p:nvSpPr>
-          <p:cNvPr id="19" name="bg object 19"/>
+          <a:bodyPr bIns="0" lIns="0" rIns="0" rtlCol="0" tIns="0" wrap="square"/>
+          <a:p/>
+        </p:txBody>
+      </p:sp>
+      <p:sp>
+        <p:nvSpPr>
+          <p:cNvPr id="1048579" name="bg object 19"/>
           <p:cNvSpPr/>
           <p:nvPr/>
         </p:nvSpPr>
@@ -2159,9 +2037,7 @@
           </a:xfrm>
           <a:custGeom>
             <a:avLst/>
-            <a:gdLst/>
             <a:ahLst/>
-            <a:cxnLst/>
             <a:rect l="l" t="t" r="r" b="b"/>
             <a:pathLst>
               <a:path w="2589529" h="6858000">
@@ -2191,16 +2067,13 @@
           </a:solidFill>
         </p:spPr>
         <p:txBody>
-          <a:bodyPr wrap="square" lIns="0" tIns="0" rIns="0" bIns="0" rtlCol="0"/>
-          <a:lstStyle/>
-          <a:p>
-            <a:endParaRPr/>
-          </a:p>
-        </p:txBody>
-      </p:sp>
-      <p:sp>
-        <p:nvSpPr>
-          <p:cNvPr id="20" name="bg object 20"/>
+          <a:bodyPr bIns="0" lIns="0" rIns="0" rtlCol="0" tIns="0" wrap="square"/>
+          <a:p/>
+        </p:txBody>
+      </p:sp>
+      <p:sp>
+        <p:nvSpPr>
+          <p:cNvPr id="1048580" name="bg object 20"/>
           <p:cNvSpPr/>
           <p:nvPr/>
         </p:nvSpPr>
@@ -2211,9 +2084,7 @@
           </a:xfrm>
           <a:custGeom>
             <a:avLst/>
-            <a:gdLst/>
             <a:ahLst/>
-            <a:cxnLst/>
             <a:rect l="l" t="t" r="r" b="b"/>
             <a:pathLst>
               <a:path w="3257550" h="3810000">
@@ -2240,16 +2111,13 @@
           </a:solidFill>
         </p:spPr>
         <p:txBody>
-          <a:bodyPr wrap="square" lIns="0" tIns="0" rIns="0" bIns="0" rtlCol="0"/>
-          <a:lstStyle/>
-          <a:p>
-            <a:endParaRPr/>
-          </a:p>
-        </p:txBody>
-      </p:sp>
-      <p:sp>
-        <p:nvSpPr>
-          <p:cNvPr id="21" name="bg object 21"/>
+          <a:bodyPr bIns="0" lIns="0" rIns="0" rtlCol="0" tIns="0" wrap="square"/>
+          <a:p/>
+        </p:txBody>
+      </p:sp>
+      <p:sp>
+        <p:nvSpPr>
+          <p:cNvPr id="1048581" name="bg object 21"/>
           <p:cNvSpPr/>
           <p:nvPr/>
         </p:nvSpPr>
@@ -2260,9 +2128,7 @@
           </a:xfrm>
           <a:custGeom>
             <a:avLst/>
-            <a:gdLst/>
             <a:ahLst/>
-            <a:cxnLst/>
             <a:rect l="l" t="t" r="r" b="b"/>
             <a:pathLst>
               <a:path w="2854325" h="6858000">
@@ -2292,16 +2158,13 @@
           </a:solidFill>
         </p:spPr>
         <p:txBody>
-          <a:bodyPr wrap="square" lIns="0" tIns="0" rIns="0" bIns="0" rtlCol="0"/>
-          <a:lstStyle/>
-          <a:p>
-            <a:endParaRPr/>
-          </a:p>
-        </p:txBody>
-      </p:sp>
-      <p:sp>
-        <p:nvSpPr>
-          <p:cNvPr id="22" name="bg object 22"/>
+          <a:bodyPr bIns="0" lIns="0" rIns="0" rtlCol="0" tIns="0" wrap="square"/>
+          <a:p/>
+        </p:txBody>
+      </p:sp>
+      <p:sp>
+        <p:nvSpPr>
+          <p:cNvPr id="1048582" name="bg object 22"/>
           <p:cNvSpPr/>
           <p:nvPr/>
         </p:nvSpPr>
@@ -2312,9 +2175,7 @@
           </a:xfrm>
           <a:custGeom>
             <a:avLst/>
-            <a:gdLst/>
             <a:ahLst/>
-            <a:cxnLst/>
             <a:rect l="l" t="t" r="r" b="b"/>
             <a:pathLst>
               <a:path w="1295400" h="6858000">
@@ -2344,16 +2205,13 @@
           </a:solidFill>
         </p:spPr>
         <p:txBody>
-          <a:bodyPr wrap="square" lIns="0" tIns="0" rIns="0" bIns="0" rtlCol="0"/>
-          <a:lstStyle/>
-          <a:p>
-            <a:endParaRPr/>
-          </a:p>
-        </p:txBody>
-      </p:sp>
-      <p:sp>
-        <p:nvSpPr>
-          <p:cNvPr id="23" name="bg object 23"/>
+          <a:bodyPr bIns="0" lIns="0" rIns="0" rtlCol="0" tIns="0" wrap="square"/>
+          <a:p/>
+        </p:txBody>
+      </p:sp>
+      <p:sp>
+        <p:nvSpPr>
+          <p:cNvPr id="1048583" name="bg object 23"/>
           <p:cNvSpPr/>
           <p:nvPr/>
         </p:nvSpPr>
@@ -2364,9 +2222,7 @@
           </a:xfrm>
           <a:custGeom>
             <a:avLst/>
-            <a:gdLst/>
             <a:ahLst/>
-            <a:cxnLst/>
             <a:rect l="l" t="t" r="r" b="b"/>
             <a:pathLst>
               <a:path w="1256029" h="6858000">
@@ -2396,16 +2252,13 @@
           </a:solidFill>
         </p:spPr>
         <p:txBody>
-          <a:bodyPr wrap="square" lIns="0" tIns="0" rIns="0" bIns="0" rtlCol="0"/>
-          <a:lstStyle/>
-          <a:p>
-            <a:endParaRPr/>
-          </a:p>
-        </p:txBody>
-      </p:sp>
-      <p:sp>
-        <p:nvSpPr>
-          <p:cNvPr id="24" name="bg object 24"/>
+          <a:bodyPr bIns="0" lIns="0" rIns="0" rtlCol="0" tIns="0" wrap="square"/>
+          <a:p/>
+        </p:txBody>
+      </p:sp>
+      <p:sp>
+        <p:nvSpPr>
+          <p:cNvPr id="1048584" name="bg object 24"/>
           <p:cNvSpPr/>
           <p:nvPr/>
         </p:nvSpPr>
@@ -2416,9 +2269,7 @@
           </a:xfrm>
           <a:custGeom>
             <a:avLst/>
-            <a:gdLst/>
             <a:ahLst/>
-            <a:cxnLst/>
             <a:rect l="l" t="t" r="r" b="b"/>
             <a:pathLst>
               <a:path w="1819275" h="3267075">
@@ -2445,16 +2296,13 @@
           </a:solidFill>
         </p:spPr>
         <p:txBody>
-          <a:bodyPr wrap="square" lIns="0" tIns="0" rIns="0" bIns="0" rtlCol="0"/>
-          <a:lstStyle/>
-          <a:p>
-            <a:endParaRPr/>
-          </a:p>
-        </p:txBody>
-      </p:sp>
-      <p:sp>
-        <p:nvSpPr>
-          <p:cNvPr id="25" name="bg object 25"/>
+          <a:bodyPr bIns="0" lIns="0" rIns="0" rtlCol="0" tIns="0" wrap="square"/>
+          <a:p/>
+        </p:txBody>
+      </p:sp>
+      <p:sp>
+        <p:nvSpPr>
+          <p:cNvPr id="1048585" name="bg object 25"/>
           <p:cNvSpPr/>
           <p:nvPr/>
         </p:nvSpPr>
@@ -2465,9 +2313,7 @@
           </a:xfrm>
           <a:custGeom>
             <a:avLst/>
-            <a:gdLst/>
             <a:ahLst/>
-            <a:cxnLst/>
             <a:rect l="l" t="t" r="r" b="b"/>
             <a:pathLst>
               <a:path w="447675" h="2847975">
@@ -2494,16 +2340,13 @@
           </a:solidFill>
         </p:spPr>
         <p:txBody>
-          <a:bodyPr wrap="square" lIns="0" tIns="0" rIns="0" bIns="0" rtlCol="0"/>
-          <a:lstStyle/>
-          <a:p>
-            <a:endParaRPr/>
-          </a:p>
-        </p:txBody>
-      </p:sp>
-      <p:sp>
-        <p:nvSpPr>
-          <p:cNvPr id="2" name="Holder 2"/>
+          <a:bodyPr bIns="0" lIns="0" rIns="0" rtlCol="0" tIns="0" wrap="square"/>
+          <a:p/>
+        </p:txBody>
+      </p:sp>
+      <p:sp>
+        <p:nvSpPr>
+          <p:cNvPr id="1048586" name="Holder 2"/>
           <p:cNvSpPr>
             <a:spLocks noGrp="1"/>
           </p:cNvSpPr>
@@ -2516,17 +2359,15 @@
             <a:off x="755332" y="385444"/>
             <a:ext cx="10681335" cy="758190"/>
           </a:xfrm>
-          <a:prstGeom prst="rect">
-            <a:avLst/>
-          </a:prstGeom>
-        </p:spPr>
-        <p:txBody>
-          <a:bodyPr wrap="square" lIns="0" tIns="0" rIns="0" bIns="0">
+          <a:prstGeom prst="rect"/>
+        </p:spPr>
+        <p:txBody>
+          <a:bodyPr bIns="0" lIns="0" rIns="0" tIns="0" wrap="square">
             <a:spAutoFit/>
           </a:bodyPr>
           <a:lstStyle>
             <a:lvl1pPr>
-              <a:defRPr sz="4800" b="1" i="0">
+              <a:defRPr b="1" sz="4800" i="0">
                 <a:solidFill>
                   <a:schemeClr val="tx1"/>
                 </a:solidFill>
@@ -2535,14 +2376,12 @@
               </a:defRPr>
             </a:lvl1pPr>
           </a:lstStyle>
-          <a:p>
-            <a:endParaRPr/>
-          </a:p>
-        </p:txBody>
-      </p:sp>
-      <p:sp>
-        <p:nvSpPr>
-          <p:cNvPr id="3" name="Holder 3"/>
+          <a:p/>
+        </p:txBody>
+      </p:sp>
+      <p:sp>
+        <p:nvSpPr>
+          <p:cNvPr id="1048587" name="Holder 3"/>
           <p:cNvSpPr>
             <a:spLocks noGrp="1"/>
           </p:cNvSpPr>
@@ -2555,27 +2394,18 @@
             <a:off x="609600" y="1577340"/>
             <a:ext cx="10972800" cy="4526280"/>
           </a:xfrm>
-          <a:prstGeom prst="rect">
-            <a:avLst/>
-          </a:prstGeom>
-        </p:spPr>
-        <p:txBody>
-          <a:bodyPr wrap="square" lIns="0" tIns="0" rIns="0" bIns="0">
+          <a:prstGeom prst="rect"/>
+        </p:spPr>
+        <p:txBody>
+          <a:bodyPr bIns="0" lIns="0" rIns="0" tIns="0" wrap="square">
             <a:spAutoFit/>
           </a:bodyPr>
-          <a:lstStyle>
-            <a:lvl1pPr>
-              <a:defRPr/>
-            </a:lvl1pPr>
-          </a:lstStyle>
-          <a:p>
-            <a:endParaRPr/>
-          </a:p>
-        </p:txBody>
-      </p:sp>
-      <p:sp>
-        <p:nvSpPr>
-          <p:cNvPr id="4" name="Holder 4"/>
+          <a:p/>
+        </p:txBody>
+      </p:sp>
+      <p:sp>
+        <p:nvSpPr>
+          <p:cNvPr id="1048588" name="Holder 4"/>
           <p:cNvSpPr>
             <a:spLocks noGrp="1"/>
           </p:cNvSpPr>
@@ -2588,12 +2418,10 @@
             <a:off x="4145280" y="6377940"/>
             <a:ext cx="3901440" cy="342900"/>
           </a:xfrm>
-          <a:prstGeom prst="rect">
-            <a:avLst/>
-          </a:prstGeom>
-        </p:spPr>
-        <p:txBody>
-          <a:bodyPr wrap="square" lIns="0" tIns="0" rIns="0" bIns="0">
+          <a:prstGeom prst="rect"/>
+        </p:spPr>
+        <p:txBody>
+          <a:bodyPr bIns="0" lIns="0" rIns="0" tIns="0" wrap="square">
             <a:spAutoFit/>
           </a:bodyPr>
           <a:lstStyle>
@@ -2607,14 +2435,12 @@
               </a:defRPr>
             </a:lvl1pPr>
           </a:lstStyle>
-          <a:p>
-            <a:endParaRPr/>
-          </a:p>
-        </p:txBody>
-      </p:sp>
-      <p:sp>
-        <p:nvSpPr>
-          <p:cNvPr id="5" name="Holder 5"/>
+          <a:p/>
+        </p:txBody>
+      </p:sp>
+      <p:sp>
+        <p:nvSpPr>
+          <p:cNvPr id="1048589" name="Holder 5"/>
           <p:cNvSpPr>
             <a:spLocks noGrp="1"/>
           </p:cNvSpPr>
@@ -2627,12 +2453,10 @@
             <a:off x="609600" y="6377940"/>
             <a:ext cx="2804160" cy="342900"/>
           </a:xfrm>
-          <a:prstGeom prst="rect">
-            <a:avLst/>
-          </a:prstGeom>
-        </p:spPr>
-        <p:txBody>
-          <a:bodyPr wrap="square" lIns="0" tIns="0" rIns="0" bIns="0">
+          <a:prstGeom prst="rect"/>
+        </p:spPr>
+        <p:txBody>
+          <a:bodyPr bIns="0" lIns="0" rIns="0" tIns="0" wrap="square">
             <a:spAutoFit/>
           </a:bodyPr>
           <a:lstStyle>
@@ -2649,7 +2473,6 @@
           <a:p>
             <a:fld id="{1D8BD707-D9CF-40AE-B4C6-C98DA3205C09}" type="datetimeFigureOut">
               <a:rPr lang="en-US"/>
-              <a:pPr/>
               <a:t>29-Aug-24</a:t>
             </a:fld>
             <a:endParaRPr lang="en-US"/>
@@ -2658,7 +2481,7 @@
       </p:sp>
       <p:sp>
         <p:nvSpPr>
-          <p:cNvPr id="6" name="Holder 6"/>
+          <p:cNvPr id="1048590" name="Holder 6"/>
           <p:cNvSpPr>
             <a:spLocks noGrp="1"/>
           </p:cNvSpPr>
@@ -2671,17 +2494,15 @@
             <a:off x="11353418" y="6473337"/>
             <a:ext cx="151129" cy="191770"/>
           </a:xfrm>
-          <a:prstGeom prst="rect">
-            <a:avLst/>
-          </a:prstGeom>
-        </p:spPr>
-        <p:txBody>
-          <a:bodyPr wrap="square" lIns="0" tIns="0" rIns="0" bIns="0">
+          <a:prstGeom prst="rect"/>
+        </p:spPr>
+        <p:txBody>
+          <a:bodyPr bIns="0" lIns="0" rIns="0" tIns="0" wrap="square">
             <a:spAutoFit/>
           </a:bodyPr>
           <a:lstStyle>
             <a:lvl1pPr>
-              <a:defRPr sz="1100" b="0" i="0">
+              <a:defRPr b="0" sz="1100" i="0">
                 <a:solidFill>
                   <a:srgbClr val="2D936B"/>
                 </a:solidFill>
@@ -2700,7 +2521,7 @@
               </a:spcBef>
             </a:pPr>
             <a:fld id="{81D60167-4931-47E6-BA6A-407CBD079E47}" type="slidenum">
-              <a:rPr spc="10" dirty="0"/>
+              <a:rPr dirty="0" spc="10"/>
               <a:pPr marL="38100">
                 <a:lnSpc>
                   <a:spcPct val="100000"/>
@@ -2711,19 +2532,19 @@
               </a:pPr>
               <a:t>‹#›</a:t>
             </a:fld>
-            <a:endParaRPr spc="10" dirty="0"/>
+            <a:endParaRPr dirty="0" spc="10"/>
           </a:p>
         </p:txBody>
       </p:sp>
     </p:spTree>
   </p:cSld>
-  <p:clrMap bg1="lt1" tx1="dk1" bg2="lt2" tx2="dk2" accent1="accent1" accent2="accent2" accent3="accent3" accent4="accent4" accent5="accent5" accent6="accent6" hlink="hlink" folHlink="folHlink"/>
+  <p:clrMap accent1="accent1" accent2="accent2" accent3="accent3" accent4="accent4" accent5="accent5" accent6="accent6" bg1="lt1" bg2="lt2" tx1="dk1" tx2="dk2" hlink="hlink" folHlink="folHlink"/>
   <p:sldLayoutIdLst>
-    <p:sldLayoutId id="2147483661" r:id="rId1"/>
-    <p:sldLayoutId id="2147483662" r:id="rId2"/>
-    <p:sldLayoutId id="2147483663" r:id="rId3"/>
-    <p:sldLayoutId id="2147483664" r:id="rId4"/>
-    <p:sldLayoutId id="2147483665" r:id="rId5"/>
+    <p:sldLayoutId id="2147483667" r:id="rId1"/>
+    <p:sldLayoutId id="2147483668" r:id="rId2"/>
+    <p:sldLayoutId id="2147483669" r:id="rId3"/>
+    <p:sldLayoutId id="2147483670" r:id="rId4"/>
+    <p:sldLayoutId id="2147483671" r:id="rId5"/>
   </p:sldLayoutIdLst>
   <p:txStyles>
     <p:titleStyle>
@@ -2874,7 +2695,7 @@
   <p:cSld>
     <p:spTree>
       <p:nvGrpSpPr>
-        <p:cNvPr id="1" name=""/>
+        <p:cNvPr id="19" name=""/>
         <p:cNvGrpSpPr/>
         <p:nvPr/>
       </p:nvGrpSpPr>
@@ -2888,7 +2709,7 @@
       </p:grpSpPr>
       <p:grpSp>
         <p:nvGrpSpPr>
-          <p:cNvPr id="2" name="object 2"/>
+          <p:cNvPr id="20" name="object 2"/>
           <p:cNvGrpSpPr/>
           <p:nvPr/>
         </p:nvGrpSpPr>
@@ -2902,7 +2723,7 @@
         </p:grpSpPr>
         <p:sp>
           <p:nvSpPr>
-            <p:cNvPr id="3" name="object 3"/>
+            <p:cNvPr id="1048596" name="object 3"/>
             <p:cNvSpPr/>
             <p:nvPr/>
           </p:nvSpPr>
@@ -2913,9 +2734,7 @@
             </a:xfrm>
             <a:custGeom>
               <a:avLst/>
-              <a:gdLst/>
               <a:ahLst/>
-              <a:cxnLst/>
               <a:rect l="l" t="t" r="r" b="b"/>
               <a:pathLst>
                 <a:path w="1228725" h="1057275">
@@ -2949,16 +2768,13 @@
             </a:solidFill>
           </p:spPr>
           <p:txBody>
-            <a:bodyPr wrap="square" lIns="0" tIns="0" rIns="0" bIns="0" rtlCol="0"/>
-            <a:lstStyle/>
-            <a:p>
-              <a:endParaRPr/>
-            </a:p>
+            <a:bodyPr bIns="0" lIns="0" rIns="0" rtlCol="0" tIns="0" wrap="square"/>
+            <a:p/>
           </p:txBody>
         </p:sp>
         <p:sp>
           <p:nvSpPr>
-            <p:cNvPr id="4" name="object 4"/>
+            <p:cNvPr id="1048597" name="object 4"/>
             <p:cNvSpPr/>
             <p:nvPr/>
           </p:nvSpPr>
@@ -2969,9 +2785,7 @@
             </a:xfrm>
             <a:custGeom>
               <a:avLst/>
-              <a:gdLst/>
               <a:ahLst/>
-              <a:cxnLst/>
               <a:rect l="l" t="t" r="r" b="b"/>
               <a:pathLst>
                 <a:path w="647700" h="561975">
@@ -3005,17 +2819,14 @@
             </a:solidFill>
           </p:spPr>
           <p:txBody>
-            <a:bodyPr wrap="square" lIns="0" tIns="0" rIns="0" bIns="0" rtlCol="0"/>
-            <a:lstStyle/>
-            <a:p>
-              <a:endParaRPr/>
-            </a:p>
+            <a:bodyPr bIns="0" lIns="0" rIns="0" rtlCol="0" tIns="0" wrap="square"/>
+            <a:p/>
           </p:txBody>
         </p:sp>
       </p:grpSp>
       <p:sp>
         <p:nvSpPr>
-          <p:cNvPr id="5" name="object 5"/>
+          <p:cNvPr id="1048598" name="object 5"/>
           <p:cNvSpPr/>
           <p:nvPr/>
         </p:nvSpPr>
@@ -3026,9 +2837,7 @@
           </a:xfrm>
           <a:custGeom>
             <a:avLst/>
-            <a:gdLst/>
             <a:ahLst/>
-            <a:cxnLst/>
             <a:rect l="l" t="t" r="r" b="b"/>
             <a:pathLst>
               <a:path w="1666875" h="1438275">
@@ -3062,16 +2871,13 @@
           </a:solidFill>
         </p:spPr>
         <p:txBody>
-          <a:bodyPr wrap="square" lIns="0" tIns="0" rIns="0" bIns="0" rtlCol="0"/>
-          <a:lstStyle/>
-          <a:p>
-            <a:endParaRPr/>
-          </a:p>
-        </p:txBody>
-      </p:sp>
-      <p:sp>
-        <p:nvSpPr>
-          <p:cNvPr id="6" name="object 6"/>
+          <a:bodyPr bIns="0" lIns="0" rIns="0" rtlCol="0" tIns="0" wrap="square"/>
+          <a:p/>
+        </p:txBody>
+      </p:sp>
+      <p:sp>
+        <p:nvSpPr>
+          <p:cNvPr id="1048599" name="object 6"/>
           <p:cNvSpPr/>
           <p:nvPr/>
         </p:nvSpPr>
@@ -3082,9 +2888,7 @@
           </a:xfrm>
           <a:custGeom>
             <a:avLst/>
-            <a:gdLst/>
             <a:ahLst/>
-            <a:cxnLst/>
             <a:rect l="l" t="t" r="r" b="b"/>
             <a:pathLst>
               <a:path w="723900" h="619125">
@@ -3118,16 +2922,13 @@
           </a:solidFill>
         </p:spPr>
         <p:txBody>
-          <a:bodyPr wrap="square" lIns="0" tIns="0" rIns="0" bIns="0" rtlCol="0"/>
-          <a:lstStyle/>
-          <a:p>
-            <a:endParaRPr/>
-          </a:p>
-        </p:txBody>
-      </p:sp>
-      <p:sp>
-        <p:nvSpPr>
-          <p:cNvPr id="7" name="object 7"/>
+          <a:bodyPr bIns="0" lIns="0" rIns="0" rtlCol="0" tIns="0" wrap="square"/>
+          <a:p/>
+        </p:txBody>
+      </p:sp>
+      <p:sp>
+        <p:nvSpPr>
+          <p:cNvPr id="1048600" name="object 7"/>
           <p:cNvSpPr txBox="1">
             <a:spLocks noGrp="1"/>
           </p:cNvSpPr>
@@ -3140,15 +2941,12 @@
             <a:off x="-828675" y="19665"/>
             <a:ext cx="9982200" cy="1001556"/>
           </a:xfrm>
-          <a:prstGeom prst="rect">
-            <a:avLst/>
-          </a:prstGeom>
-        </p:spPr>
-        <p:txBody>
-          <a:bodyPr vert="horz" wrap="square" lIns="0" tIns="16510" rIns="0" bIns="0" rtlCol="0">
+          <a:prstGeom prst="rect"/>
+        </p:spPr>
+        <p:txBody>
+          <a:bodyPr bIns="0" lIns="0" rIns="0" rtlCol="0" tIns="16510" vert="horz" wrap="square">
             <a:spAutoFit/>
           </a:bodyPr>
-          <a:lstStyle/>
           <a:p>
             <a:pPr marL="3213735">
               <a:spcBef>
@@ -3156,7 +2954,7 @@
               </a:spcBef>
             </a:pPr>
             <a:r>
-              <a:rPr lang="en-US" b="1" dirty="0">
+              <a:rPr b="1" dirty="0" lang="en-US">
                 <a:solidFill>
                   <a:srgbClr val="0F0F0F"/>
                 </a:solidFill>
@@ -3166,7 +2964,7 @@
               <a:t>Employee Data Analysis using Excel</a:t>
             </a:r>
             <a:r>
-              <a:rPr lang="en-US" b="1" i="0" dirty="0">
+              <a:rPr b="1" dirty="0" i="0" lang="en-US">
                 <a:solidFill>
                   <a:srgbClr val="0F0F0F"/>
                 </a:solidFill>
@@ -3177,7 +2975,7 @@
               <a:t> </a:t>
             </a:r>
             <a:r>
-              <a:rPr lang="en-US" b="1" i="0" dirty="0">
+              <a:rPr b="1" dirty="0" i="0" lang="en-US">
                 <a:solidFill>
                   <a:srgbClr val="0F0F0F"/>
                 </a:solidFill>
@@ -3187,7 +2985,7 @@
               <a:t/>
             </a:r>
             <a:br>
-              <a:rPr lang="en-US" b="1" i="0" dirty="0">
+              <a:rPr b="1" dirty="0" i="0" lang="en-US">
                 <a:solidFill>
                   <a:srgbClr val="0F0F0F"/>
                 </a:solidFill>
@@ -3195,18 +2993,20 @@
                 <a:latin typeface="Roboto" panose="020F0502020204030204" pitchFamily="2" charset="0"/>
               </a:rPr>
             </a:br>
-            <a:endParaRPr spc="15" dirty="0"/>
+            <a:endParaRPr dirty="0" spc="15"/>
           </a:p>
         </p:txBody>
       </p:sp>
       <p:pic>
         <p:nvPicPr>
-          <p:cNvPr id="9" name="object 9"/>
-          <p:cNvPicPr/>
+          <p:cNvPr id="2097152" name="object 9"/>
+          <p:cNvPicPr>
+            <a:picLocks/>
+          </p:cNvPicPr>
           <p:nvPr/>
         </p:nvPicPr>
         <p:blipFill>
-          <a:blip r:embed="rId3" cstate="print"/>
+          <a:blip xmlns:r="http://schemas.openxmlformats.org/officeDocument/2006/relationships" r:embed="rId1" cstate="print"/>
           <a:stretch>
             <a:fillRect/>
           </a:stretch>
@@ -3216,14 +3016,12 @@
             <a:off x="676275" y="6467475"/>
             <a:ext cx="2143125" cy="200025"/>
           </a:xfrm>
-          <a:prstGeom prst="rect">
-            <a:avLst/>
-          </a:prstGeom>
+          <a:prstGeom prst="rect"/>
         </p:spPr>
       </p:pic>
       <p:sp>
         <p:nvSpPr>
-          <p:cNvPr id="11" name="object 11"/>
+          <p:cNvPr id="1048601" name="object 11"/>
           <p:cNvSpPr txBox="1">
             <a:spLocks noGrp="1"/>
           </p:cNvSpPr>
@@ -3232,15 +3030,16 @@
           </p:nvPr>
         </p:nvSpPr>
         <p:spPr>
-          <a:prstGeom prst="rect">
-            <a:avLst/>
-          </a:prstGeom>
-        </p:spPr>
-        <p:txBody>
-          <a:bodyPr vert="horz" wrap="square" lIns="0" tIns="6985" rIns="0" bIns="0" rtlCol="0">
+          <a:xfrm>
+            <a:off x="11353418" y="6473337"/>
+            <a:ext cx="151129" cy="133985"/>
+          </a:xfrm>
+          <a:prstGeom prst="rect"/>
+        </p:spPr>
+        <p:txBody>
+          <a:bodyPr bIns="0" lIns="0" rIns="0" rtlCol="0" tIns="6985" vert="horz" wrap="square">
             <a:spAutoFit/>
           </a:bodyPr>
-          <a:lstStyle/>
           <a:p>
             <a:pPr marL="38100">
               <a:lnSpc>
@@ -3251,7 +3050,7 @@
               </a:spcBef>
             </a:pPr>
             <a:fld id="{81D60167-4931-47E6-BA6A-407CBD079E47}" type="slidenum">
-              <a:rPr spc="10" dirty="0"/>
+              <a:rPr dirty="0" spc="10"/>
               <a:pPr marL="38100">
                 <a:lnSpc>
                   <a:spcPct val="100000"/>
@@ -3262,79 +3061,78 @@
               </a:pPr>
               <a:t>1</a:t>
             </a:fld>
-            <a:endParaRPr spc="10" dirty="0"/>
-          </a:p>
-        </p:txBody>
-      </p:sp>
-      <p:sp>
-        <p:nvSpPr>
-          <p:cNvPr id="14" name="TextBox 13">
-            <a:extLst>
-              <a:ext uri="{FF2B5EF4-FFF2-40B4-BE49-F238E27FC236}">
-                <a16:creationId xmlns="" xmlns:a16="http://schemas.microsoft.com/office/drawing/2014/main" id="{D55ADE35-C35B-07C1-F5AA-C33B3DDB802E}"/>
-              </a:ext>
-            </a:extLst>
-          </p:cNvPr>
+            <a:endParaRPr dirty="0" spc="10"/>
+          </a:p>
+        </p:txBody>
+      </p:sp>
+      <p:sp>
+        <p:nvSpPr>
+          <p:cNvPr id="1048602" name="TextBox 13"/>
           <p:cNvSpPr txBox="1"/>
           <p:nvPr/>
         </p:nvSpPr>
         <p:spPr>
           <a:xfrm>
             <a:off x="1905000" y="3200400"/>
-            <a:ext cx="8610600" cy="1938992"/>
-          </a:xfrm>
-          <a:prstGeom prst="rect">
-            <a:avLst/>
-          </a:prstGeom>
+            <a:ext cx="8610600" cy="1551940"/>
+          </a:xfrm>
+          <a:prstGeom prst="rect"/>
           <a:noFill/>
         </p:spPr>
         <p:txBody>
-          <a:bodyPr wrap="square" rtlCol="0">
+          <a:bodyPr rtlCol="0" wrap="square">
             <a:spAutoFit/>
           </a:bodyPr>
-          <a:lstStyle/>
-          <a:p>
-            <a:r>
-              <a:rPr lang="en-US" sz="2400" dirty="0"/>
+          <a:p>
+            <a:r>
+              <a:rPr dirty="0" sz="2400" lang="en-US"/>
               <a:t>STUDENT </a:t>
             </a:r>
             <a:r>
-              <a:rPr lang="en-US" sz="2400" dirty="0" smtClean="0"/>
+              <a:rPr dirty="0" sz="2400" lang="en-US" smtClean="0"/>
               <a:t>NAME: A.S.NAVIN KUMAR</a:t>
             </a:r>
-            <a:endParaRPr lang="en-US" sz="2400" dirty="0"/>
-          </a:p>
-          <a:p>
-            <a:r>
-              <a:rPr lang="en-US" sz="2400" dirty="0"/>
+            <a:endParaRPr dirty="0" sz="2400" lang="en-US"/>
+          </a:p>
+          <a:p>
+            <a:r>
+              <a:rPr dirty="0" sz="2400" lang="en-US"/>
               <a:t>REGISTER </a:t>
             </a:r>
             <a:r>
-              <a:rPr lang="en-US" sz="2400" dirty="0" smtClean="0"/>
-              <a:t>NO:31221332[UNM148722CCA008]</a:t>
-            </a:r>
-            <a:endParaRPr lang="en-US" sz="2400" dirty="0"/>
-          </a:p>
-          <a:p>
-            <a:r>
-              <a:rPr lang="en-US" sz="2400" dirty="0" smtClean="0"/>
+              <a:rPr dirty="0" sz="2400" lang="en-US" smtClean="0"/>
+              <a:t>NO:31221</a:t>
+            </a:r>
+            <a:r>
+              <a:rPr altLang="en-GB" dirty="0" sz="2400" lang="en-US" smtClean="0"/>
+              <a:t>5</a:t>
+            </a:r>
+            <a:r>
+              <a:rPr dirty="0" sz="2400" lang="en-US" smtClean="0"/>
+              <a:t>332[UNM148722CCA008]</a:t>
+            </a:r>
+            <a:endParaRPr dirty="0" sz="2400" lang="en-US"/>
+          </a:p>
+          <a:p>
+            <a:r>
+              <a:rPr dirty="0" sz="2400" lang="en-US" smtClean="0"/>
               <a:t>DEPARTMENT:BCOM[COMPUTER APPLICATION]</a:t>
             </a:r>
-            <a:endParaRPr lang="en-US" sz="2400" dirty="0"/>
-          </a:p>
-          <a:p>
-            <a:r>
-              <a:rPr lang="en-US" sz="2400" dirty="0" smtClean="0"/>
+            <a:endParaRPr dirty="0" sz="2400" lang="en-US"/>
+          </a:p>
+          <a:p>
+            <a:r>
+              <a:rPr dirty="0" sz="2400" lang="en-US" smtClean="0"/>
               <a:t>COLLEGE:JAYAGOVIND HARIGOPAL  AGARWAL  AGARESEN COLLEGE</a:t>
             </a:r>
-            <a:endParaRPr lang="en-US" sz="2400" dirty="0"/>
-          </a:p>
-          <a:p>
-            <a:r>
-              <a:rPr lang="en-US" sz="2400" dirty="0"/>
+            <a:endParaRPr dirty="0" sz="2400" lang="en-US"/>
+          </a:p>
+          <a:p>
+            <a:r>
+              <a:rPr dirty="0" sz="2400" lang="en-US"/>
               <a:t>           </a:t>
             </a:r>
-            <a:endParaRPr lang="en-IN" sz="2400" dirty="0"/>
+            <a:endParaRPr dirty="0" sz="2400" lang="en-IN"/>
           </a:p>
         </p:txBody>
       </p:sp>
@@ -3343,13 +3141,7 @@
   <p:clrMapOvr>
     <a:masterClrMapping/>
   </p:clrMapOvr>
-  <p:timing>
-    <p:tnLst>
-      <p:par>
-        <p:cTn id="1" dur="indefinite" restart="never" nodeType="tmRoot"/>
-      </p:par>
-    </p:tnLst>
-  </p:timing>
+  <p:timing/>
 </p:sld>
 </file>
 
@@ -3358,7 +3150,7 @@
   <p:cSld>
     <p:spTree>
       <p:nvGrpSpPr>
-        <p:cNvPr id="1" name=""/>
+        <p:cNvPr id="40" name=""/>
         <p:cNvGrpSpPr/>
         <p:nvPr/>
       </p:nvGrpSpPr>
@@ -3372,7 +3164,7 @@
       </p:grpSpPr>
       <p:sp>
         <p:nvSpPr>
-          <p:cNvPr id="5" name="object 5"/>
+          <p:cNvPr id="1048678" name="object 5"/>
           <p:cNvSpPr/>
           <p:nvPr/>
         </p:nvSpPr>
@@ -3383,9 +3175,7 @@
           </a:xfrm>
           <a:custGeom>
             <a:avLst/>
-            <a:gdLst/>
             <a:ahLst/>
-            <a:cxnLst/>
             <a:rect l="l" t="t" r="r" b="b"/>
             <a:pathLst>
               <a:path w="180975" h="180975">
@@ -3413,21 +3203,20 @@
           </a:solidFill>
         </p:spPr>
         <p:txBody>
-          <a:bodyPr wrap="square" lIns="0" tIns="0" rIns="0" bIns="0" rtlCol="0"/>
-          <a:lstStyle/>
-          <a:p>
-            <a:endParaRPr/>
-          </a:p>
+          <a:bodyPr bIns="0" lIns="0" rIns="0" rtlCol="0" tIns="0" wrap="square"/>
+          <a:p/>
         </p:txBody>
       </p:sp>
       <p:pic>
         <p:nvPicPr>
-          <p:cNvPr id="6" name="object 6"/>
-          <p:cNvPicPr/>
+          <p:cNvPr id="2097167" name="object 6"/>
+          <p:cNvPicPr>
+            <a:picLocks/>
+          </p:cNvPicPr>
           <p:nvPr/>
         </p:nvPicPr>
         <p:blipFill>
-          <a:blip r:embed="rId2" cstate="print"/>
+          <a:blip xmlns:r="http://schemas.openxmlformats.org/officeDocument/2006/relationships" r:embed="rId1" cstate="print"/>
           <a:stretch>
             <a:fillRect/>
           </a:stretch>
@@ -3437,14 +3226,12 @@
             <a:off x="1666875" y="6467475"/>
             <a:ext cx="76200" cy="177800"/>
           </a:xfrm>
-          <a:prstGeom prst="rect">
-            <a:avLst/>
-          </a:prstGeom>
+          <a:prstGeom prst="rect"/>
         </p:spPr>
       </p:pic>
       <p:sp>
         <p:nvSpPr>
-          <p:cNvPr id="9" name="object 9"/>
+          <p:cNvPr id="1048679" name="object 9"/>
           <p:cNvSpPr txBox="1"/>
           <p:nvPr/>
         </p:nvSpPr>
@@ -3453,15 +3240,12 @@
             <a:off x="11277218" y="6473337"/>
             <a:ext cx="228600" cy="191770"/>
           </a:xfrm>
-          <a:prstGeom prst="rect">
-            <a:avLst/>
-          </a:prstGeom>
-        </p:spPr>
-        <p:txBody>
-          <a:bodyPr vert="horz" wrap="square" lIns="0" tIns="6985" rIns="0" bIns="0" rtlCol="0">
+          <a:prstGeom prst="rect"/>
+        </p:spPr>
+        <p:txBody>
+          <a:bodyPr bIns="0" lIns="0" rIns="0" rtlCol="0" tIns="6985" vert="horz" wrap="square">
             <a:spAutoFit/>
           </a:bodyPr>
-          <a:lstStyle/>
           <a:p>
             <a:pPr marL="38100">
               <a:lnSpc>
@@ -3472,7 +3256,7 @@
               </a:spcBef>
             </a:pPr>
             <a:fld id="{81D60167-4931-47E6-BA6A-407CBD079E47}" type="slidenum">
-              <a:rPr sz="1100" spc="10" dirty="0">
+              <a:rPr dirty="0" sz="1100" spc="10">
                 <a:solidFill>
                   <a:srgbClr val="2D936B"/>
                 </a:solidFill>
@@ -3498,7 +3282,7 @@
       </p:sp>
       <p:sp>
         <p:nvSpPr>
-          <p:cNvPr id="8" name="object 8"/>
+          <p:cNvPr id="1048680" name="object 8"/>
           <p:cNvSpPr txBox="1"/>
           <p:nvPr/>
         </p:nvSpPr>
@@ -3507,15 +3291,12 @@
             <a:off x="457200" y="228600"/>
             <a:ext cx="3303904" cy="758190"/>
           </a:xfrm>
-          <a:prstGeom prst="rect">
-            <a:avLst/>
-          </a:prstGeom>
-        </p:spPr>
-        <p:txBody>
-          <a:bodyPr vert="horz" wrap="square" lIns="0" tIns="13335" rIns="0" bIns="0" rtlCol="0">
+          <a:prstGeom prst="rect"/>
+        </p:spPr>
+        <p:txBody>
+          <a:bodyPr bIns="0" lIns="0" rIns="0" rtlCol="0" tIns="13335" vert="horz" wrap="square">
             <a:spAutoFit/>
           </a:bodyPr>
-          <a:lstStyle/>
           <a:p>
             <a:pPr marL="12700">
               <a:lnSpc>
@@ -3526,62 +3307,62 @@
               </a:spcBef>
             </a:pPr>
             <a:r>
-              <a:rPr sz="4800" b="1" spc="15" dirty="0">
+              <a:rPr b="1" dirty="0" sz="4800" spc="15">
                 <a:latin typeface="Trebuchet MS"/>
                 <a:cs typeface="Trebuchet MS"/>
               </a:rPr>
               <a:t>M</a:t>
             </a:r>
             <a:r>
-              <a:rPr sz="4800" b="1" dirty="0">
+              <a:rPr b="1" dirty="0" sz="4800">
                 <a:latin typeface="Trebuchet MS"/>
                 <a:cs typeface="Trebuchet MS"/>
               </a:rPr>
               <a:t>O</a:t>
             </a:r>
             <a:r>
-              <a:rPr sz="4800" b="1" spc="-15" dirty="0">
+              <a:rPr b="1" dirty="0" sz="4800" spc="-15">
                 <a:latin typeface="Trebuchet MS"/>
                 <a:cs typeface="Trebuchet MS"/>
               </a:rPr>
               <a:t>D</a:t>
             </a:r>
             <a:r>
-              <a:rPr sz="4800" b="1" spc="-35" dirty="0">
+              <a:rPr b="1" dirty="0" sz="4800" spc="-35">
                 <a:latin typeface="Trebuchet MS"/>
                 <a:cs typeface="Trebuchet MS"/>
               </a:rPr>
               <a:t>E</a:t>
             </a:r>
             <a:r>
-              <a:rPr sz="4800" b="1" spc="-30" dirty="0">
+              <a:rPr b="1" dirty="0" sz="4800" spc="-30">
                 <a:latin typeface="Trebuchet MS"/>
                 <a:cs typeface="Trebuchet MS"/>
               </a:rPr>
               <a:t>LL</a:t>
             </a:r>
             <a:r>
-              <a:rPr sz="4800" b="1" spc="-5" dirty="0">
+              <a:rPr b="1" dirty="0" sz="4800" spc="-5">
                 <a:latin typeface="Trebuchet MS"/>
                 <a:cs typeface="Trebuchet MS"/>
               </a:rPr>
               <a:t>I</a:t>
             </a:r>
             <a:r>
-              <a:rPr sz="4800" b="1" spc="30" dirty="0">
+              <a:rPr b="1" dirty="0" sz="4800" spc="30">
                 <a:latin typeface="Trebuchet MS"/>
                 <a:cs typeface="Trebuchet MS"/>
               </a:rPr>
               <a:t>N</a:t>
             </a:r>
             <a:r>
-              <a:rPr sz="4800" b="1" spc="5" dirty="0">
+              <a:rPr b="1" dirty="0" sz="4800" spc="5">
                 <a:latin typeface="Trebuchet MS"/>
                 <a:cs typeface="Trebuchet MS"/>
               </a:rPr>
               <a:t>G</a:t>
             </a:r>
-            <a:endParaRPr sz="4800" dirty="0">
+            <a:endParaRPr dirty="0" sz="4800">
               <a:latin typeface="Trebuchet MS"/>
               <a:cs typeface="Trebuchet MS"/>
             </a:endParaRPr>
@@ -3590,7 +3371,7 @@
       </p:sp>
       <p:sp>
         <p:nvSpPr>
-          <p:cNvPr id="14" name="object 3"/>
+          <p:cNvPr id="1048681" name="object 3"/>
           <p:cNvSpPr/>
           <p:nvPr/>
         </p:nvSpPr>
@@ -3601,9 +3382,7 @@
           </a:xfrm>
           <a:custGeom>
             <a:avLst/>
-            <a:gdLst/>
             <a:ahLst/>
-            <a:cxnLst/>
             <a:rect l="l" t="t" r="r" b="b"/>
             <a:pathLst>
               <a:path w="457200" h="457200">
@@ -3631,16 +3410,13 @@
           </a:solidFill>
         </p:spPr>
         <p:txBody>
-          <a:bodyPr wrap="square" lIns="0" tIns="0" rIns="0" bIns="0" rtlCol="0"/>
-          <a:lstStyle/>
-          <a:p>
-            <a:endParaRPr/>
-          </a:p>
-        </p:txBody>
-      </p:sp>
-      <p:sp>
-        <p:nvSpPr>
-          <p:cNvPr id="7" name="Rectangle 6"/>
+          <a:bodyPr bIns="0" lIns="0" rIns="0" rtlCol="0" tIns="0" wrap="square"/>
+          <a:p/>
+        </p:txBody>
+      </p:sp>
+      <p:sp>
+        <p:nvSpPr>
+          <p:cNvPr id="1048682" name="Rectangle 6"/>
           <p:cNvSpPr/>
           <p:nvPr/>
         </p:nvSpPr>
@@ -3649,71 +3425,68 @@
             <a:off x="4114800" y="914400"/>
             <a:ext cx="4800600" cy="5078313"/>
           </a:xfrm>
-          <a:prstGeom prst="rect">
-            <a:avLst/>
-          </a:prstGeom>
+          <a:prstGeom prst="rect"/>
         </p:spPr>
         <p:txBody>
           <a:bodyPr wrap="square">
             <a:spAutoFit/>
           </a:bodyPr>
-          <a:lstStyle/>
-          <a:p>
-            <a:pPr marL="342900" indent="-342900"/>
-            <a:r>
-              <a:rPr lang="en-US" b="1" i="1" dirty="0" smtClean="0">
+          <a:p>
+            <a:pPr indent="-342900" marL="342900"/>
+            <a:r>
+              <a:rPr b="1" dirty="0" i="1" lang="en-US" smtClean="0">
                 <a:solidFill>
                   <a:srgbClr val="FF0000"/>
                 </a:solidFill>
               </a:rPr>
               <a:t>Editing</a:t>
             </a:r>
-            <a:endParaRPr lang="en-US" b="1" i="1" dirty="0" smtClean="0">
+            <a:endParaRPr b="1" dirty="0" i="1" lang="en-US" smtClean="0">
               <a:solidFill>
                 <a:srgbClr val="FF0000"/>
               </a:solidFill>
             </a:endParaRPr>
           </a:p>
           <a:p>
-            <a:pPr marL="342900" indent="-342900">
+            <a:pPr indent="-342900" marL="342900">
               <a:buAutoNum type="arabicParenR"/>
             </a:pPr>
             <a:r>
-              <a:rPr lang="en-US" b="1" i="1" dirty="0" smtClean="0"/>
+              <a:rPr b="1" dirty="0" i="1" lang="en-US" smtClean="0"/>
               <a:t>Fonts</a:t>
             </a:r>
-            <a:endParaRPr lang="en-US" b="1" i="1" dirty="0" smtClean="0"/>
-          </a:p>
-          <a:p>
-            <a:pPr marL="342900" indent="-342900">
+            <a:endParaRPr b="1" dirty="0" i="1" lang="en-US" smtClean="0"/>
+          </a:p>
+          <a:p>
+            <a:pPr indent="-342900" marL="342900">
               <a:buAutoNum type="arabicParenR"/>
             </a:pPr>
             <a:r>
-              <a:rPr lang="en-US" b="1" i="1" dirty="0" smtClean="0"/>
+              <a:rPr b="1" dirty="0" i="1" lang="en-US" smtClean="0"/>
               <a:t>Filter</a:t>
             </a:r>
           </a:p>
           <a:p>
-            <a:pPr marL="342900" indent="-342900">
+            <a:pPr indent="-342900" marL="342900">
               <a:buAutoNum type="arabicParenR"/>
             </a:pPr>
             <a:r>
-              <a:rPr lang="en-US" b="1" i="1" dirty="0" smtClean="0"/>
+              <a:rPr b="1" dirty="0" i="1" lang="en-US" smtClean="0"/>
               <a:t>Highlight</a:t>
             </a:r>
           </a:p>
           <a:p>
-            <a:pPr marL="342900" indent="-342900">
+            <a:pPr indent="-342900" marL="342900">
               <a:buAutoNum type="arabicParenR"/>
             </a:pPr>
             <a:r>
-              <a:rPr lang="en-US" b="1" i="1" dirty="0" smtClean="0"/>
+              <a:rPr b="1" dirty="0" i="1" lang="en-US" smtClean="0"/>
               <a:t>Formulas</a:t>
             </a:r>
           </a:p>
           <a:p>
             <a:r>
-              <a:rPr lang="en-US" b="1" i="1" dirty="0" smtClean="0">
+              <a:rPr b="1" dirty="0" i="1" lang="en-US" smtClean="0">
                 <a:solidFill>
                   <a:srgbClr val="FF0000"/>
                 </a:solidFill>
@@ -3721,7 +3494,7 @@
               <a:t>Feature </a:t>
             </a:r>
             <a:r>
-              <a:rPr lang="en-US" b="1" i="1" dirty="0" smtClean="0">
+              <a:rPr b="1" dirty="0" i="1" lang="en-US" smtClean="0">
                 <a:solidFill>
                   <a:srgbClr val="FF0000"/>
                 </a:solidFill>
@@ -3731,25 +3504,25 @@
           </a:p>
           <a:p>
             <a:r>
-              <a:rPr lang="en-US" b="1" i="1" dirty="0" smtClean="0"/>
+              <a:rPr b="1" dirty="0" i="1" lang="en-US" smtClean="0"/>
               <a:t>1)Employee Id</a:t>
             </a:r>
           </a:p>
           <a:p>
             <a:r>
-              <a:rPr lang="en-US" b="1" i="1" dirty="0" smtClean="0"/>
+              <a:rPr b="1" dirty="0" i="1" lang="en-US" smtClean="0"/>
               <a:t>2)Employee type</a:t>
             </a:r>
           </a:p>
           <a:p>
             <a:r>
-              <a:rPr lang="en-US" b="1" i="1" dirty="0" smtClean="0"/>
+              <a:rPr b="1" dirty="0" i="1" lang="en-US" smtClean="0"/>
               <a:t>3)Performance level etc..</a:t>
             </a:r>
           </a:p>
           <a:p>
             <a:r>
-              <a:rPr lang="en-US" b="1" i="1" dirty="0" smtClean="0">
+              <a:rPr b="1" dirty="0" i="1" lang="en-US" smtClean="0">
                 <a:solidFill>
                   <a:srgbClr val="FF0000"/>
                 </a:solidFill>
@@ -3757,7 +3530,7 @@
               <a:t>Data </a:t>
             </a:r>
             <a:r>
-              <a:rPr lang="en-US" b="1" i="1" dirty="0" smtClean="0">
+              <a:rPr b="1" dirty="0" i="1" lang="en-US" smtClean="0">
                 <a:solidFill>
                   <a:srgbClr val="FF0000"/>
                 </a:solidFill>
@@ -3767,39 +3540,39 @@
           </a:p>
           <a:p>
             <a:r>
-              <a:rPr lang="en-US" b="1" i="1" dirty="0" smtClean="0"/>
+              <a:rPr b="1" dirty="0" i="1" lang="en-US" smtClean="0"/>
               <a:t>1)</a:t>
             </a:r>
             <a:r>
-              <a:rPr lang="en-US" b="1" i="1" dirty="0" err="1" smtClean="0"/>
+              <a:rPr b="1" dirty="0" i="1" lang="en-US" err="1" smtClean="0"/>
               <a:t>Kaggle</a:t>
             </a:r>
-            <a:endParaRPr lang="en-US" b="1" i="1" dirty="0" smtClean="0"/>
-          </a:p>
-          <a:p>
-            <a:r>
-              <a:rPr lang="en-US" b="1" i="1" dirty="0" smtClean="0"/>
+            <a:endParaRPr b="1" dirty="0" i="1" lang="en-US" smtClean="0"/>
+          </a:p>
+          <a:p>
+            <a:r>
+              <a:rPr b="1" dirty="0" i="1" lang="en-US" smtClean="0"/>
               <a:t>2)</a:t>
             </a:r>
             <a:r>
-              <a:rPr lang="en-US" b="1" i="1" dirty="0" err="1" smtClean="0"/>
+              <a:rPr b="1" dirty="0" i="1" lang="en-US" err="1" smtClean="0"/>
               <a:t>E</a:t>
             </a:r>
             <a:r>
-              <a:rPr lang="en-US" b="1" i="1" dirty="0" err="1" smtClean="0"/>
+              <a:rPr b="1" dirty="0" i="1" lang="en-US" err="1" smtClean="0"/>
               <a:t>dunet</a:t>
             </a:r>
-            <a:endParaRPr lang="en-US" b="1" i="1" dirty="0" smtClean="0"/>
-          </a:p>
-          <a:p>
-            <a:r>
-              <a:rPr lang="en-US" b="1" i="1" dirty="0" smtClean="0"/>
+            <a:endParaRPr b="1" dirty="0" i="1" lang="en-US" smtClean="0"/>
+          </a:p>
+          <a:p>
+            <a:r>
+              <a:rPr b="1" dirty="0" i="1" lang="en-US" smtClean="0"/>
               <a:t>3)Employee data set</a:t>
             </a:r>
           </a:p>
           <a:p>
             <a:r>
-              <a:rPr lang="en-US" b="1" i="1" dirty="0" smtClean="0">
+              <a:rPr b="1" dirty="0" i="1" lang="en-US" smtClean="0">
                 <a:solidFill>
                   <a:srgbClr val="FF0000"/>
                 </a:solidFill>
@@ -3808,41 +3581,41 @@
             </a:r>
           </a:p>
           <a:p>
-            <a:pPr marL="342900" indent="-342900">
+            <a:pPr indent="-342900" marL="342900">
               <a:buAutoNum type="arabicParenR"/>
             </a:pPr>
             <a:r>
-              <a:rPr lang="en-US" b="1" i="1" dirty="0" smtClean="0"/>
+              <a:rPr b="1" dirty="0" i="1" lang="en-US" smtClean="0"/>
               <a:t>Pivot table</a:t>
             </a:r>
           </a:p>
           <a:p>
-            <a:pPr marL="342900" indent="-342900">
+            <a:pPr indent="-342900" marL="342900">
               <a:buAutoNum type="arabicParenR"/>
             </a:pPr>
             <a:r>
-              <a:rPr lang="en-US" b="1" i="1" dirty="0" smtClean="0"/>
+              <a:rPr b="1" dirty="0" i="1" lang="en-US" smtClean="0"/>
               <a:t>Graph</a:t>
             </a:r>
           </a:p>
           <a:p>
-            <a:pPr marL="342900" indent="-342900">
+            <a:pPr indent="-342900" marL="342900">
               <a:buAutoNum type="arabicParenR"/>
             </a:pPr>
             <a:r>
-              <a:rPr lang="en-US" b="1" i="1" dirty="0" smtClean="0"/>
+              <a:rPr b="1" dirty="0" i="1" lang="en-US" smtClean="0"/>
               <a:t>Slicer</a:t>
             </a:r>
           </a:p>
           <a:p>
-            <a:pPr marL="342900" indent="-342900"/>
-            <a:endParaRPr lang="en-US" b="1" i="1" dirty="0" smtClean="0"/>
-          </a:p>
-        </p:txBody>
-      </p:sp>
-      <p:sp>
-        <p:nvSpPr>
-          <p:cNvPr id="11" name="Oval 10"/>
+            <a:pPr indent="-342900" marL="342900"/>
+            <a:endParaRPr b="1" dirty="0" i="1" lang="en-US" smtClean="0"/>
+          </a:p>
+        </p:txBody>
+      </p:sp>
+      <p:sp>
+        <p:nvSpPr>
+          <p:cNvPr id="1048683" name="Oval 10"/>
           <p:cNvSpPr/>
           <p:nvPr/>
         </p:nvSpPr>
@@ -3851,14 +3624,12 @@
             <a:off x="3124200" y="381000"/>
             <a:ext cx="3657600" cy="5105400"/>
           </a:xfrm>
-          <a:prstGeom prst="ellipse">
-            <a:avLst/>
-          </a:prstGeom>
+          <a:prstGeom prst="ellipse"/>
           <a:ln>
             <a:noFill/>
           </a:ln>
           <a:effectLst>
-            <a:outerShdw blurRad="127000" dist="38100" dir="2700000" algn="ctr">
+            <a:outerShdw algn="ctr" blurRad="127000" dir="2700000" dist="38100">
               <a:srgbClr val="000000">
                 <a:alpha val="45000"/>
               </a:srgbClr>
@@ -3868,7 +3639,7 @@
             <a:camera prst="perspectiveFront" fov="2700000">
               <a:rot lat="20376000" lon="1938000" rev="20112001"/>
             </a:camera>
-            <a:lightRig rig="soft" dir="t">
+            <a:lightRig dir="t" rig="soft">
               <a:rot lat="0" lon="0" rev="0"/>
             </a:lightRig>
           </a:scene3d>
@@ -3893,8 +3664,7 @@
           </a:fontRef>
         </p:style>
         <p:txBody>
-          <a:bodyPr rtlCol="0" anchor="ctr"/>
-          <a:lstStyle/>
+          <a:bodyPr anchor="ctr" rtlCol="0"/>
           <a:p>
             <a:pPr algn="ctr"/>
             <a:endParaRPr lang="en-US"/>
@@ -3906,13 +3676,7 @@
   <p:clrMapOvr>
     <a:masterClrMapping/>
   </p:clrMapOvr>
-  <p:timing>
-    <p:tnLst>
-      <p:par>
-        <p:cTn id="1" dur="indefinite" restart="never" nodeType="tmRoot"/>
-      </p:par>
-    </p:tnLst>
-  </p:timing>
+  <p:timing/>
 </p:sld>
 </file>
 
@@ -3921,7 +3685,7 @@
   <p:cSld>
     <p:spTree>
       <p:nvGrpSpPr>
-        <p:cNvPr id="1" name=""/>
+        <p:cNvPr id="41" name=""/>
         <p:cNvGrpSpPr/>
         <p:nvPr/>
       </p:nvGrpSpPr>
@@ -3935,13 +3699,7 @@
       </p:grpSpPr>
       <p:sp>
         <p:nvSpPr>
-          <p:cNvPr id="2" name="Title 1">
-            <a:extLst>
-              <a:ext uri="{FF2B5EF4-FFF2-40B4-BE49-F238E27FC236}">
-                <a16:creationId xmlns="" xmlns:a16="http://schemas.microsoft.com/office/drawing/2014/main" id="{F9A5CB5B-BDD0-5A64-1A7C-37D3C88F8F9E}"/>
-              </a:ext>
-            </a:extLst>
-          </p:cNvPr>
+          <p:cNvPr id="1048684" name="Title 1"/>
           <p:cNvSpPr>
             <a:spLocks noGrp="1"/>
           </p:cNvSpPr>
@@ -3952,16 +3710,15 @@
         <p:spPr/>
         <p:txBody>
           <a:bodyPr/>
-          <a:lstStyle/>
-          <a:p>
-            <a:r>
-              <a:rPr lang="en-US" dirty="0" smtClean="0">
+          <a:p>
+            <a:r>
+              <a:rPr dirty="0" lang="en-US" smtClean="0">
                 <a:latin typeface="Times New Roman" panose="02020603050405020304" pitchFamily="18" charset="0"/>
                 <a:cs typeface="Times New Roman" panose="02020603050405020304" pitchFamily="18" charset="0"/>
               </a:rPr>
               <a:t>RESULT</a:t>
             </a:r>
-            <a:endParaRPr lang="en-IN" dirty="0">
+            <a:endParaRPr dirty="0" lang="en-IN">
               <a:latin typeface="Times New Roman" panose="02020603050405020304" pitchFamily="18" charset="0"/>
               <a:cs typeface="Times New Roman" panose="02020603050405020304" pitchFamily="18" charset="0"/>
             </a:endParaRPr>
@@ -3970,8 +3727,10 @@
       </p:sp>
       <p:graphicFrame>
         <p:nvGraphicFramePr>
-          <p:cNvPr id="3" name="Chart 2"/>
-          <p:cNvGraphicFramePr/>
+          <p:cNvPr id="4194304" name="Chart 2"/>
+          <p:cNvGraphicFramePr>
+            <a:graphicFrameLocks/>
+          </p:cNvGraphicFramePr>
           <p:nvPr/>
         </p:nvGraphicFramePr>
         <p:xfrm>
@@ -3980,27 +3739,16 @@
         </p:xfrm>
         <a:graphic>
           <a:graphicData uri="http://schemas.openxmlformats.org/drawingml/2006/chart">
-            <c:chart xmlns:c="http://schemas.openxmlformats.org/drawingml/2006/chart" xmlns:r="http://schemas.openxmlformats.org/officeDocument/2006/relationships" r:id="rId2"/>
+            <c:chart xmlns:c="http://schemas.openxmlformats.org/drawingml/2006/chart" xmlns:r="http://schemas.openxmlformats.org/officeDocument/2006/relationships" r:id="rId1"/>
           </a:graphicData>
         </a:graphic>
       </p:graphicFrame>
     </p:spTree>
-    <p:extLst>
-      <p:ext uri="{BB962C8B-B14F-4D97-AF65-F5344CB8AC3E}">
-        <p14:creationId xmlns="" xmlns:p14="http://schemas.microsoft.com/office/powerpoint/2010/main" val="2986442291"/>
-      </p:ext>
-    </p:extLst>
   </p:cSld>
   <p:clrMapOvr>
     <a:masterClrMapping/>
   </p:clrMapOvr>
-  <p:timing>
-    <p:tnLst>
-      <p:par>
-        <p:cTn id="1" dur="indefinite" restart="never" nodeType="tmRoot"/>
-      </p:par>
-    </p:tnLst>
-  </p:timing>
+  <p:timing/>
 </p:sld>
 </file>
 
@@ -4009,7 +3757,7 @@
   <p:cSld>
     <p:spTree>
       <p:nvGrpSpPr>
-        <p:cNvPr id="1" name=""/>
+        <p:cNvPr id="42" name=""/>
         <p:cNvGrpSpPr/>
         <p:nvPr/>
       </p:nvGrpSpPr>
@@ -4023,7 +3771,7 @@
       </p:grpSpPr>
       <p:sp>
         <p:nvSpPr>
-          <p:cNvPr id="3" name="object 3"/>
+          <p:cNvPr id="1048685" name="object 3"/>
           <p:cNvSpPr/>
           <p:nvPr/>
         </p:nvSpPr>
@@ -4034,9 +3782,7 @@
           </a:xfrm>
           <a:custGeom>
             <a:avLst/>
-            <a:gdLst/>
             <a:ahLst/>
-            <a:cxnLst/>
             <a:rect l="l" t="t" r="r" b="b"/>
             <a:pathLst>
               <a:path w="457200" h="457200">
@@ -4064,16 +3810,13 @@
           </a:solidFill>
         </p:spPr>
         <p:txBody>
-          <a:bodyPr wrap="square" lIns="0" tIns="0" rIns="0" bIns="0" rtlCol="0"/>
-          <a:lstStyle/>
-          <a:p>
-            <a:endParaRPr/>
-          </a:p>
-        </p:txBody>
-      </p:sp>
-      <p:sp>
-        <p:nvSpPr>
-          <p:cNvPr id="4" name="object 4"/>
+          <a:bodyPr bIns="0" lIns="0" rIns="0" rtlCol="0" tIns="0" wrap="square"/>
+          <a:p/>
+        </p:txBody>
+      </p:sp>
+      <p:sp>
+        <p:nvSpPr>
+          <p:cNvPr id="1048686" name="object 4"/>
           <p:cNvSpPr/>
           <p:nvPr/>
         </p:nvSpPr>
@@ -4084,9 +3827,7 @@
           </a:xfrm>
           <a:custGeom>
             <a:avLst/>
-            <a:gdLst/>
             <a:ahLst/>
-            <a:cxnLst/>
             <a:rect l="l" t="t" r="r" b="b"/>
             <a:pathLst>
               <a:path w="314325" h="323850">
@@ -4114,16 +3855,13 @@
           </a:solidFill>
         </p:spPr>
         <p:txBody>
-          <a:bodyPr wrap="square" lIns="0" tIns="0" rIns="0" bIns="0" rtlCol="0"/>
-          <a:lstStyle/>
-          <a:p>
-            <a:endParaRPr/>
-          </a:p>
-        </p:txBody>
-      </p:sp>
-      <p:sp>
-        <p:nvSpPr>
-          <p:cNvPr id="5" name="object 5"/>
+          <a:bodyPr bIns="0" lIns="0" rIns="0" rtlCol="0" tIns="0" wrap="square"/>
+          <a:p/>
+        </p:txBody>
+      </p:sp>
+      <p:sp>
+        <p:nvSpPr>
+          <p:cNvPr id="1048687" name="object 5"/>
           <p:cNvSpPr/>
           <p:nvPr/>
         </p:nvSpPr>
@@ -4134,9 +3872,7 @@
           </a:xfrm>
           <a:custGeom>
             <a:avLst/>
-            <a:gdLst/>
             <a:ahLst/>
-            <a:cxnLst/>
             <a:rect l="l" t="t" r="r" b="b"/>
             <a:pathLst>
               <a:path w="180975" h="180975">
@@ -4164,21 +3900,20 @@
           </a:solidFill>
         </p:spPr>
         <p:txBody>
-          <a:bodyPr wrap="square" lIns="0" tIns="0" rIns="0" bIns="0" rtlCol="0"/>
-          <a:lstStyle/>
-          <a:p>
-            <a:endParaRPr/>
-          </a:p>
+          <a:bodyPr bIns="0" lIns="0" rIns="0" rtlCol="0" tIns="0" wrap="square"/>
+          <a:p/>
         </p:txBody>
       </p:sp>
       <p:pic>
         <p:nvPicPr>
-          <p:cNvPr id="6" name="object 6"/>
-          <p:cNvPicPr/>
+          <p:cNvPr id="2097168" name="object 6"/>
+          <p:cNvPicPr>
+            <a:picLocks/>
+          </p:cNvPicPr>
           <p:nvPr/>
         </p:nvPicPr>
         <p:blipFill>
-          <a:blip r:embed="rId2" cstate="print"/>
+          <a:blip xmlns:r="http://schemas.openxmlformats.org/officeDocument/2006/relationships" r:embed="rId1" cstate="print"/>
           <a:stretch>
             <a:fillRect/>
           </a:stretch>
@@ -4188,14 +3923,12 @@
             <a:off x="1666875" y="6467475"/>
             <a:ext cx="76200" cy="177800"/>
           </a:xfrm>
-          <a:prstGeom prst="rect">
-            <a:avLst/>
-          </a:prstGeom>
+          <a:prstGeom prst="rect"/>
         </p:spPr>
       </p:pic>
       <p:sp>
         <p:nvSpPr>
-          <p:cNvPr id="7" name="object 7"/>
+          <p:cNvPr id="1048688" name="object 7"/>
           <p:cNvSpPr txBox="1">
             <a:spLocks noGrp="1"/>
           </p:cNvSpPr>
@@ -4208,15 +3941,12 @@
             <a:off x="755332" y="385444"/>
             <a:ext cx="4045268" cy="629018"/>
           </a:xfrm>
-          <a:prstGeom prst="rect">
-            <a:avLst/>
-          </a:prstGeom>
-        </p:spPr>
-        <p:txBody>
-          <a:bodyPr vert="horz" wrap="square" lIns="0" tIns="13335" rIns="0" bIns="0" rtlCol="0">
+          <a:prstGeom prst="rect"/>
+        </p:spPr>
+        <p:txBody>
+          <a:bodyPr bIns="0" lIns="0" rIns="0" rtlCol="0" tIns="13335" vert="horz" wrap="square">
             <a:spAutoFit/>
           </a:bodyPr>
-          <a:lstStyle/>
           <a:p>
             <a:pPr marL="12700">
               <a:lnSpc>
@@ -4227,16 +3957,16 @@
               </a:spcBef>
             </a:pPr>
             <a:r>
-              <a:rPr lang="en-US" sz="4000" dirty="0" smtClean="0"/>
+              <a:rPr dirty="0" sz="4000" lang="en-US" smtClean="0"/>
               <a:t>CONCLUSION</a:t>
             </a:r>
-            <a:endParaRPr sz="4000" dirty="0"/>
-          </a:p>
-        </p:txBody>
-      </p:sp>
-      <p:sp>
-        <p:nvSpPr>
-          <p:cNvPr id="9" name="object 9"/>
+            <a:endParaRPr dirty="0" sz="4000"/>
+          </a:p>
+        </p:txBody>
+      </p:sp>
+      <p:sp>
+        <p:nvSpPr>
+          <p:cNvPr id="1048689" name="object 9"/>
           <p:cNvSpPr txBox="1"/>
           <p:nvPr/>
         </p:nvSpPr>
@@ -4245,15 +3975,12 @@
             <a:off x="11277218" y="6473337"/>
             <a:ext cx="228600" cy="191770"/>
           </a:xfrm>
-          <a:prstGeom prst="rect">
-            <a:avLst/>
-          </a:prstGeom>
-        </p:spPr>
-        <p:txBody>
-          <a:bodyPr vert="horz" wrap="square" lIns="0" tIns="6985" rIns="0" bIns="0" rtlCol="0">
+          <a:prstGeom prst="rect"/>
+        </p:spPr>
+        <p:txBody>
+          <a:bodyPr bIns="0" lIns="0" rIns="0" rtlCol="0" tIns="6985" vert="horz" wrap="square">
             <a:spAutoFit/>
           </a:bodyPr>
-          <a:lstStyle/>
           <a:p>
             <a:pPr marL="38100">
               <a:lnSpc>
@@ -4264,7 +3991,7 @@
               </a:spcBef>
             </a:pPr>
             <a:fld id="{81D60167-4931-47E6-BA6A-407CBD079E47}" type="slidenum">
-              <a:rPr sz="1100" spc="10" dirty="0">
+              <a:rPr dirty="0" sz="1100" spc="10">
                 <a:solidFill>
                   <a:srgbClr val="2D936B"/>
                 </a:solidFill>
@@ -4290,7 +4017,7 @@
       </p:sp>
       <p:sp>
         <p:nvSpPr>
-          <p:cNvPr id="8" name="Rectangle 7"/>
+          <p:cNvPr id="1048690" name="Rectangle 7"/>
           <p:cNvSpPr/>
           <p:nvPr/>
         </p:nvSpPr>
@@ -4299,23 +4026,20 @@
             <a:off x="1905000" y="1905000"/>
             <a:ext cx="6096000" cy="3139321"/>
           </a:xfrm>
-          <a:prstGeom prst="rect">
-            <a:avLst/>
-          </a:prstGeom>
+          <a:prstGeom prst="rect"/>
         </p:spPr>
         <p:txBody>
           <a:bodyPr>
             <a:spAutoFit/>
           </a:bodyPr>
-          <a:lstStyle/>
-          <a:p>
-            <a:r>
-              <a:rPr lang="en-US" i="1" dirty="0" smtClean="0">
+          <a:p>
+            <a:r>
+              <a:rPr dirty="0" i="1" lang="en-US" smtClean="0">
                 <a:latin typeface="Arial Black" pitchFamily="34" charset="0"/>
               </a:rPr>
               <a:t>The analysis of employee performance ratings reveals that a majority of employees are rated at medium or low levels. This indicates that while a significant portion of the workforce meets basic expectations, there is room for improvement in achieving higher performance standards. Moving forward, the focus should be on targeted training, support, and motivation to elevate more employees to high-performance levels, thereby enhancing overall productivity and organizational success</a:t>
             </a:r>
-            <a:endParaRPr lang="en-US" dirty="0">
+            <a:endParaRPr dirty="0" lang="en-US">
               <a:latin typeface="Arial Black" pitchFamily="34" charset="0"/>
             </a:endParaRPr>
           </a:p>
@@ -4323,7 +4047,7 @@
       </p:sp>
       <p:sp>
         <p:nvSpPr>
-          <p:cNvPr id="10" name="Rectangle 9"/>
+          <p:cNvPr id="1048691" name="Rectangle 9"/>
           <p:cNvSpPr/>
           <p:nvPr/>
         </p:nvSpPr>
@@ -4332,16 +4056,14 @@
             <a:off x="1524000" y="1752600"/>
             <a:ext cx="7162800" cy="3352800"/>
           </a:xfrm>
-          <a:prstGeom prst="rect">
-            <a:avLst/>
-          </a:prstGeom>
+          <a:prstGeom prst="rect"/>
           <a:ln w="34925">
             <a:solidFill>
               <a:srgbClr val="FFFFFF"/>
             </a:solidFill>
           </a:ln>
           <a:effectLst>
-            <a:outerShdw blurRad="317500" dir="2700000" algn="ctr">
+            <a:outerShdw algn="ctr" blurRad="317500" dir="2700000">
               <a:srgbClr val="000000">
                 <a:alpha val="43000"/>
               </a:srgbClr>
@@ -4351,7 +4073,7 @@
             <a:camera prst="perspectiveFront" fov="2700000">
               <a:rot lat="19086000" lon="19067999" rev="3108000"/>
             </a:camera>
-            <a:lightRig rig="threePt" dir="t">
+            <a:lightRig dir="t" rig="threePt">
               <a:rot lat="0" lon="0" rev="0"/>
             </a:lightRig>
           </a:scene3d>
@@ -4377,8 +4099,7 @@
           </a:fontRef>
         </p:style>
         <p:txBody>
-          <a:bodyPr rtlCol="0" anchor="ctr"/>
-          <a:lstStyle/>
+          <a:bodyPr anchor="ctr" rtlCol="0"/>
           <a:p>
             <a:pPr algn="ctr"/>
             <a:endParaRPr lang="en-US"/>
@@ -4390,13 +4111,7 @@
   <p:clrMapOvr>
     <a:masterClrMapping/>
   </p:clrMapOvr>
-  <p:timing>
-    <p:tnLst>
-      <p:par>
-        <p:cTn id="1" dur="indefinite" restart="never" nodeType="tmRoot"/>
-      </p:par>
-    </p:tnLst>
-  </p:timing>
+  <p:timing/>
 </p:sld>
 </file>
 
@@ -4405,7 +4120,7 @@
   <p:cSld>
     <p:spTree>
       <p:nvGrpSpPr>
-        <p:cNvPr id="1" name=""/>
+        <p:cNvPr id="26" name=""/>
         <p:cNvGrpSpPr/>
         <p:nvPr/>
       </p:nvGrpSpPr>
@@ -4419,7 +4134,7 @@
       </p:grpSpPr>
       <p:sp>
         <p:nvSpPr>
-          <p:cNvPr id="2" name="object 2"/>
+          <p:cNvPr id="1048610" name="object 2"/>
           <p:cNvSpPr/>
           <p:nvPr/>
         </p:nvSpPr>
@@ -4430,9 +4145,7 @@
           </a:xfrm>
           <a:custGeom>
             <a:avLst/>
-            <a:gdLst/>
             <a:ahLst/>
-            <a:cxnLst/>
             <a:rect l="l" t="t" r="r" b="b"/>
             <a:pathLst>
               <a:path w="12192000" h="6858000">
@@ -4460,8 +4173,7 @@
           </a:solidFill>
         </p:spPr>
         <p:txBody>
-          <a:bodyPr wrap="square" lIns="0" tIns="0" rIns="0" bIns="0" rtlCol="0"/>
-          <a:lstStyle/>
+          <a:bodyPr bIns="0" lIns="0" rIns="0" rtlCol="0" tIns="0" wrap="square"/>
           <a:p>
             <a:endParaRPr dirty="0">
               <a:latin typeface="Times New Roman" panose="02020603050405020304" pitchFamily="18" charset="0"/>
@@ -4472,7 +4184,7 @@
       </p:sp>
       <p:grpSp>
         <p:nvGrpSpPr>
-          <p:cNvPr id="3" name="object 3"/>
+          <p:cNvPr id="27" name="object 3"/>
           <p:cNvGrpSpPr/>
           <p:nvPr/>
         </p:nvGrpSpPr>
@@ -4486,7 +4198,7 @@
         </p:grpSpPr>
         <p:sp>
           <p:nvSpPr>
-            <p:cNvPr id="4" name="object 4"/>
+            <p:cNvPr id="1048611" name="object 4"/>
             <p:cNvSpPr/>
             <p:nvPr/>
           </p:nvSpPr>
@@ -4497,9 +4209,7 @@
             </a:xfrm>
             <a:custGeom>
               <a:avLst/>
-              <a:gdLst/>
               <a:ahLst/>
-              <a:cxnLst/>
               <a:rect l="l" t="t" r="r" b="b"/>
               <a:pathLst>
                 <a:path w="1218565" h="6853555">
@@ -4519,16 +4229,13 @@
             </a:ln>
           </p:spPr>
           <p:txBody>
-            <a:bodyPr wrap="square" lIns="0" tIns="0" rIns="0" bIns="0" rtlCol="0"/>
-            <a:lstStyle/>
-            <a:p>
-              <a:endParaRPr/>
-            </a:p>
+            <a:bodyPr bIns="0" lIns="0" rIns="0" rtlCol="0" tIns="0" wrap="square"/>
+            <a:p/>
           </p:txBody>
         </p:sp>
         <p:sp>
           <p:nvSpPr>
-            <p:cNvPr id="5" name="object 5"/>
+            <p:cNvPr id="1048612" name="object 5"/>
             <p:cNvSpPr/>
             <p:nvPr/>
           </p:nvSpPr>
@@ -4539,9 +4246,7 @@
             </a:xfrm>
             <a:custGeom>
               <a:avLst/>
-              <a:gdLst/>
               <a:ahLst/>
-              <a:cxnLst/>
               <a:rect l="l" t="t" r="r" b="b"/>
               <a:pathLst>
                 <a:path w="4743450" h="3163570">
@@ -4561,16 +4266,13 @@
             </a:ln>
           </p:spPr>
           <p:txBody>
-            <a:bodyPr wrap="square" lIns="0" tIns="0" rIns="0" bIns="0" rtlCol="0"/>
-            <a:lstStyle/>
-            <a:p>
-              <a:endParaRPr/>
-            </a:p>
+            <a:bodyPr bIns="0" lIns="0" rIns="0" rtlCol="0" tIns="0" wrap="square"/>
+            <a:p/>
           </p:txBody>
         </p:sp>
         <p:sp>
           <p:nvSpPr>
-            <p:cNvPr id="6" name="object 6"/>
+            <p:cNvPr id="1048613" name="object 6"/>
             <p:cNvSpPr/>
             <p:nvPr/>
           </p:nvSpPr>
@@ -4581,9 +4283,7 @@
             </a:xfrm>
             <a:custGeom>
               <a:avLst/>
-              <a:gdLst/>
               <a:ahLst/>
-              <a:cxnLst/>
               <a:rect l="l" t="t" r="r" b="b"/>
               <a:pathLst>
                 <a:path w="3009900" h="6858000">
@@ -4613,16 +4313,13 @@
             </a:solidFill>
           </p:spPr>
           <p:txBody>
-            <a:bodyPr wrap="square" lIns="0" tIns="0" rIns="0" bIns="0" rtlCol="0"/>
-            <a:lstStyle/>
-            <a:p>
-              <a:endParaRPr/>
-            </a:p>
+            <a:bodyPr bIns="0" lIns="0" rIns="0" rtlCol="0" tIns="0" wrap="square"/>
+            <a:p/>
           </p:txBody>
         </p:sp>
         <p:sp>
           <p:nvSpPr>
-            <p:cNvPr id="7" name="object 7"/>
+            <p:cNvPr id="1048614" name="object 7"/>
             <p:cNvSpPr/>
             <p:nvPr/>
           </p:nvSpPr>
@@ -4633,9 +4330,7 @@
             </a:xfrm>
             <a:custGeom>
               <a:avLst/>
-              <a:gdLst/>
               <a:ahLst/>
-              <a:cxnLst/>
               <a:rect l="l" t="t" r="r" b="b"/>
               <a:pathLst>
                 <a:path w="2589529" h="6858000">
@@ -4665,16 +4360,13 @@
             </a:solidFill>
           </p:spPr>
           <p:txBody>
-            <a:bodyPr wrap="square" lIns="0" tIns="0" rIns="0" bIns="0" rtlCol="0"/>
-            <a:lstStyle/>
-            <a:p>
-              <a:endParaRPr/>
-            </a:p>
+            <a:bodyPr bIns="0" lIns="0" rIns="0" rtlCol="0" tIns="0" wrap="square"/>
+            <a:p/>
           </p:txBody>
         </p:sp>
         <p:sp>
           <p:nvSpPr>
-            <p:cNvPr id="8" name="object 8"/>
+            <p:cNvPr id="1048615" name="object 8"/>
             <p:cNvSpPr/>
             <p:nvPr/>
           </p:nvSpPr>
@@ -4685,9 +4377,7 @@
             </a:xfrm>
             <a:custGeom>
               <a:avLst/>
-              <a:gdLst/>
               <a:ahLst/>
-              <a:cxnLst/>
               <a:rect l="l" t="t" r="r" b="b"/>
               <a:pathLst>
                 <a:path w="3257550" h="3810000">
@@ -4714,16 +4404,13 @@
             </a:solidFill>
           </p:spPr>
           <p:txBody>
-            <a:bodyPr wrap="square" lIns="0" tIns="0" rIns="0" bIns="0" rtlCol="0"/>
-            <a:lstStyle/>
-            <a:p>
-              <a:endParaRPr/>
-            </a:p>
+            <a:bodyPr bIns="0" lIns="0" rIns="0" rtlCol="0" tIns="0" wrap="square"/>
+            <a:p/>
           </p:txBody>
         </p:sp>
         <p:sp>
           <p:nvSpPr>
-            <p:cNvPr id="9" name="object 9"/>
+            <p:cNvPr id="1048616" name="object 9"/>
             <p:cNvSpPr/>
             <p:nvPr/>
           </p:nvSpPr>
@@ -4734,9 +4421,7 @@
             </a:xfrm>
             <a:custGeom>
               <a:avLst/>
-              <a:gdLst/>
               <a:ahLst/>
-              <a:cxnLst/>
               <a:rect l="l" t="t" r="r" b="b"/>
               <a:pathLst>
                 <a:path w="2854325" h="6858000">
@@ -4766,16 +4451,13 @@
             </a:solidFill>
           </p:spPr>
           <p:txBody>
-            <a:bodyPr wrap="square" lIns="0" tIns="0" rIns="0" bIns="0" rtlCol="0"/>
-            <a:lstStyle/>
-            <a:p>
-              <a:endParaRPr/>
-            </a:p>
+            <a:bodyPr bIns="0" lIns="0" rIns="0" rtlCol="0" tIns="0" wrap="square"/>
+            <a:p/>
           </p:txBody>
         </p:sp>
         <p:sp>
           <p:nvSpPr>
-            <p:cNvPr id="10" name="object 10"/>
+            <p:cNvPr id="1048617" name="object 10"/>
             <p:cNvSpPr/>
             <p:nvPr/>
           </p:nvSpPr>
@@ -4786,9 +4468,7 @@
             </a:xfrm>
             <a:custGeom>
               <a:avLst/>
-              <a:gdLst/>
               <a:ahLst/>
-              <a:cxnLst/>
               <a:rect l="l" t="t" r="r" b="b"/>
               <a:pathLst>
                 <a:path w="1295400" h="6858000">
@@ -4818,16 +4498,13 @@
             </a:solidFill>
           </p:spPr>
           <p:txBody>
-            <a:bodyPr wrap="square" lIns="0" tIns="0" rIns="0" bIns="0" rtlCol="0"/>
-            <a:lstStyle/>
-            <a:p>
-              <a:endParaRPr/>
-            </a:p>
+            <a:bodyPr bIns="0" lIns="0" rIns="0" rtlCol="0" tIns="0" wrap="square"/>
+            <a:p/>
           </p:txBody>
         </p:sp>
         <p:sp>
           <p:nvSpPr>
-            <p:cNvPr id="11" name="object 11"/>
+            <p:cNvPr id="1048618" name="object 11"/>
             <p:cNvSpPr/>
             <p:nvPr/>
           </p:nvSpPr>
@@ -4838,9 +4515,7 @@
             </a:xfrm>
             <a:custGeom>
               <a:avLst/>
-              <a:gdLst/>
               <a:ahLst/>
-              <a:cxnLst/>
               <a:rect l="l" t="t" r="r" b="b"/>
               <a:pathLst>
                 <a:path w="1256029" h="6858000">
@@ -4870,16 +4545,13 @@
             </a:solidFill>
           </p:spPr>
           <p:txBody>
-            <a:bodyPr wrap="square" lIns="0" tIns="0" rIns="0" bIns="0" rtlCol="0"/>
-            <a:lstStyle/>
-            <a:p>
-              <a:endParaRPr/>
-            </a:p>
+            <a:bodyPr bIns="0" lIns="0" rIns="0" rtlCol="0" tIns="0" wrap="square"/>
+            <a:p/>
           </p:txBody>
         </p:sp>
         <p:sp>
           <p:nvSpPr>
-            <p:cNvPr id="12" name="object 12"/>
+            <p:cNvPr id="1048619" name="object 12"/>
             <p:cNvSpPr/>
             <p:nvPr/>
           </p:nvSpPr>
@@ -4890,9 +4562,7 @@
             </a:xfrm>
             <a:custGeom>
               <a:avLst/>
-              <a:gdLst/>
               <a:ahLst/>
-              <a:cxnLst/>
               <a:rect l="l" t="t" r="r" b="b"/>
               <a:pathLst>
                 <a:path w="1819275" h="3267075">
@@ -4919,17 +4589,14 @@
             </a:solidFill>
           </p:spPr>
           <p:txBody>
-            <a:bodyPr wrap="square" lIns="0" tIns="0" rIns="0" bIns="0" rtlCol="0"/>
-            <a:lstStyle/>
-            <a:p>
-              <a:endParaRPr/>
-            </a:p>
+            <a:bodyPr bIns="0" lIns="0" rIns="0" rtlCol="0" tIns="0" wrap="square"/>
+            <a:p/>
           </p:txBody>
         </p:sp>
       </p:grpSp>
       <p:sp>
         <p:nvSpPr>
-          <p:cNvPr id="13" name="object 13"/>
+          <p:cNvPr id="1048620" name="object 13"/>
           <p:cNvSpPr/>
           <p:nvPr/>
         </p:nvSpPr>
@@ -4940,9 +4607,7 @@
           </a:xfrm>
           <a:custGeom>
             <a:avLst/>
-            <a:gdLst/>
             <a:ahLst/>
-            <a:cxnLst/>
             <a:rect l="l" t="t" r="r" b="b"/>
             <a:pathLst>
               <a:path w="447675" h="2847975">
@@ -4969,16 +4634,13 @@
           </a:solidFill>
         </p:spPr>
         <p:txBody>
-          <a:bodyPr wrap="square" lIns="0" tIns="0" rIns="0" bIns="0" rtlCol="0"/>
-          <a:lstStyle/>
-          <a:p>
-            <a:endParaRPr/>
-          </a:p>
-        </p:txBody>
-      </p:sp>
-      <p:sp>
-        <p:nvSpPr>
-          <p:cNvPr id="14" name="object 14"/>
+          <a:bodyPr bIns="0" lIns="0" rIns="0" rtlCol="0" tIns="0" wrap="square"/>
+          <a:p/>
+        </p:txBody>
+      </p:sp>
+      <p:sp>
+        <p:nvSpPr>
+          <p:cNvPr id="1048621" name="object 14"/>
           <p:cNvSpPr/>
           <p:nvPr/>
         </p:nvSpPr>
@@ -4989,9 +4651,7 @@
           </a:xfrm>
           <a:custGeom>
             <a:avLst/>
-            <a:gdLst/>
             <a:ahLst/>
-            <a:cxnLst/>
             <a:rect l="l" t="t" r="r" b="b"/>
             <a:pathLst>
               <a:path w="457200" h="457200">
@@ -5019,16 +4679,13 @@
           </a:solidFill>
         </p:spPr>
         <p:txBody>
-          <a:bodyPr wrap="square" lIns="0" tIns="0" rIns="0" bIns="0" rtlCol="0"/>
-          <a:lstStyle/>
-          <a:p>
-            <a:endParaRPr/>
-          </a:p>
-        </p:txBody>
-      </p:sp>
-      <p:sp>
-        <p:nvSpPr>
-          <p:cNvPr id="15" name="object 15"/>
+          <a:bodyPr bIns="0" lIns="0" rIns="0" rtlCol="0" tIns="0" wrap="square"/>
+          <a:p/>
+        </p:txBody>
+      </p:sp>
+      <p:sp>
+        <p:nvSpPr>
+          <p:cNvPr id="1048622" name="object 15"/>
           <p:cNvSpPr/>
           <p:nvPr/>
         </p:nvSpPr>
@@ -5039,9 +4696,7 @@
           </a:xfrm>
           <a:custGeom>
             <a:avLst/>
-            <a:gdLst/>
             <a:ahLst/>
-            <a:cxnLst/>
             <a:rect l="l" t="t" r="r" b="b"/>
             <a:pathLst>
               <a:path w="314325" h="323850">
@@ -5069,16 +4724,13 @@
           </a:solidFill>
         </p:spPr>
         <p:txBody>
-          <a:bodyPr wrap="square" lIns="0" tIns="0" rIns="0" bIns="0" rtlCol="0"/>
-          <a:lstStyle/>
-          <a:p>
-            <a:endParaRPr/>
-          </a:p>
-        </p:txBody>
-      </p:sp>
-      <p:sp>
-        <p:nvSpPr>
-          <p:cNvPr id="16" name="object 16"/>
+          <a:bodyPr bIns="0" lIns="0" rIns="0" rtlCol="0" tIns="0" wrap="square"/>
+          <a:p/>
+        </p:txBody>
+      </p:sp>
+      <p:sp>
+        <p:nvSpPr>
+          <p:cNvPr id="1048623" name="object 16"/>
           <p:cNvSpPr/>
           <p:nvPr/>
         </p:nvSpPr>
@@ -5089,9 +4741,7 @@
           </a:xfrm>
           <a:custGeom>
             <a:avLst/>
-            <a:gdLst/>
             <a:ahLst/>
-            <a:cxnLst/>
             <a:rect l="l" t="t" r="r" b="b"/>
             <a:pathLst>
               <a:path w="180975" h="180975">
@@ -5119,16 +4769,13 @@
           </a:solidFill>
         </p:spPr>
         <p:txBody>
-          <a:bodyPr wrap="square" lIns="0" tIns="0" rIns="0" bIns="0" rtlCol="0"/>
-          <a:lstStyle/>
-          <a:p>
-            <a:endParaRPr/>
-          </a:p>
-        </p:txBody>
-      </p:sp>
-      <p:sp>
-        <p:nvSpPr>
-          <p:cNvPr id="17" name="object 17"/>
+          <a:bodyPr bIns="0" lIns="0" rIns="0" rtlCol="0" tIns="0" wrap="square"/>
+          <a:p/>
+        </p:txBody>
+      </p:sp>
+      <p:sp>
+        <p:nvSpPr>
+          <p:cNvPr id="1048624" name="object 17"/>
           <p:cNvSpPr txBox="1">
             <a:spLocks noGrp="1"/>
           </p:cNvSpPr>
@@ -5139,17 +4786,14 @@
         <p:spPr>
           <a:xfrm>
             <a:off x="739775" y="829627"/>
-            <a:ext cx="3909695" cy="678180"/>
-          </a:xfrm>
-          <a:prstGeom prst="rect">
-            <a:avLst/>
-          </a:prstGeom>
-        </p:spPr>
-        <p:txBody>
-          <a:bodyPr vert="horz" wrap="square" lIns="0" tIns="16510" rIns="0" bIns="0" rtlCol="0">
+            <a:ext cx="3909695" cy="511810"/>
+          </a:xfrm>
+          <a:prstGeom prst="rect"/>
+        </p:spPr>
+        <p:txBody>
+          <a:bodyPr bIns="0" lIns="0" rIns="0" rtlCol="0" tIns="16510" vert="horz" wrap="square">
             <a:spAutoFit/>
           </a:bodyPr>
-          <a:lstStyle/>
           <a:p>
             <a:pPr marL="12700">
               <a:lnSpc>
@@ -5160,15 +4804,15 @@
               </a:spcBef>
             </a:pPr>
             <a:r>
-              <a:rPr sz="4250" spc="5" dirty="0"/>
+              <a:rPr dirty="0" sz="4250" spc="5"/>
               <a:t>PROJECT</a:t>
             </a:r>
             <a:r>
-              <a:rPr sz="4250" spc="-85" dirty="0"/>
+              <a:rPr dirty="0" sz="4250" spc="-85"/>
               <a:t> </a:t>
             </a:r>
             <a:r>
-              <a:rPr sz="4250" spc="25" dirty="0"/>
+              <a:rPr dirty="0" sz="4250" spc="25"/>
               <a:t>TITLE</a:t>
             </a:r>
             <a:endParaRPr sz="4250"/>
@@ -5177,7 +4821,7 @@
       </p:sp>
       <p:grpSp>
         <p:nvGrpSpPr>
-          <p:cNvPr id="18" name="object 18"/>
+          <p:cNvPr id="28" name="object 18"/>
           <p:cNvGrpSpPr/>
           <p:nvPr/>
         </p:nvGrpSpPr>
@@ -5191,12 +4835,14 @@
         </p:grpSpPr>
         <p:pic>
           <p:nvPicPr>
-            <p:cNvPr id="19" name="object 19"/>
-            <p:cNvPicPr/>
+            <p:cNvPr id="2097153" name="object 19"/>
+            <p:cNvPicPr>
+              <a:picLocks/>
+            </p:cNvPicPr>
             <p:nvPr/>
           </p:nvPicPr>
           <p:blipFill>
-            <a:blip r:embed="rId2" cstate="print"/>
+            <a:blip xmlns:r="http://schemas.openxmlformats.org/officeDocument/2006/relationships" r:embed="rId1" cstate="print"/>
             <a:stretch>
               <a:fillRect/>
             </a:stretch>
@@ -5206,19 +4852,19 @@
               <a:off x="676275" y="6467475"/>
               <a:ext cx="2143125" cy="200025"/>
             </a:xfrm>
-            <a:prstGeom prst="rect">
-              <a:avLst/>
-            </a:prstGeom>
+            <a:prstGeom prst="rect"/>
           </p:spPr>
         </p:pic>
         <p:pic>
           <p:nvPicPr>
-            <p:cNvPr id="20" name="object 20"/>
-            <p:cNvPicPr/>
+            <p:cNvPr id="2097154" name="object 20"/>
+            <p:cNvPicPr>
+              <a:picLocks/>
+            </p:cNvPicPr>
             <p:nvPr/>
           </p:nvPicPr>
           <p:blipFill>
-            <a:blip r:embed="rId3" cstate="print"/>
+            <a:blip xmlns:r="http://schemas.openxmlformats.org/officeDocument/2006/relationships" r:embed="rId2" cstate="print"/>
             <a:stretch>
               <a:fillRect/>
             </a:stretch>
@@ -5228,15 +4874,13 @@
               <a:off x="466725" y="6410325"/>
               <a:ext cx="3705225" cy="295275"/>
             </a:xfrm>
-            <a:prstGeom prst="rect">
-              <a:avLst/>
-            </a:prstGeom>
+            <a:prstGeom prst="rect"/>
           </p:spPr>
         </p:pic>
       </p:grpSp>
       <p:sp>
         <p:nvSpPr>
-          <p:cNvPr id="22" name="object 22"/>
+          <p:cNvPr id="1048625" name="object 22"/>
           <p:cNvSpPr txBox="1">
             <a:spLocks noGrp="1"/>
           </p:cNvSpPr>
@@ -5245,15 +4889,16 @@
           </p:nvPr>
         </p:nvSpPr>
         <p:spPr>
-          <a:prstGeom prst="rect">
-            <a:avLst/>
-          </a:prstGeom>
-        </p:spPr>
-        <p:txBody>
-          <a:bodyPr vert="horz" wrap="square" lIns="0" tIns="6985" rIns="0" bIns="0" rtlCol="0">
+          <a:xfrm>
+            <a:off x="11353418" y="6473337"/>
+            <a:ext cx="151129" cy="133985"/>
+          </a:xfrm>
+          <a:prstGeom prst="rect"/>
+        </p:spPr>
+        <p:txBody>
+          <a:bodyPr bIns="0" lIns="0" rIns="0" rtlCol="0" tIns="6985" vert="horz" wrap="square">
             <a:spAutoFit/>
           </a:bodyPr>
-          <a:lstStyle/>
           <a:p>
             <a:pPr marL="38100">
               <a:lnSpc>
@@ -5264,7 +4909,7 @@
               </a:spcBef>
             </a:pPr>
             <a:fld id="{81D60167-4931-47E6-BA6A-407CBD079E47}" type="slidenum">
-              <a:rPr spc="10" dirty="0"/>
+              <a:rPr dirty="0" spc="10"/>
               <a:pPr marL="38100">
                 <a:lnSpc>
                   <a:spcPct val="100000"/>
@@ -5275,40 +4920,31 @@
               </a:pPr>
               <a:t>2</a:t>
             </a:fld>
-            <a:endParaRPr spc="10" dirty="0"/>
-          </a:p>
-        </p:txBody>
-      </p:sp>
-      <p:sp>
-        <p:nvSpPr>
-          <p:cNvPr id="23" name="TextBox 22">
-            <a:extLst>
-              <a:ext uri="{FF2B5EF4-FFF2-40B4-BE49-F238E27FC236}">
-                <a16:creationId xmlns="" xmlns:a16="http://schemas.microsoft.com/office/drawing/2014/main" id="{F691EEC8-E83B-8506-163B-F39E906CCC0A}"/>
-              </a:ext>
-            </a:extLst>
-          </p:cNvPr>
+            <a:endParaRPr dirty="0" spc="10"/>
+          </a:p>
+        </p:txBody>
+      </p:sp>
+      <p:sp>
+        <p:nvSpPr>
+          <p:cNvPr id="1048626" name="TextBox 22"/>
           <p:cNvSpPr txBox="1"/>
           <p:nvPr/>
         </p:nvSpPr>
         <p:spPr>
           <a:xfrm>
             <a:off x="1217522" y="2123271"/>
-            <a:ext cx="8593228" cy="1446550"/>
-          </a:xfrm>
-          <a:prstGeom prst="rect">
-            <a:avLst/>
-          </a:prstGeom>
+            <a:ext cx="8593228" cy="1158241"/>
+          </a:xfrm>
+          <a:prstGeom prst="rect"/>
           <a:noFill/>
         </p:spPr>
         <p:txBody>
-          <a:bodyPr wrap="square" rtlCol="0">
+          <a:bodyPr rtlCol="0" wrap="square">
             <a:spAutoFit/>
           </a:bodyPr>
-          <a:lstStyle/>
-          <a:p>
-            <a:r>
-              <a:rPr lang="en-US" sz="4400" b="1" dirty="0">
+          <a:p>
+            <a:r>
+              <a:rPr b="1" dirty="0" sz="4400" lang="en-US">
                 <a:solidFill>
                   <a:srgbClr val="0F0F0F"/>
                 </a:solidFill>
@@ -5317,7 +4953,7 @@
               </a:rPr>
               <a:t>Employee Performance Analysis using Excel</a:t>
             </a:r>
-            <a:endParaRPr lang="en-IN" sz="2800" dirty="0">
+            <a:endParaRPr dirty="0" sz="2800" lang="en-IN">
               <a:solidFill>
                 <a:srgbClr val="7030A0"/>
               </a:solidFill>
@@ -5332,13 +4968,7 @@
   <p:clrMapOvr>
     <a:masterClrMapping/>
   </p:clrMapOvr>
-  <p:timing>
-    <p:tnLst>
-      <p:par>
-        <p:cTn id="1" dur="indefinite" restart="never" nodeType="tmRoot"/>
-      </p:par>
-    </p:tnLst>
-  </p:timing>
+  <p:timing/>
 </p:sld>
 </file>
 
@@ -5347,7 +4977,7 @@
   <p:cSld>
     <p:spTree>
       <p:nvGrpSpPr>
-        <p:cNvPr id="1" name=""/>
+        <p:cNvPr id="29" name=""/>
         <p:cNvGrpSpPr/>
         <p:nvPr/>
       </p:nvGrpSpPr>
@@ -5361,7 +4991,7 @@
       </p:grpSpPr>
       <p:sp>
         <p:nvSpPr>
-          <p:cNvPr id="2" name="object 2"/>
+          <p:cNvPr id="1048627" name="object 2"/>
           <p:cNvSpPr/>
           <p:nvPr/>
         </p:nvSpPr>
@@ -5372,9 +5002,7 @@
           </a:xfrm>
           <a:custGeom>
             <a:avLst/>
-            <a:gdLst/>
             <a:ahLst/>
-            <a:cxnLst/>
             <a:rect l="l" t="t" r="r" b="b"/>
             <a:pathLst>
               <a:path w="12192000" h="6858000">
@@ -5402,8 +5030,7 @@
           </a:solidFill>
         </p:spPr>
         <p:txBody>
-          <a:bodyPr wrap="square" lIns="0" tIns="0" rIns="0" bIns="0" rtlCol="0"/>
-          <a:lstStyle/>
+          <a:bodyPr bIns="0" lIns="0" rIns="0" rtlCol="0" tIns="0" wrap="square"/>
           <a:p>
             <a:endParaRPr dirty="0"/>
           </a:p>
@@ -5411,7 +5038,7 @@
       </p:sp>
       <p:grpSp>
         <p:nvGrpSpPr>
-          <p:cNvPr id="3" name="object 3"/>
+          <p:cNvPr id="30" name="object 3"/>
           <p:cNvGrpSpPr/>
           <p:nvPr/>
         </p:nvGrpSpPr>
@@ -5425,7 +5052,7 @@
         </p:grpSpPr>
         <p:sp>
           <p:nvSpPr>
-            <p:cNvPr id="4" name="object 4"/>
+            <p:cNvPr id="1048628" name="object 4"/>
             <p:cNvSpPr/>
             <p:nvPr/>
           </p:nvSpPr>
@@ -5436,9 +5063,7 @@
             </a:xfrm>
             <a:custGeom>
               <a:avLst/>
-              <a:gdLst/>
               <a:ahLst/>
-              <a:cxnLst/>
               <a:rect l="l" t="t" r="r" b="b"/>
               <a:pathLst>
                 <a:path w="1218565" h="6853555">
@@ -5458,16 +5083,13 @@
             </a:ln>
           </p:spPr>
           <p:txBody>
-            <a:bodyPr wrap="square" lIns="0" tIns="0" rIns="0" bIns="0" rtlCol="0"/>
-            <a:lstStyle/>
-            <a:p>
-              <a:endParaRPr/>
-            </a:p>
+            <a:bodyPr bIns="0" lIns="0" rIns="0" rtlCol="0" tIns="0" wrap="square"/>
+            <a:p/>
           </p:txBody>
         </p:sp>
         <p:sp>
           <p:nvSpPr>
-            <p:cNvPr id="5" name="object 5"/>
+            <p:cNvPr id="1048629" name="object 5"/>
             <p:cNvSpPr/>
             <p:nvPr/>
           </p:nvSpPr>
@@ -5478,9 +5100,7 @@
             </a:xfrm>
             <a:custGeom>
               <a:avLst/>
-              <a:gdLst/>
               <a:ahLst/>
-              <a:cxnLst/>
               <a:rect l="l" t="t" r="r" b="b"/>
               <a:pathLst>
                 <a:path w="4743450" h="3163570">
@@ -5500,16 +5120,13 @@
             </a:ln>
           </p:spPr>
           <p:txBody>
-            <a:bodyPr wrap="square" lIns="0" tIns="0" rIns="0" bIns="0" rtlCol="0"/>
-            <a:lstStyle/>
-            <a:p>
-              <a:endParaRPr/>
-            </a:p>
+            <a:bodyPr bIns="0" lIns="0" rIns="0" rtlCol="0" tIns="0" wrap="square"/>
+            <a:p/>
           </p:txBody>
         </p:sp>
         <p:sp>
           <p:nvSpPr>
-            <p:cNvPr id="6" name="object 6"/>
+            <p:cNvPr id="1048630" name="object 6"/>
             <p:cNvSpPr/>
             <p:nvPr/>
           </p:nvSpPr>
@@ -5520,9 +5137,7 @@
             </a:xfrm>
             <a:custGeom>
               <a:avLst/>
-              <a:gdLst/>
               <a:ahLst/>
-              <a:cxnLst/>
               <a:rect l="l" t="t" r="r" b="b"/>
               <a:pathLst>
                 <a:path w="3009900" h="6858000">
@@ -5552,16 +5167,13 @@
             </a:solidFill>
           </p:spPr>
           <p:txBody>
-            <a:bodyPr wrap="square" lIns="0" tIns="0" rIns="0" bIns="0" rtlCol="0"/>
-            <a:lstStyle/>
-            <a:p>
-              <a:endParaRPr/>
-            </a:p>
+            <a:bodyPr bIns="0" lIns="0" rIns="0" rtlCol="0" tIns="0" wrap="square"/>
+            <a:p/>
           </p:txBody>
         </p:sp>
         <p:sp>
           <p:nvSpPr>
-            <p:cNvPr id="7" name="object 7"/>
+            <p:cNvPr id="1048631" name="object 7"/>
             <p:cNvSpPr/>
             <p:nvPr/>
           </p:nvSpPr>
@@ -5572,9 +5184,7 @@
             </a:xfrm>
             <a:custGeom>
               <a:avLst/>
-              <a:gdLst/>
               <a:ahLst/>
-              <a:cxnLst/>
               <a:rect l="l" t="t" r="r" b="b"/>
               <a:pathLst>
                 <a:path w="2589529" h="6858000">
@@ -5604,16 +5214,13 @@
             </a:solidFill>
           </p:spPr>
           <p:txBody>
-            <a:bodyPr wrap="square" lIns="0" tIns="0" rIns="0" bIns="0" rtlCol="0"/>
-            <a:lstStyle/>
-            <a:p>
-              <a:endParaRPr/>
-            </a:p>
+            <a:bodyPr bIns="0" lIns="0" rIns="0" rtlCol="0" tIns="0" wrap="square"/>
+            <a:p/>
           </p:txBody>
         </p:sp>
         <p:sp>
           <p:nvSpPr>
-            <p:cNvPr id="8" name="object 8"/>
+            <p:cNvPr id="1048632" name="object 8"/>
             <p:cNvSpPr/>
             <p:nvPr/>
           </p:nvSpPr>
@@ -5624,9 +5231,7 @@
             </a:xfrm>
             <a:custGeom>
               <a:avLst/>
-              <a:gdLst/>
               <a:ahLst/>
-              <a:cxnLst/>
               <a:rect l="l" t="t" r="r" b="b"/>
               <a:pathLst>
                 <a:path w="3257550" h="3810000">
@@ -5653,16 +5258,13 @@
             </a:solidFill>
           </p:spPr>
           <p:txBody>
-            <a:bodyPr wrap="square" lIns="0" tIns="0" rIns="0" bIns="0" rtlCol="0"/>
-            <a:lstStyle/>
-            <a:p>
-              <a:endParaRPr/>
-            </a:p>
+            <a:bodyPr bIns="0" lIns="0" rIns="0" rtlCol="0" tIns="0" wrap="square"/>
+            <a:p/>
           </p:txBody>
         </p:sp>
         <p:sp>
           <p:nvSpPr>
-            <p:cNvPr id="9" name="object 9"/>
+            <p:cNvPr id="1048633" name="object 9"/>
             <p:cNvSpPr/>
             <p:nvPr/>
           </p:nvSpPr>
@@ -5673,9 +5275,7 @@
             </a:xfrm>
             <a:custGeom>
               <a:avLst/>
-              <a:gdLst/>
               <a:ahLst/>
-              <a:cxnLst/>
               <a:rect l="l" t="t" r="r" b="b"/>
               <a:pathLst>
                 <a:path w="2854325" h="6858000">
@@ -5705,16 +5305,13 @@
             </a:solidFill>
           </p:spPr>
           <p:txBody>
-            <a:bodyPr wrap="square" lIns="0" tIns="0" rIns="0" bIns="0" rtlCol="0"/>
-            <a:lstStyle/>
-            <a:p>
-              <a:endParaRPr/>
-            </a:p>
+            <a:bodyPr bIns="0" lIns="0" rIns="0" rtlCol="0" tIns="0" wrap="square"/>
+            <a:p/>
           </p:txBody>
         </p:sp>
         <p:sp>
           <p:nvSpPr>
-            <p:cNvPr id="10" name="object 10"/>
+            <p:cNvPr id="1048634" name="object 10"/>
             <p:cNvSpPr/>
             <p:nvPr/>
           </p:nvSpPr>
@@ -5725,9 +5322,7 @@
             </a:xfrm>
             <a:custGeom>
               <a:avLst/>
-              <a:gdLst/>
               <a:ahLst/>
-              <a:cxnLst/>
               <a:rect l="l" t="t" r="r" b="b"/>
               <a:pathLst>
                 <a:path w="1295400" h="6858000">
@@ -5757,16 +5352,13 @@
             </a:solidFill>
           </p:spPr>
           <p:txBody>
-            <a:bodyPr wrap="square" lIns="0" tIns="0" rIns="0" bIns="0" rtlCol="0"/>
-            <a:lstStyle/>
-            <a:p>
-              <a:endParaRPr/>
-            </a:p>
+            <a:bodyPr bIns="0" lIns="0" rIns="0" rtlCol="0" tIns="0" wrap="square"/>
+            <a:p/>
           </p:txBody>
         </p:sp>
         <p:sp>
           <p:nvSpPr>
-            <p:cNvPr id="11" name="object 11"/>
+            <p:cNvPr id="1048635" name="object 11"/>
             <p:cNvSpPr/>
             <p:nvPr/>
           </p:nvSpPr>
@@ -5777,9 +5369,7 @@
             </a:xfrm>
             <a:custGeom>
               <a:avLst/>
-              <a:gdLst/>
               <a:ahLst/>
-              <a:cxnLst/>
               <a:rect l="l" t="t" r="r" b="b"/>
               <a:pathLst>
                 <a:path w="1256029" h="6858000">
@@ -5809,16 +5399,13 @@
             </a:solidFill>
           </p:spPr>
           <p:txBody>
-            <a:bodyPr wrap="square" lIns="0" tIns="0" rIns="0" bIns="0" rtlCol="0"/>
-            <a:lstStyle/>
-            <a:p>
-              <a:endParaRPr/>
-            </a:p>
+            <a:bodyPr bIns="0" lIns="0" rIns="0" rtlCol="0" tIns="0" wrap="square"/>
+            <a:p/>
           </p:txBody>
         </p:sp>
         <p:sp>
           <p:nvSpPr>
-            <p:cNvPr id="12" name="object 12"/>
+            <p:cNvPr id="1048636" name="object 12"/>
             <p:cNvSpPr/>
             <p:nvPr/>
           </p:nvSpPr>
@@ -5829,9 +5416,7 @@
             </a:xfrm>
             <a:custGeom>
               <a:avLst/>
-              <a:gdLst/>
               <a:ahLst/>
-              <a:cxnLst/>
               <a:rect l="l" t="t" r="r" b="b"/>
               <a:pathLst>
                 <a:path w="1819275" h="3267075">
@@ -5858,17 +5443,14 @@
             </a:solidFill>
           </p:spPr>
           <p:txBody>
-            <a:bodyPr wrap="square" lIns="0" tIns="0" rIns="0" bIns="0" rtlCol="0"/>
-            <a:lstStyle/>
-            <a:p>
-              <a:endParaRPr/>
-            </a:p>
+            <a:bodyPr bIns="0" lIns="0" rIns="0" rtlCol="0" tIns="0" wrap="square"/>
+            <a:p/>
           </p:txBody>
         </p:sp>
       </p:grpSp>
       <p:sp>
         <p:nvSpPr>
-          <p:cNvPr id="13" name="object 13"/>
+          <p:cNvPr id="1048637" name="object 13"/>
           <p:cNvSpPr/>
           <p:nvPr/>
         </p:nvSpPr>
@@ -5879,9 +5461,7 @@
           </a:xfrm>
           <a:custGeom>
             <a:avLst/>
-            <a:gdLst/>
             <a:ahLst/>
-            <a:cxnLst/>
             <a:rect l="l" t="t" r="r" b="b"/>
             <a:pathLst>
               <a:path w="447675" h="2847975">
@@ -5908,16 +5488,13 @@
           </a:solidFill>
         </p:spPr>
         <p:txBody>
-          <a:bodyPr wrap="square" lIns="0" tIns="0" rIns="0" bIns="0" rtlCol="0"/>
-          <a:lstStyle/>
-          <a:p>
-            <a:endParaRPr/>
-          </a:p>
-        </p:txBody>
-      </p:sp>
-      <p:sp>
-        <p:nvSpPr>
-          <p:cNvPr id="14" name="object 14"/>
+          <a:bodyPr bIns="0" lIns="0" rIns="0" rtlCol="0" tIns="0" wrap="square"/>
+          <a:p/>
+        </p:txBody>
+      </p:sp>
+      <p:sp>
+        <p:nvSpPr>
+          <p:cNvPr id="1048638" name="object 14"/>
           <p:cNvSpPr txBox="1"/>
           <p:nvPr/>
         </p:nvSpPr>
@@ -5926,15 +5503,12 @@
             <a:off x="752475" y="6486037"/>
             <a:ext cx="1773555" cy="166370"/>
           </a:xfrm>
-          <a:prstGeom prst="rect">
-            <a:avLst/>
-          </a:prstGeom>
-        </p:spPr>
-        <p:txBody>
-          <a:bodyPr vert="horz" wrap="square" lIns="0" tIns="0" rIns="0" bIns="0" rtlCol="0">
+          <a:prstGeom prst="rect"/>
+        </p:spPr>
+        <p:txBody>
+          <a:bodyPr bIns="0" lIns="0" rIns="0" rtlCol="0" tIns="0" vert="horz" wrap="square">
             <a:spAutoFit/>
           </a:bodyPr>
-          <a:lstStyle/>
           <a:p>
             <a:pPr>
               <a:lnSpc>
@@ -5942,7 +5516,7 @@
               </a:lnSpc>
             </a:pPr>
             <a:r>
-              <a:rPr sz="1100" spc="20" dirty="0">
+              <a:rPr dirty="0" sz="1100" spc="20">
                 <a:solidFill>
                   <a:srgbClr val="2D83C3"/>
                 </a:solidFill>
@@ -5952,7 +5526,7 @@
               <a:t>3/21/202</a:t>
             </a:r>
             <a:r>
-              <a:rPr sz="1100" spc="10" dirty="0">
+              <a:rPr dirty="0" sz="1100" spc="10">
                 <a:solidFill>
                   <a:srgbClr val="2D83C3"/>
                 </a:solidFill>
@@ -5962,7 +5536,7 @@
               <a:t>4</a:t>
             </a:r>
             <a:r>
-              <a:rPr sz="1100" dirty="0">
+              <a:rPr dirty="0" sz="1100">
                 <a:solidFill>
                   <a:srgbClr val="2D83C3"/>
                 </a:solidFill>
@@ -5972,7 +5546,7 @@
               <a:t> </a:t>
             </a:r>
             <a:r>
-              <a:rPr sz="1100" spc="130" dirty="0">
+              <a:rPr dirty="0" sz="1100" spc="130">
                 <a:solidFill>
                   <a:srgbClr val="2D83C3"/>
                 </a:solidFill>
@@ -5982,7 +5556,7 @@
               <a:t> </a:t>
             </a:r>
             <a:r>
-              <a:rPr sz="1100" b="1" spc="50" dirty="0">
+              <a:rPr b="1" dirty="0" sz="1100" spc="50">
                 <a:solidFill>
                   <a:srgbClr val="2D83C3"/>
                 </a:solidFill>
@@ -5992,7 +5566,7 @@
               <a:t>A</a:t>
             </a:r>
             <a:r>
-              <a:rPr sz="1100" b="1" spc="15" dirty="0">
+              <a:rPr b="1" dirty="0" sz="1100" spc="15">
                 <a:solidFill>
                   <a:srgbClr val="2D83C3"/>
                 </a:solidFill>
@@ -6002,7 +5576,7 @@
               <a:t>nnu</a:t>
             </a:r>
             <a:r>
-              <a:rPr sz="1100" b="1" spc="10" dirty="0">
+              <a:rPr b="1" dirty="0" sz="1100" spc="10">
                 <a:solidFill>
                   <a:srgbClr val="2D83C3"/>
                 </a:solidFill>
@@ -6012,7 +5586,7 @@
               <a:t>al</a:t>
             </a:r>
             <a:r>
-              <a:rPr sz="1100" b="1" spc="-140" dirty="0">
+              <a:rPr b="1" dirty="0" sz="1100" spc="-140">
                 <a:solidFill>
                   <a:srgbClr val="2D83C3"/>
                 </a:solidFill>
@@ -6022,7 +5596,7 @@
               <a:t> </a:t>
             </a:r>
             <a:r>
-              <a:rPr sz="1100" b="1" dirty="0">
+              <a:rPr b="1" dirty="0" sz="1100">
                 <a:solidFill>
                   <a:srgbClr val="2D83C3"/>
                 </a:solidFill>
@@ -6032,7 +5606,7 @@
               <a:t>R</a:t>
             </a:r>
             <a:r>
-              <a:rPr sz="1100" b="1" spc="35" dirty="0">
+              <a:rPr b="1" dirty="0" sz="1100" spc="35">
                 <a:solidFill>
                   <a:srgbClr val="2D83C3"/>
                 </a:solidFill>
@@ -6042,7 +5616,7 @@
               <a:t>e</a:t>
             </a:r>
             <a:r>
-              <a:rPr sz="1100" b="1" spc="90" dirty="0">
+              <a:rPr b="1" dirty="0" sz="1100" spc="90">
                 <a:solidFill>
                   <a:srgbClr val="2D83C3"/>
                 </a:solidFill>
@@ -6052,7 +5626,7 @@
               <a:t>v</a:t>
             </a:r>
             <a:r>
-              <a:rPr sz="1100" b="1" spc="-35" dirty="0">
+              <a:rPr b="1" dirty="0" sz="1100" spc="-35">
                 <a:solidFill>
                   <a:srgbClr val="2D83C3"/>
                 </a:solidFill>
@@ -6062,7 +5636,7 @@
               <a:t>i</a:t>
             </a:r>
             <a:r>
-              <a:rPr sz="1100" b="1" spc="35" dirty="0">
+              <a:rPr b="1" dirty="0" sz="1100" spc="35">
                 <a:solidFill>
                   <a:srgbClr val="2D83C3"/>
                 </a:solidFill>
@@ -6072,7 +5646,7 @@
               <a:t>e</a:t>
             </a:r>
             <a:r>
-              <a:rPr sz="1100" b="1" spc="15" dirty="0">
+              <a:rPr b="1" dirty="0" sz="1100" spc="15">
                 <a:solidFill>
                   <a:srgbClr val="2D83C3"/>
                 </a:solidFill>
@@ -6090,7 +5664,7 @@
       </p:sp>
       <p:sp>
         <p:nvSpPr>
-          <p:cNvPr id="15" name="object 15"/>
+          <p:cNvPr id="1048639" name="object 15"/>
           <p:cNvSpPr/>
           <p:nvPr/>
         </p:nvSpPr>
@@ -6101,9 +5675,7 @@
           </a:xfrm>
           <a:custGeom>
             <a:avLst/>
-            <a:gdLst/>
             <a:ahLst/>
-            <a:cxnLst/>
             <a:rect l="l" t="t" r="r" b="b"/>
             <a:pathLst>
               <a:path w="361950" h="361950">
@@ -6191,16 +5763,13 @@
           </a:solidFill>
         </p:spPr>
         <p:txBody>
-          <a:bodyPr wrap="square" lIns="0" tIns="0" rIns="0" bIns="0" rtlCol="0"/>
-          <a:lstStyle/>
-          <a:p>
-            <a:endParaRPr/>
-          </a:p>
-        </p:txBody>
-      </p:sp>
-      <p:sp>
-        <p:nvSpPr>
-          <p:cNvPr id="16" name="object 16"/>
+          <a:bodyPr bIns="0" lIns="0" rIns="0" rtlCol="0" tIns="0" wrap="square"/>
+          <a:p/>
+        </p:txBody>
+      </p:sp>
+      <p:sp>
+        <p:nvSpPr>
+          <p:cNvPr id="1048640" name="object 16"/>
           <p:cNvSpPr/>
           <p:nvPr/>
         </p:nvSpPr>
@@ -6211,9 +5780,7 @@
           </a:xfrm>
           <a:custGeom>
             <a:avLst/>
-            <a:gdLst/>
             <a:ahLst/>
-            <a:cxnLst/>
             <a:rect l="l" t="t" r="r" b="b"/>
             <a:pathLst>
               <a:path w="647700" h="647700">
@@ -6361,21 +5928,20 @@
           </a:solidFill>
         </p:spPr>
         <p:txBody>
-          <a:bodyPr wrap="square" lIns="0" tIns="0" rIns="0" bIns="0" rtlCol="0"/>
-          <a:lstStyle/>
-          <a:p>
-            <a:endParaRPr/>
-          </a:p>
+          <a:bodyPr bIns="0" lIns="0" rIns="0" rtlCol="0" tIns="0" wrap="square"/>
+          <a:p/>
         </p:txBody>
       </p:sp>
       <p:pic>
         <p:nvPicPr>
-          <p:cNvPr id="17" name="object 17"/>
-          <p:cNvPicPr/>
+          <p:cNvPr id="2097155" name="object 17"/>
+          <p:cNvPicPr>
+            <a:picLocks/>
+          </p:cNvPicPr>
           <p:nvPr/>
         </p:nvPicPr>
         <p:blipFill>
-          <a:blip r:embed="rId2" cstate="print"/>
+          <a:blip xmlns:r="http://schemas.openxmlformats.org/officeDocument/2006/relationships" r:embed="rId1" cstate="print"/>
           <a:stretch>
             <a:fillRect/>
           </a:stretch>
@@ -6385,14 +5951,12 @@
             <a:off x="10687050" y="6134100"/>
             <a:ext cx="247650" cy="247650"/>
           </a:xfrm>
-          <a:prstGeom prst="rect">
-            <a:avLst/>
-          </a:prstGeom>
+          <a:prstGeom prst="rect"/>
         </p:spPr>
       </p:pic>
       <p:grpSp>
         <p:nvGrpSpPr>
-          <p:cNvPr id="18" name="object 18"/>
+          <p:cNvPr id="31" name="object 18"/>
           <p:cNvGrpSpPr/>
           <p:nvPr/>
         </p:nvGrpSpPr>
@@ -6406,12 +5970,14 @@
         </p:grpSpPr>
         <p:pic>
           <p:nvPicPr>
-            <p:cNvPr id="19" name="object 19"/>
-            <p:cNvPicPr/>
+            <p:cNvPr id="2097156" name="object 19"/>
+            <p:cNvPicPr>
+              <a:picLocks/>
+            </p:cNvPicPr>
             <p:nvPr/>
           </p:nvPicPr>
           <p:blipFill>
-            <a:blip r:embed="rId3" cstate="print"/>
+            <a:blip xmlns:r="http://schemas.openxmlformats.org/officeDocument/2006/relationships" r:embed="rId2" cstate="print"/>
             <a:stretch>
               <a:fillRect/>
             </a:stretch>
@@ -6421,19 +5987,19 @@
               <a:off x="466725" y="6410325"/>
               <a:ext cx="3705225" cy="295275"/>
             </a:xfrm>
-            <a:prstGeom prst="rect">
-              <a:avLst/>
-            </a:prstGeom>
+            <a:prstGeom prst="rect"/>
           </p:spPr>
         </p:pic>
         <p:pic>
           <p:nvPicPr>
-            <p:cNvPr id="20" name="object 20"/>
-            <p:cNvPicPr/>
+            <p:cNvPr id="2097157" name="object 20"/>
+            <p:cNvPicPr>
+              <a:picLocks/>
+            </p:cNvPicPr>
             <p:nvPr/>
           </p:nvPicPr>
           <p:blipFill>
-            <a:blip r:embed="rId4" cstate="print"/>
+            <a:blip xmlns:r="http://schemas.openxmlformats.org/officeDocument/2006/relationships" r:embed="rId3" cstate="print"/>
             <a:stretch>
               <a:fillRect/>
             </a:stretch>
@@ -6443,15 +6009,13 @@
               <a:off x="47625" y="3819523"/>
               <a:ext cx="1733550" cy="3009898"/>
             </a:xfrm>
-            <a:prstGeom prst="rect">
-              <a:avLst/>
-            </a:prstGeom>
+            <a:prstGeom prst="rect"/>
           </p:spPr>
         </p:pic>
       </p:grpSp>
       <p:sp>
         <p:nvSpPr>
-          <p:cNvPr id="21" name="object 21"/>
+          <p:cNvPr id="1048641" name="object 21"/>
           <p:cNvSpPr txBox="1">
             <a:spLocks noGrp="1"/>
           </p:cNvSpPr>
@@ -6462,17 +6026,14 @@
         <p:spPr>
           <a:xfrm>
             <a:off x="739775" y="445388"/>
-            <a:ext cx="2357120" cy="758190"/>
-          </a:xfrm>
-          <a:prstGeom prst="rect">
-            <a:avLst/>
-          </a:prstGeom>
-        </p:spPr>
-        <p:txBody>
-          <a:bodyPr vert="horz" wrap="square" lIns="0" tIns="13335" rIns="0" bIns="0" rtlCol="0">
+            <a:ext cx="2357120" cy="597535"/>
+          </a:xfrm>
+          <a:prstGeom prst="rect"/>
+        </p:spPr>
+        <p:txBody>
+          <a:bodyPr bIns="0" lIns="0" rIns="0" rtlCol="0" tIns="13335" vert="horz" wrap="square">
             <a:spAutoFit/>
           </a:bodyPr>
-          <a:lstStyle/>
           <a:p>
             <a:pPr marL="12700">
               <a:lnSpc>
@@ -6483,19 +6044,19 @@
               </a:spcBef>
             </a:pPr>
             <a:r>
-              <a:rPr spc="25" dirty="0"/>
+              <a:rPr dirty="0" spc="25"/>
               <a:t>A</a:t>
             </a:r>
             <a:r>
-              <a:rPr spc="-5" dirty="0"/>
+              <a:rPr dirty="0" spc="-5"/>
               <a:t>G</a:t>
             </a:r>
             <a:r>
-              <a:rPr spc="-35" dirty="0"/>
+              <a:rPr dirty="0" spc="-35"/>
               <a:t>E</a:t>
             </a:r>
             <a:r>
-              <a:rPr spc="15" dirty="0"/>
+              <a:rPr dirty="0" spc="15"/>
               <a:t>N</a:t>
             </a:r>
             <a:r>
@@ -6507,7 +6068,7 @@
       </p:sp>
       <p:sp>
         <p:nvSpPr>
-          <p:cNvPr id="22" name="object 22"/>
+          <p:cNvPr id="1048642" name="object 22"/>
           <p:cNvSpPr txBox="1">
             <a:spLocks noGrp="1"/>
           </p:cNvSpPr>
@@ -6516,15 +6077,16 @@
           </p:nvPr>
         </p:nvSpPr>
         <p:spPr>
-          <a:prstGeom prst="rect">
-            <a:avLst/>
-          </a:prstGeom>
-        </p:spPr>
-        <p:txBody>
-          <a:bodyPr vert="horz" wrap="square" lIns="0" tIns="6985" rIns="0" bIns="0" rtlCol="0">
+          <a:xfrm>
+            <a:off x="11353418" y="6473337"/>
+            <a:ext cx="151129" cy="133985"/>
+          </a:xfrm>
+          <a:prstGeom prst="rect"/>
+        </p:spPr>
+        <p:txBody>
+          <a:bodyPr bIns="0" lIns="0" rIns="0" rtlCol="0" tIns="6985" vert="horz" wrap="square">
             <a:spAutoFit/>
           </a:bodyPr>
-          <a:lstStyle/>
           <a:p>
             <a:pPr marL="38100">
               <a:lnSpc>
@@ -6535,7 +6097,7 @@
               </a:spcBef>
             </a:pPr>
             <a:fld id="{81D60167-4931-47E6-BA6A-407CBD079E47}" type="slidenum">
-              <a:rPr spc="10" dirty="0"/>
+              <a:rPr dirty="0" spc="10"/>
               <a:pPr marL="38100">
                 <a:lnSpc>
                   <a:spcPct val="100000"/>
@@ -6546,40 +6108,31 @@
               </a:pPr>
               <a:t>3</a:t>
             </a:fld>
-            <a:endParaRPr spc="10" dirty="0"/>
-          </a:p>
-        </p:txBody>
-      </p:sp>
-      <p:sp>
-        <p:nvSpPr>
-          <p:cNvPr id="23" name="TextBox 22">
-            <a:extLst>
-              <a:ext uri="{FF2B5EF4-FFF2-40B4-BE49-F238E27FC236}">
-                <a16:creationId xmlns="" xmlns:a16="http://schemas.microsoft.com/office/drawing/2014/main" id="{D0827FA3-A9D4-0FE5-45BE-664C8C920E82}"/>
-              </a:ext>
-            </a:extLst>
-          </p:cNvPr>
+            <a:endParaRPr dirty="0" spc="10"/>
+          </a:p>
+        </p:txBody>
+      </p:sp>
+      <p:sp>
+        <p:nvSpPr>
+          <p:cNvPr id="1048643" name="TextBox 22"/>
           <p:cNvSpPr txBox="1"/>
           <p:nvPr/>
         </p:nvSpPr>
         <p:spPr>
           <a:xfrm>
             <a:off x="2509807" y="1041533"/>
-            <a:ext cx="5029200" cy="4401205"/>
-          </a:xfrm>
-          <a:prstGeom prst="rect">
-            <a:avLst/>
-          </a:prstGeom>
+            <a:ext cx="5029200" cy="3520440"/>
+          </a:xfrm>
+          <a:prstGeom prst="rect"/>
           <a:noFill/>
         </p:spPr>
         <p:txBody>
-          <a:bodyPr wrap="square" rtlCol="0">
+          <a:bodyPr rtlCol="0" wrap="square">
             <a:spAutoFit/>
           </a:bodyPr>
-          <a:lstStyle/>
           <a:p>
             <a:pPr algn="l"/>
-            <a:endParaRPr lang="en-US" sz="2800" b="0" i="0" dirty="0">
+            <a:endParaRPr b="0" dirty="0" sz="2800" i="0" lang="en-US">
               <a:solidFill>
                 <a:srgbClr val="0D0D0D"/>
               </a:solidFill>
@@ -6594,7 +6147,7 @@
               <a:buAutoNum type="arabicPeriod"/>
             </a:pPr>
             <a:r>
-              <a:rPr lang="en-US" sz="2800" b="0" i="0" dirty="0">
+              <a:rPr b="0" dirty="0" sz="2800" i="0" lang="en-US">
                 <a:solidFill>
                   <a:srgbClr val="0D0D0D"/>
                 </a:solidFill>
@@ -6611,7 +6164,7 @@
               <a:buAutoNum type="arabicPeriod"/>
             </a:pPr>
             <a:r>
-              <a:rPr lang="en-US" sz="2800" b="0" i="0" dirty="0">
+              <a:rPr b="0" dirty="0" sz="2800" i="0" lang="en-US">
                 <a:solidFill>
                   <a:srgbClr val="0D0D0D"/>
                 </a:solidFill>
@@ -6628,7 +6181,7 @@
               <a:buAutoNum type="arabicPeriod"/>
             </a:pPr>
             <a:r>
-              <a:rPr lang="en-US" sz="2800" b="0" i="0" dirty="0">
+              <a:rPr b="0" dirty="0" sz="2800" i="0" lang="en-US">
                 <a:solidFill>
                   <a:srgbClr val="0D0D0D"/>
                 </a:solidFill>
@@ -6645,7 +6198,7 @@
               <a:buAutoNum type="arabicPeriod"/>
             </a:pPr>
             <a:r>
-              <a:rPr lang="en-US" sz="2800" b="0" i="0" dirty="0">
+              <a:rPr b="0" dirty="0" sz="2800" i="0" lang="en-US">
                 <a:solidFill>
                   <a:srgbClr val="0D0D0D"/>
                 </a:solidFill>
@@ -6662,7 +6215,7 @@
               <a:buAutoNum type="arabicPeriod"/>
             </a:pPr>
             <a:r>
-              <a:rPr lang="en-US" sz="2800" dirty="0">
+              <a:rPr dirty="0" sz="2800" lang="en-US">
                 <a:solidFill>
                   <a:srgbClr val="0D0D0D"/>
                 </a:solidFill>
@@ -6671,7 +6224,7 @@
               </a:rPr>
               <a:t>Dataset Description</a:t>
             </a:r>
-            <a:endParaRPr lang="en-US" sz="2800" b="0" i="0" dirty="0">
+            <a:endParaRPr b="0" dirty="0" sz="2800" i="0" lang="en-US">
               <a:solidFill>
                 <a:srgbClr val="0D0D0D"/>
               </a:solidFill>
@@ -6686,7 +6239,7 @@
               <a:buAutoNum type="arabicPeriod"/>
             </a:pPr>
             <a:r>
-              <a:rPr lang="en-US" sz="2800" b="0" i="0" dirty="0">
+              <a:rPr b="0" dirty="0" sz="2800" i="0" lang="en-US">
                 <a:solidFill>
                   <a:srgbClr val="0D0D0D"/>
                 </a:solidFill>
@@ -6703,7 +6256,7 @@
               <a:buAutoNum type="arabicPeriod"/>
             </a:pPr>
             <a:r>
-              <a:rPr lang="en-US" sz="2800" b="0" i="0" dirty="0">
+              <a:rPr b="0" dirty="0" sz="2800" i="0" lang="en-US">
                 <a:solidFill>
                   <a:srgbClr val="0D0D0D"/>
                 </a:solidFill>
@@ -6714,7 +6267,7 @@
               <a:t>Results and </a:t>
             </a:r>
             <a:r>
-              <a:rPr lang="en-US" sz="2800" dirty="0">
+              <a:rPr dirty="0" sz="2800" lang="en-US">
                 <a:solidFill>
                   <a:srgbClr val="0D0D0D"/>
                 </a:solidFill>
@@ -6723,7 +6276,7 @@
               </a:rPr>
               <a:t>Discussion</a:t>
             </a:r>
-            <a:endParaRPr lang="en-US" sz="2800" b="0" i="0" dirty="0">
+            <a:endParaRPr b="0" dirty="0" sz="2800" i="0" lang="en-US">
               <a:solidFill>
                 <a:srgbClr val="0D0D0D"/>
               </a:solidFill>
@@ -6738,7 +6291,7 @@
               <a:buAutoNum type="arabicPeriod"/>
             </a:pPr>
             <a:r>
-              <a:rPr lang="en-US" sz="2800" b="0" i="0" dirty="0">
+              <a:rPr b="0" dirty="0" sz="2800" i="0" lang="en-US">
                 <a:solidFill>
                   <a:srgbClr val="0D0D0D"/>
                 </a:solidFill>
@@ -6750,7 +6303,7 @@
             </a:r>
           </a:p>
           <a:p>
-            <a:endParaRPr lang="en-IN" sz="2800" dirty="0">
+            <a:endParaRPr dirty="0" sz="2800" lang="en-IN">
               <a:latin typeface="Times New Roman" panose="02020603050405020304" pitchFamily="18" charset="0"/>
               <a:cs typeface="Times New Roman" panose="02020603050405020304" pitchFamily="18" charset="0"/>
             </a:endParaRPr>
@@ -6762,13 +6315,7 @@
   <p:clrMapOvr>
     <a:masterClrMapping/>
   </p:clrMapOvr>
-  <p:timing>
-    <p:tnLst>
-      <p:par>
-        <p:cTn id="1" dur="indefinite" restart="never" nodeType="tmRoot"/>
-      </p:par>
-    </p:tnLst>
-  </p:timing>
+  <p:timing/>
 </p:sld>
 </file>
 
@@ -6777,7 +6324,7 @@
   <p:cSld>
     <p:spTree>
       <p:nvGrpSpPr>
-        <p:cNvPr id="1" name=""/>
+        <p:cNvPr id="32" name=""/>
         <p:cNvGrpSpPr/>
         <p:nvPr/>
       </p:nvGrpSpPr>
@@ -6791,7 +6338,7 @@
       </p:grpSpPr>
       <p:grpSp>
         <p:nvGrpSpPr>
-          <p:cNvPr id="2" name="object 2"/>
+          <p:cNvPr id="33" name="object 2"/>
           <p:cNvGrpSpPr/>
           <p:nvPr/>
         </p:nvGrpSpPr>
@@ -6805,7 +6352,7 @@
         </p:grpSpPr>
         <p:sp>
           <p:nvSpPr>
-            <p:cNvPr id="3" name="object 3"/>
+            <p:cNvPr id="1048644" name="object 3"/>
             <p:cNvSpPr/>
             <p:nvPr/>
           </p:nvSpPr>
@@ -6816,9 +6363,7 @@
             </a:xfrm>
             <a:custGeom>
               <a:avLst/>
-              <a:gdLst/>
               <a:ahLst/>
-              <a:cxnLst/>
               <a:rect l="l" t="t" r="r" b="b"/>
               <a:pathLst>
                 <a:path w="457200" h="457200">
@@ -6846,16 +6391,13 @@
             </a:solidFill>
           </p:spPr>
           <p:txBody>
-            <a:bodyPr wrap="square" lIns="0" tIns="0" rIns="0" bIns="0" rtlCol="0"/>
-            <a:lstStyle/>
-            <a:p>
-              <a:endParaRPr/>
-            </a:p>
+            <a:bodyPr bIns="0" lIns="0" rIns="0" rtlCol="0" tIns="0" wrap="square"/>
+            <a:p/>
           </p:txBody>
         </p:sp>
         <p:sp>
           <p:nvSpPr>
-            <p:cNvPr id="4" name="object 4"/>
+            <p:cNvPr id="1048645" name="object 4"/>
             <p:cNvSpPr/>
             <p:nvPr/>
           </p:nvSpPr>
@@ -6866,9 +6408,7 @@
             </a:xfrm>
             <a:custGeom>
               <a:avLst/>
-              <a:gdLst/>
               <a:ahLst/>
-              <a:cxnLst/>
               <a:rect l="l" t="t" r="r" b="b"/>
               <a:pathLst>
                 <a:path w="180975" h="180975">
@@ -6896,21 +6436,20 @@
             </a:solidFill>
           </p:spPr>
           <p:txBody>
-            <a:bodyPr wrap="square" lIns="0" tIns="0" rIns="0" bIns="0" rtlCol="0"/>
-            <a:lstStyle/>
-            <a:p>
-              <a:endParaRPr/>
-            </a:p>
+            <a:bodyPr bIns="0" lIns="0" rIns="0" rtlCol="0" tIns="0" wrap="square"/>
+            <a:p/>
           </p:txBody>
         </p:sp>
         <p:pic>
           <p:nvPicPr>
-            <p:cNvPr id="5" name="object 5"/>
-            <p:cNvPicPr/>
+            <p:cNvPr id="2097158" name="object 5"/>
+            <p:cNvPicPr>
+              <a:picLocks/>
+            </p:cNvPicPr>
             <p:nvPr/>
           </p:nvPicPr>
           <p:blipFill>
-            <a:blip r:embed="rId2" cstate="print"/>
+            <a:blip xmlns:r="http://schemas.openxmlformats.org/officeDocument/2006/relationships" r:embed="rId1" cstate="print"/>
             <a:stretch>
               <a:fillRect/>
             </a:stretch>
@@ -6920,15 +6459,13 @@
               <a:off x="7991475" y="2933700"/>
               <a:ext cx="2762250" cy="3257550"/>
             </a:xfrm>
-            <a:prstGeom prst="rect">
-              <a:avLst/>
-            </a:prstGeom>
+            <a:prstGeom prst="rect"/>
           </p:spPr>
         </p:pic>
       </p:grpSp>
       <p:sp>
         <p:nvSpPr>
-          <p:cNvPr id="6" name="object 6"/>
+          <p:cNvPr id="1048646" name="object 6"/>
           <p:cNvSpPr/>
           <p:nvPr/>
         </p:nvSpPr>
@@ -6939,9 +6476,7 @@
           </a:xfrm>
           <a:custGeom>
             <a:avLst/>
-            <a:gdLst/>
             <a:ahLst/>
-            <a:cxnLst/>
             <a:rect l="l" t="t" r="r" b="b"/>
             <a:pathLst>
               <a:path w="314325" h="323850">
@@ -6969,16 +6504,13 @@
           </a:solidFill>
         </p:spPr>
         <p:txBody>
-          <a:bodyPr wrap="square" lIns="0" tIns="0" rIns="0" bIns="0" rtlCol="0"/>
-          <a:lstStyle/>
-          <a:p>
-            <a:endParaRPr/>
-          </a:p>
-        </p:txBody>
-      </p:sp>
-      <p:sp>
-        <p:nvSpPr>
-          <p:cNvPr id="7" name="object 7"/>
+          <a:bodyPr bIns="0" lIns="0" rIns="0" rtlCol="0" tIns="0" wrap="square"/>
+          <a:p/>
+        </p:txBody>
+      </p:sp>
+      <p:sp>
+        <p:nvSpPr>
+          <p:cNvPr id="1048647" name="object 7"/>
           <p:cNvSpPr txBox="1">
             <a:spLocks noGrp="1"/>
           </p:cNvSpPr>
@@ -6987,15 +6519,16 @@
           </p:nvPr>
         </p:nvSpPr>
         <p:spPr>
-          <a:prstGeom prst="rect">
-            <a:avLst/>
-          </a:prstGeom>
-        </p:spPr>
-        <p:txBody>
-          <a:bodyPr vert="horz" wrap="square" lIns="0" tIns="16510" rIns="0" bIns="0" rtlCol="0">
+          <a:xfrm>
+            <a:off x="755332" y="385444"/>
+            <a:ext cx="10681335" cy="511811"/>
+          </a:xfrm>
+          <a:prstGeom prst="rect"/>
+        </p:spPr>
+        <p:txBody>
+          <a:bodyPr bIns="0" lIns="0" rIns="0" rtlCol="0" tIns="16510" vert="horz" wrap="square">
             <a:spAutoFit/>
           </a:bodyPr>
-          <a:lstStyle/>
           <a:p>
             <a:pPr marL="12700">
               <a:lnSpc>
@@ -7005,59 +6538,59 @@
                 <a:spcPts val="130"/>
               </a:spcBef>
               <a:tabLst>
-                <a:tab pos="2727960" algn="l"/>
+                <a:tab algn="l" pos="2727960"/>
               </a:tabLst>
             </a:pPr>
             <a:r>
-              <a:rPr sz="4250" spc="-20" dirty="0"/>
+              <a:rPr dirty="0" sz="4250" spc="-20"/>
               <a:t>P</a:t>
             </a:r>
             <a:r>
-              <a:rPr sz="4250" spc="15" dirty="0"/>
+              <a:rPr dirty="0" sz="4250" spc="15"/>
               <a:t>ROB</a:t>
             </a:r>
             <a:r>
-              <a:rPr sz="4250" spc="55" dirty="0"/>
+              <a:rPr dirty="0" sz="4250" spc="55"/>
               <a:t>L</a:t>
             </a:r>
             <a:r>
-              <a:rPr sz="4250" spc="-20" dirty="0"/>
+              <a:rPr dirty="0" sz="4250" spc="-20"/>
               <a:t>E</a:t>
             </a:r>
             <a:r>
-              <a:rPr sz="4250" spc="20" dirty="0"/>
+              <a:rPr dirty="0" sz="4250" spc="20"/>
               <a:t>M</a:t>
             </a:r>
             <a:r>
-              <a:rPr sz="4250" dirty="0"/>
+              <a:rPr dirty="0" sz="4250"/>
               <a:t>	</a:t>
             </a:r>
             <a:r>
-              <a:rPr sz="4250" spc="10" dirty="0"/>
+              <a:rPr dirty="0" sz="4250" spc="10"/>
               <a:t>S</a:t>
             </a:r>
             <a:r>
-              <a:rPr sz="4250" spc="-370" dirty="0"/>
+              <a:rPr dirty="0" sz="4250" spc="-370"/>
               <a:t>T</a:t>
             </a:r>
             <a:r>
-              <a:rPr sz="4250" spc="-375" dirty="0"/>
+              <a:rPr dirty="0" sz="4250" spc="-375"/>
               <a:t>A</a:t>
             </a:r>
             <a:r>
-              <a:rPr sz="4250" spc="15" dirty="0"/>
+              <a:rPr dirty="0" sz="4250" spc="15"/>
               <a:t>T</a:t>
             </a:r>
             <a:r>
-              <a:rPr sz="4250" spc="-10" dirty="0"/>
+              <a:rPr dirty="0" sz="4250" spc="-10"/>
               <a:t>E</a:t>
             </a:r>
             <a:r>
-              <a:rPr sz="4250" spc="-20" dirty="0"/>
+              <a:rPr dirty="0" sz="4250" spc="-20"/>
               <a:t>ME</a:t>
             </a:r>
             <a:r>
-              <a:rPr sz="4250" spc="10" dirty="0"/>
+              <a:rPr dirty="0" sz="4250" spc="10"/>
               <a:t>NT</a:t>
             </a:r>
             <a:endParaRPr sz="4250"/>
@@ -7066,7 +6599,7 @@
       </p:sp>
       <p:sp>
         <p:nvSpPr>
-          <p:cNvPr id="10" name="object 10"/>
+          <p:cNvPr id="1048648" name="object 10"/>
           <p:cNvSpPr txBox="1">
             <a:spLocks noGrp="1"/>
           </p:cNvSpPr>
@@ -7075,15 +6608,16 @@
           </p:nvPr>
         </p:nvSpPr>
         <p:spPr>
-          <a:prstGeom prst="rect">
-            <a:avLst/>
-          </a:prstGeom>
-        </p:spPr>
-        <p:txBody>
-          <a:bodyPr vert="horz" wrap="square" lIns="0" tIns="6985" rIns="0" bIns="0" rtlCol="0">
+          <a:xfrm>
+            <a:off x="11353418" y="6473337"/>
+            <a:ext cx="151129" cy="133985"/>
+          </a:xfrm>
+          <a:prstGeom prst="rect"/>
+        </p:spPr>
+        <p:txBody>
+          <a:bodyPr bIns="0" lIns="0" rIns="0" rtlCol="0" tIns="6985" vert="horz" wrap="square">
             <a:spAutoFit/>
           </a:bodyPr>
-          <a:lstStyle/>
           <a:p>
             <a:pPr marL="38100">
               <a:lnSpc>
@@ -7094,7 +6628,7 @@
               </a:spcBef>
             </a:pPr>
             <a:fld id="{81D60167-4931-47E6-BA6A-407CBD079E47}" type="slidenum">
-              <a:rPr spc="10" dirty="0"/>
+              <a:rPr dirty="0" spc="10"/>
               <a:pPr marL="38100">
                 <a:lnSpc>
                   <a:spcPct val="100000"/>
@@ -7105,18 +6639,20 @@
               </a:pPr>
               <a:t>4</a:t>
             </a:fld>
-            <a:endParaRPr spc="10" dirty="0"/>
+            <a:endParaRPr dirty="0" spc="10"/>
           </a:p>
         </p:txBody>
       </p:sp>
       <p:pic>
         <p:nvPicPr>
-          <p:cNvPr id="8" name="object 8"/>
-          <p:cNvPicPr/>
+          <p:cNvPr id="2097159" name="object 8"/>
+          <p:cNvPicPr>
+            <a:picLocks/>
+          </p:cNvPicPr>
           <p:nvPr/>
         </p:nvPicPr>
         <p:blipFill>
-          <a:blip r:embed="rId3" cstate="print"/>
+          <a:blip xmlns:r="http://schemas.openxmlformats.org/officeDocument/2006/relationships" r:embed="rId2" cstate="print"/>
           <a:stretch>
             <a:fillRect/>
           </a:stretch>
@@ -7126,35 +6662,28 @@
             <a:off x="676275" y="6467475"/>
             <a:ext cx="2143125" cy="200025"/>
           </a:xfrm>
-          <a:prstGeom prst="rect">
-            <a:avLst/>
-          </a:prstGeom>
+          <a:prstGeom prst="rect"/>
         </p:spPr>
       </p:pic>
       <p:sp>
         <p:nvSpPr>
-          <p:cNvPr id="11" name="object 7"/>
-          <p:cNvSpPr txBox="1">
-            <a:spLocks/>
-          </p:cNvSpPr>
+          <p:cNvPr id="1048649" name="object 7"/>
+          <p:cNvSpPr txBox="1"/>
           <p:nvPr/>
         </p:nvSpPr>
         <p:spPr>
           <a:xfrm>
             <a:off x="304800" y="1905000"/>
-            <a:ext cx="10681335" cy="2209579"/>
-          </a:xfrm>
-          <a:prstGeom prst="rect">
-            <a:avLst/>
-          </a:prstGeom>
-        </p:spPr>
-        <p:txBody>
-          <a:bodyPr vert="horz" wrap="square" lIns="0" tIns="16510" rIns="0" bIns="0" rtlCol="0">
+            <a:ext cx="10681335" cy="1780540"/>
+          </a:xfrm>
+          <a:prstGeom prst="rect"/>
+        </p:spPr>
+        <p:txBody>
+          <a:bodyPr bIns="0" lIns="0" rIns="0" rtlCol="0" tIns="16510" vert="horz" wrap="square">
             <a:spAutoFit/>
           </a:bodyPr>
-          <a:lstStyle/>
-          <a:p>
-            <a:pPr marL="12700" marR="0" lvl="0" indent="0" defTabSz="914400" eaLnBrk="1" fontAlgn="auto" latinLnBrk="0" hangingPunct="1">
+          <a:p>
+            <a:pPr defTabSz="914400" eaLnBrk="1" fontAlgn="auto" hangingPunct="1" indent="0" latinLnBrk="0" lvl="0" marL="12700" marR="0">
               <a:lnSpc>
                 <a:spcPct val="100000"/>
               </a:lnSpc>
@@ -7169,12 +6698,11 @@
               <a:buFont typeface="Wingdings" pitchFamily="2" charset="2"/>
               <a:buChar char="ü"/>
               <a:tabLst>
-                <a:tab pos="2727960" algn="l"/>
+                <a:tab algn="l" pos="2727960"/>
               </a:tabLst>
-              <a:defRPr/>
             </a:pPr>
             <a:r>
-              <a:rPr kumimoji="0" lang="en-US" sz="2800" b="1" i="0" u="none" strike="noStrike" kern="0" cap="none" spc="0" normalizeH="0" baseline="0" noProof="0" dirty="0" smtClean="0">
+              <a:rPr baseline="0" b="1" cap="none" dirty="0" sz="2800" i="0" kern="0" kumimoji="0" lang="en-US" noProof="0" normalizeH="0" spc="0" strike="noStrike" u="none" smtClean="0">
                 <a:ln>
                   <a:noFill/>
                 </a:ln>
@@ -7191,7 +6719,7 @@
               <a:t>In</a:t>
             </a:r>
             <a:r>
-              <a:rPr kumimoji="0" lang="en-US" sz="2800" b="1" i="0" u="none" strike="noStrike" kern="0" cap="none" spc="0" normalizeH="0" noProof="0" dirty="0" smtClean="0">
+              <a:rPr b="1" cap="none" dirty="0" sz="2800" i="0" kern="0" kumimoji="0" lang="en-US" noProof="0" normalizeH="0" spc="0" strike="noStrike" u="none" smtClean="0">
                 <a:ln>
                   <a:noFill/>
                 </a:ln>
@@ -7209,7 +6737,7 @@
             </a:r>
           </a:p>
           <a:p>
-            <a:pPr marL="12700" marR="0" lvl="0" indent="0" defTabSz="914400" eaLnBrk="1" fontAlgn="auto" latinLnBrk="0" hangingPunct="1">
+            <a:pPr defTabSz="914400" eaLnBrk="1" fontAlgn="auto" hangingPunct="1" indent="0" latinLnBrk="0" lvl="0" marL="12700" marR="0">
               <a:lnSpc>
                 <a:spcPct val="100000"/>
               </a:lnSpc>
@@ -7224,12 +6752,11 @@
               <a:buFont typeface="Wingdings" pitchFamily="2" charset="2"/>
               <a:buChar char="ü"/>
               <a:tabLst>
-                <a:tab pos="2727960" algn="l"/>
+                <a:tab algn="l" pos="2727960"/>
               </a:tabLst>
-              <a:defRPr/>
             </a:pPr>
             <a:r>
-              <a:rPr lang="en-US" sz="2800" b="1" kern="0" baseline="0" dirty="0" smtClean="0">
+              <a:rPr baseline="0" b="1" dirty="0" sz="2800" kern="0" lang="en-US" smtClean="0">
                 <a:latin typeface="Berlin Sans FB Demi" pitchFamily="34" charset="0"/>
                 <a:ea typeface="+mj-ea"/>
                 <a:cs typeface="Trebuchet MS"/>
@@ -7237,7 +6764,7 @@
               <a:t>This</a:t>
             </a:r>
             <a:r>
-              <a:rPr lang="en-US" sz="2800" b="1" kern="0" dirty="0" smtClean="0">
+              <a:rPr b="1" dirty="0" sz="2800" kern="0" lang="en-US" smtClean="0">
                 <a:latin typeface="Berlin Sans FB Demi" pitchFamily="34" charset="0"/>
                 <a:ea typeface="+mj-ea"/>
                 <a:cs typeface="Trebuchet MS"/>
@@ -7246,7 +6773,7 @@
             </a:r>
           </a:p>
           <a:p>
-            <a:pPr marL="12700" marR="0" lvl="0" indent="0" defTabSz="914400" eaLnBrk="1" fontAlgn="auto" latinLnBrk="0" hangingPunct="1">
+            <a:pPr defTabSz="914400" eaLnBrk="1" fontAlgn="auto" hangingPunct="1" indent="0" latinLnBrk="0" lvl="0" marL="12700" marR="0">
               <a:lnSpc>
                 <a:spcPct val="100000"/>
               </a:lnSpc>
@@ -7261,12 +6788,11 @@
               <a:buFont typeface="Wingdings" pitchFamily="2" charset="2"/>
               <a:buChar char="ü"/>
               <a:tabLst>
-                <a:tab pos="2727960" algn="l"/>
+                <a:tab algn="l" pos="2727960"/>
               </a:tabLst>
-              <a:defRPr/>
             </a:pPr>
             <a:r>
-              <a:rPr kumimoji="0" lang="en-US" sz="2800" b="1" i="0" u="none" strike="noStrike" kern="0" cap="none" spc="0" normalizeH="0" baseline="0" noProof="0" dirty="0" smtClean="0">
+              <a:rPr baseline="0" b="1" cap="none" dirty="0" sz="2800" i="0" kern="0" kumimoji="0" lang="en-US" noProof="0" normalizeH="0" spc="0" strike="noStrike" u="none" smtClean="0">
                 <a:ln>
                   <a:noFill/>
                 </a:ln>
@@ -7284,7 +6810,7 @@
             </a:r>
           </a:p>
           <a:p>
-            <a:pPr marL="12700" marR="0" lvl="0" indent="0" defTabSz="914400" eaLnBrk="1" fontAlgn="auto" latinLnBrk="0" hangingPunct="1">
+            <a:pPr defTabSz="914400" eaLnBrk="1" fontAlgn="auto" hangingPunct="1" indent="0" latinLnBrk="0" lvl="0" marL="12700" marR="0">
               <a:lnSpc>
                 <a:spcPct val="100000"/>
               </a:lnSpc>
@@ -7299,12 +6825,11 @@
               <a:buFont typeface="Wingdings" pitchFamily="2" charset="2"/>
               <a:buChar char="ü"/>
               <a:tabLst>
-                <a:tab pos="2727960" algn="l"/>
+                <a:tab algn="l" pos="2727960"/>
               </a:tabLst>
-              <a:defRPr/>
             </a:pPr>
             <a:r>
-              <a:rPr lang="en-US" sz="2800" b="1" kern="0" dirty="0" smtClean="0">
+              <a:rPr b="1" dirty="0" sz="2800" kern="0" lang="en-US" smtClean="0">
                 <a:latin typeface="Berlin Sans FB Demi" pitchFamily="34" charset="0"/>
                 <a:ea typeface="+mj-ea"/>
                 <a:cs typeface="Trebuchet MS"/>
@@ -7312,7 +6837,7 @@
               <a:t>The analysis is high and very high level rating is very low and low rating is second place</a:t>
             </a:r>
             <a:r>
-              <a:rPr lang="en-US" b="1" kern="0" dirty="0" smtClean="0">
+              <a:rPr b="1" dirty="0" kern="0" lang="en-US" smtClean="0">
                 <a:latin typeface="Trebuchet MS"/>
                 <a:ea typeface="+mj-ea"/>
                 <a:cs typeface="Trebuchet MS"/>
@@ -7327,13 +6852,7 @@
   <p:clrMapOvr>
     <a:masterClrMapping/>
   </p:clrMapOvr>
-  <p:timing>
-    <p:tnLst>
-      <p:par>
-        <p:cTn id="1" dur="indefinite" restart="never" nodeType="tmRoot"/>
-      </p:par>
-    </p:tnLst>
-  </p:timing>
+  <p:timing/>
 </p:sld>
 </file>
 
@@ -7342,7 +6861,7 @@
   <p:cSld>
     <p:spTree>
       <p:nvGrpSpPr>
-        <p:cNvPr id="1" name=""/>
+        <p:cNvPr id="34" name=""/>
         <p:cNvGrpSpPr/>
         <p:nvPr/>
       </p:nvGrpSpPr>
@@ -7356,7 +6875,7 @@
       </p:grpSpPr>
       <p:grpSp>
         <p:nvGrpSpPr>
-          <p:cNvPr id="2" name="object 2"/>
+          <p:cNvPr id="35" name="object 2"/>
           <p:cNvGrpSpPr/>
           <p:nvPr/>
         </p:nvGrpSpPr>
@@ -7370,7 +6889,7 @@
         </p:grpSpPr>
         <p:sp>
           <p:nvSpPr>
-            <p:cNvPr id="3" name="object 3"/>
+            <p:cNvPr id="1048650" name="object 3"/>
             <p:cNvSpPr/>
             <p:nvPr/>
           </p:nvSpPr>
@@ -7381,9 +6900,7 @@
             </a:xfrm>
             <a:custGeom>
               <a:avLst/>
-              <a:gdLst/>
               <a:ahLst/>
-              <a:cxnLst/>
               <a:rect l="l" t="t" r="r" b="b"/>
               <a:pathLst>
                 <a:path w="457200" h="457200">
@@ -7411,16 +6928,13 @@
             </a:solidFill>
           </p:spPr>
           <p:txBody>
-            <a:bodyPr wrap="square" lIns="0" tIns="0" rIns="0" bIns="0" rtlCol="0"/>
-            <a:lstStyle/>
-            <a:p>
-              <a:endParaRPr/>
-            </a:p>
+            <a:bodyPr bIns="0" lIns="0" rIns="0" rtlCol="0" tIns="0" wrap="square"/>
+            <a:p/>
           </p:txBody>
         </p:sp>
         <p:sp>
           <p:nvSpPr>
-            <p:cNvPr id="4" name="object 4"/>
+            <p:cNvPr id="1048651" name="object 4"/>
             <p:cNvSpPr/>
             <p:nvPr/>
           </p:nvSpPr>
@@ -7431,9 +6945,7 @@
             </a:xfrm>
             <a:custGeom>
               <a:avLst/>
-              <a:gdLst/>
               <a:ahLst/>
-              <a:cxnLst/>
               <a:rect l="l" t="t" r="r" b="b"/>
               <a:pathLst>
                 <a:path w="180975" h="180975">
@@ -7461,21 +6973,20 @@
             </a:solidFill>
           </p:spPr>
           <p:txBody>
-            <a:bodyPr wrap="square" lIns="0" tIns="0" rIns="0" bIns="0" rtlCol="0"/>
-            <a:lstStyle/>
-            <a:p>
-              <a:endParaRPr/>
-            </a:p>
+            <a:bodyPr bIns="0" lIns="0" rIns="0" rtlCol="0" tIns="0" wrap="square"/>
+            <a:p/>
           </p:txBody>
         </p:sp>
         <p:pic>
           <p:nvPicPr>
-            <p:cNvPr id="5" name="object 5"/>
-            <p:cNvPicPr/>
+            <p:cNvPr id="2097160" name="object 5"/>
+            <p:cNvPicPr>
+              <a:picLocks/>
+            </p:cNvPicPr>
             <p:nvPr/>
           </p:nvPicPr>
           <p:blipFill>
-            <a:blip r:embed="rId2" cstate="print"/>
+            <a:blip xmlns:r="http://schemas.openxmlformats.org/officeDocument/2006/relationships" r:embed="rId1" cstate="print"/>
             <a:stretch>
               <a:fillRect/>
             </a:stretch>
@@ -7485,15 +6996,13 @@
               <a:off x="8658225" y="2647950"/>
               <a:ext cx="3533775" cy="3810000"/>
             </a:xfrm>
-            <a:prstGeom prst="rect">
-              <a:avLst/>
-            </a:prstGeom>
+            <a:prstGeom prst="rect"/>
           </p:spPr>
         </p:pic>
       </p:grpSp>
       <p:sp>
         <p:nvSpPr>
-          <p:cNvPr id="6" name="object 6"/>
+          <p:cNvPr id="1048652" name="object 6"/>
           <p:cNvSpPr/>
           <p:nvPr/>
         </p:nvSpPr>
@@ -7504,9 +7013,7 @@
           </a:xfrm>
           <a:custGeom>
             <a:avLst/>
-            <a:gdLst/>
             <a:ahLst/>
-            <a:cxnLst/>
             <a:rect l="l" t="t" r="r" b="b"/>
             <a:pathLst>
               <a:path w="314325" h="323850">
@@ -7534,16 +7041,13 @@
           </a:solidFill>
         </p:spPr>
         <p:txBody>
-          <a:bodyPr wrap="square" lIns="0" tIns="0" rIns="0" bIns="0" rtlCol="0"/>
-          <a:lstStyle/>
-          <a:p>
-            <a:endParaRPr/>
-          </a:p>
-        </p:txBody>
-      </p:sp>
-      <p:sp>
-        <p:nvSpPr>
-          <p:cNvPr id="7" name="object 7"/>
+          <a:bodyPr bIns="0" lIns="0" rIns="0" rtlCol="0" tIns="0" wrap="square"/>
+          <a:p/>
+        </p:txBody>
+      </p:sp>
+      <p:sp>
+        <p:nvSpPr>
+          <p:cNvPr id="1048653" name="object 7"/>
           <p:cNvSpPr txBox="1">
             <a:spLocks noGrp="1"/>
           </p:cNvSpPr>
@@ -7554,17 +7058,14 @@
         <p:spPr>
           <a:xfrm>
             <a:off x="739775" y="829627"/>
-            <a:ext cx="5263515" cy="678180"/>
-          </a:xfrm>
-          <a:prstGeom prst="rect">
-            <a:avLst/>
-          </a:prstGeom>
-        </p:spPr>
-        <p:txBody>
-          <a:bodyPr vert="horz" wrap="square" lIns="0" tIns="16510" rIns="0" bIns="0" rtlCol="0">
+            <a:ext cx="5263515" cy="511810"/>
+          </a:xfrm>
+          <a:prstGeom prst="rect"/>
+        </p:spPr>
+        <p:txBody>
+          <a:bodyPr bIns="0" lIns="0" rIns="0" rtlCol="0" tIns="16510" vert="horz" wrap="square">
             <a:spAutoFit/>
           </a:bodyPr>
-          <a:lstStyle/>
           <a:p>
             <a:pPr marL="12700">
               <a:lnSpc>
@@ -7574,15 +7075,15 @@
                 <a:spcPts val="130"/>
               </a:spcBef>
               <a:tabLst>
-                <a:tab pos="2642870" algn="l"/>
+                <a:tab algn="l" pos="2642870"/>
               </a:tabLst>
             </a:pPr>
             <a:r>
-              <a:rPr sz="4250" spc="5" dirty="0"/>
+              <a:rPr dirty="0" sz="4250" spc="5"/>
               <a:t>PROJECT	</a:t>
             </a:r>
             <a:r>
-              <a:rPr sz="4250" spc="-20" dirty="0"/>
+              <a:rPr dirty="0" sz="4250" spc="-20"/>
               <a:t>OVERVIEW</a:t>
             </a:r>
             <a:endParaRPr sz="4250"/>
@@ -7591,12 +7092,14 @@
       </p:sp>
       <p:pic>
         <p:nvPicPr>
-          <p:cNvPr id="8" name="object 8"/>
-          <p:cNvPicPr/>
+          <p:cNvPr id="2097161" name="object 8"/>
+          <p:cNvPicPr>
+            <a:picLocks/>
+          </p:cNvPicPr>
           <p:nvPr/>
         </p:nvPicPr>
         <p:blipFill>
-          <a:blip r:embed="rId3" cstate="print"/>
+          <a:blip xmlns:r="http://schemas.openxmlformats.org/officeDocument/2006/relationships" r:embed="rId2" cstate="print"/>
           <a:stretch>
             <a:fillRect/>
           </a:stretch>
@@ -7606,14 +7109,12 @@
             <a:off x="676275" y="6467475"/>
             <a:ext cx="2143125" cy="200025"/>
           </a:xfrm>
-          <a:prstGeom prst="rect">
-            <a:avLst/>
-          </a:prstGeom>
+          <a:prstGeom prst="rect"/>
         </p:spPr>
       </p:pic>
       <p:sp>
         <p:nvSpPr>
-          <p:cNvPr id="10" name="object 10"/>
+          <p:cNvPr id="1048654" name="object 10"/>
           <p:cNvSpPr txBox="1">
             <a:spLocks noGrp="1"/>
           </p:cNvSpPr>
@@ -7622,15 +7123,16 @@
           </p:nvPr>
         </p:nvSpPr>
         <p:spPr>
-          <a:prstGeom prst="rect">
-            <a:avLst/>
-          </a:prstGeom>
-        </p:spPr>
-        <p:txBody>
-          <a:bodyPr vert="horz" wrap="square" lIns="0" tIns="6985" rIns="0" bIns="0" rtlCol="0">
+          <a:xfrm>
+            <a:off x="11353418" y="6473337"/>
+            <a:ext cx="151129" cy="133985"/>
+          </a:xfrm>
+          <a:prstGeom prst="rect"/>
+        </p:spPr>
+        <p:txBody>
+          <a:bodyPr bIns="0" lIns="0" rIns="0" rtlCol="0" tIns="6985" vert="horz" wrap="square">
             <a:spAutoFit/>
           </a:bodyPr>
-          <a:lstStyle/>
           <a:p>
             <a:pPr marL="38100">
               <a:lnSpc>
@@ -7641,7 +7143,7 @@
               </a:spcBef>
             </a:pPr>
             <a:fld id="{81D60167-4931-47E6-BA6A-407CBD079E47}" type="slidenum">
-              <a:rPr spc="10" dirty="0"/>
+              <a:rPr dirty="0" spc="10"/>
               <a:pPr marL="38100">
                 <a:lnSpc>
                   <a:spcPct val="100000"/>
@@ -7652,41 +7154,32 @@
               </a:pPr>
               <a:t>5</a:t>
             </a:fld>
-            <a:endParaRPr spc="10" dirty="0"/>
-          </a:p>
-        </p:txBody>
-      </p:sp>
-      <p:sp>
-        <p:nvSpPr>
-          <p:cNvPr id="11" name="TextBox 10">
-            <a:extLst>
-              <a:ext uri="{FF2B5EF4-FFF2-40B4-BE49-F238E27FC236}">
-                <a16:creationId xmlns="" xmlns:a16="http://schemas.microsoft.com/office/drawing/2014/main" id="{F050B57B-77CA-84FA-9910-3F41C17BBB48}"/>
-              </a:ext>
-            </a:extLst>
-          </p:cNvPr>
+            <a:endParaRPr dirty="0" spc="10"/>
+          </a:p>
+        </p:txBody>
+      </p:sp>
+      <p:sp>
+        <p:nvSpPr>
+          <p:cNvPr id="1048655" name="TextBox 10"/>
           <p:cNvSpPr txBox="1"/>
           <p:nvPr/>
         </p:nvSpPr>
         <p:spPr>
           <a:xfrm>
             <a:off x="990600" y="2133600"/>
-            <a:ext cx="7924800" cy="830997"/>
-          </a:xfrm>
-          <a:prstGeom prst="rect">
-            <a:avLst/>
-          </a:prstGeom>
+            <a:ext cx="7924800" cy="675640"/>
+          </a:xfrm>
+          <a:prstGeom prst="rect"/>
           <a:noFill/>
         </p:spPr>
         <p:txBody>
-          <a:bodyPr wrap="square" rtlCol="0">
+          <a:bodyPr rtlCol="0" wrap="square">
             <a:spAutoFit/>
           </a:bodyPr>
-          <a:lstStyle/>
           <a:p>
             <a:pPr algn="l"/>
             <a:r>
-              <a:rPr lang="en-US" sz="2400" b="0" i="0" dirty="0">
+              <a:rPr b="0" dirty="0" sz="2400" i="0" lang="en-US">
                 <a:solidFill>
                   <a:srgbClr val="0D0D0D"/>
                 </a:solidFill>
@@ -7698,7 +7191,7 @@
             </a:r>
           </a:p>
           <a:p>
-            <a:endParaRPr lang="en-IN" sz="2400" dirty="0">
+            <a:endParaRPr dirty="0" sz="2400" lang="en-IN">
               <a:latin typeface="Times New Roman" panose="02020603050405020304" pitchFamily="18" charset="0"/>
               <a:cs typeface="Times New Roman" panose="02020603050405020304" pitchFamily="18" charset="0"/>
             </a:endParaRPr>
@@ -7707,37 +7200,34 @@
       </p:sp>
       <p:sp>
         <p:nvSpPr>
-          <p:cNvPr id="12" name="Rectangle 11"/>
+          <p:cNvPr id="1048656" name="Rectangle 11"/>
           <p:cNvSpPr/>
           <p:nvPr/>
         </p:nvSpPr>
         <p:spPr>
           <a:xfrm>
             <a:off x="1600200" y="2362200"/>
-            <a:ext cx="6629400" cy="1200329"/>
-          </a:xfrm>
-          <a:prstGeom prst="rect">
-            <a:avLst/>
-          </a:prstGeom>
+            <a:ext cx="6629400" cy="955040"/>
+          </a:xfrm>
+          <a:prstGeom prst="rect"/>
         </p:spPr>
         <p:txBody>
           <a:bodyPr wrap="square">
             <a:spAutoFit/>
           </a:bodyPr>
-          <a:lstStyle/>
           <a:p>
             <a:pPr>
               <a:buFont typeface="Wingdings" pitchFamily="2" charset="2"/>
               <a:buChar char="q"/>
             </a:pPr>
             <a:r>
-              <a:rPr lang="en-US" i="1" dirty="0" smtClean="0">
+              <a:rPr dirty="0" i="1" lang="en-US" smtClean="0">
                 <a:latin typeface="Arial Black" pitchFamily="34" charset="0"/>
               </a:rPr>
               <a:t>This project is analyzing the Rating of employees either male or female </a:t>
             </a:r>
             <a:r>
-              <a:rPr lang="en-US" i="1" dirty="0" smtClean="0">
+              <a:rPr dirty="0" i="1" lang="en-US" smtClean="0">
                 <a:latin typeface="Arial Black" pitchFamily="34" charset="0"/>
               </a:rPr>
               <a:t>employee. </a:t>
@@ -7749,19 +7239,19 @@
               <a:buChar char="q"/>
             </a:pPr>
             <a:r>
-              <a:rPr lang="en-US" i="1" dirty="0" smtClean="0">
+              <a:rPr dirty="0" i="1" lang="en-US" smtClean="0">
                 <a:latin typeface="Arial Black" pitchFamily="34" charset="0"/>
               </a:rPr>
               <a:t> </a:t>
             </a:r>
             <a:r>
-              <a:rPr lang="en-US" i="1" dirty="0" smtClean="0">
+              <a:rPr dirty="0" i="1" lang="en-US" smtClean="0">
                 <a:latin typeface="Arial Black" pitchFamily="34" charset="0"/>
               </a:rPr>
               <a:t>It is used to find the Employee </a:t>
             </a:r>
             <a:r>
-              <a:rPr lang="en-US" i="1" dirty="0" smtClean="0">
+              <a:rPr dirty="0" i="1" lang="en-US" smtClean="0">
                 <a:latin typeface="Arial Black" pitchFamily="34" charset="0"/>
               </a:rPr>
               <a:t>performance</a:t>
@@ -7773,16 +7263,16 @@
               <a:buChar char="q"/>
             </a:pPr>
             <a:r>
-              <a:rPr lang="en-US" i="1" dirty="0" smtClean="0">
+              <a:rPr dirty="0" i="1" lang="en-US" smtClean="0">
                 <a:latin typeface="Arial Black" pitchFamily="34" charset="0"/>
               </a:rPr>
               <a:t>This is an project view of overview</a:t>
             </a:r>
             <a:r>
-              <a:rPr lang="en-US" i="1" dirty="0" smtClean="0"/>
+              <a:rPr dirty="0" i="1" lang="en-US" smtClean="0"/>
               <a:t>.</a:t>
             </a:r>
-            <a:endParaRPr lang="en-US" dirty="0"/>
+            <a:endParaRPr dirty="0" lang="en-US"/>
           </a:p>
         </p:txBody>
       </p:sp>
@@ -7791,13 +7281,7 @@
   <p:clrMapOvr>
     <a:masterClrMapping/>
   </p:clrMapOvr>
-  <p:timing>
-    <p:tnLst>
-      <p:par>
-        <p:cTn id="1" dur="indefinite" restart="never" nodeType="tmRoot"/>
-      </p:par>
-    </p:tnLst>
-  </p:timing>
+  <p:timing/>
 </p:sld>
 </file>
 
@@ -7806,7 +7290,7 @@
   <p:cSld>
     <p:spTree>
       <p:nvGrpSpPr>
-        <p:cNvPr id="1" name=""/>
+        <p:cNvPr id="36" name=""/>
         <p:cNvGrpSpPr/>
         <p:nvPr/>
       </p:nvGrpSpPr>
@@ -7820,7 +7304,7 @@
       </p:grpSpPr>
       <p:sp>
         <p:nvSpPr>
-          <p:cNvPr id="2" name="object 2"/>
+          <p:cNvPr id="1048657" name="object 2"/>
           <p:cNvSpPr/>
           <p:nvPr/>
         </p:nvSpPr>
@@ -7831,9 +7315,7 @@
           </a:xfrm>
           <a:custGeom>
             <a:avLst/>
-            <a:gdLst/>
             <a:ahLst/>
-            <a:cxnLst/>
             <a:rect l="l" t="t" r="r" b="b"/>
             <a:pathLst>
               <a:path w="457200" h="457200">
@@ -7861,16 +7343,13 @@
           </a:solidFill>
         </p:spPr>
         <p:txBody>
-          <a:bodyPr wrap="square" lIns="0" tIns="0" rIns="0" bIns="0" rtlCol="0"/>
-          <a:lstStyle/>
-          <a:p>
-            <a:endParaRPr/>
-          </a:p>
-        </p:txBody>
-      </p:sp>
-      <p:sp>
-        <p:nvSpPr>
-          <p:cNvPr id="3" name="object 3"/>
+          <a:bodyPr bIns="0" lIns="0" rIns="0" rtlCol="0" tIns="0" wrap="square"/>
+          <a:p/>
+        </p:txBody>
+      </p:sp>
+      <p:sp>
+        <p:nvSpPr>
+          <p:cNvPr id="1048658" name="object 3"/>
           <p:cNvSpPr/>
           <p:nvPr/>
         </p:nvSpPr>
@@ -7881,9 +7360,7 @@
           </a:xfrm>
           <a:custGeom>
             <a:avLst/>
-            <a:gdLst/>
             <a:ahLst/>
-            <a:cxnLst/>
             <a:rect l="l" t="t" r="r" b="b"/>
             <a:pathLst>
               <a:path w="314325" h="323850">
@@ -7911,16 +7388,13 @@
           </a:solidFill>
         </p:spPr>
         <p:txBody>
-          <a:bodyPr wrap="square" lIns="0" tIns="0" rIns="0" bIns="0" rtlCol="0"/>
-          <a:lstStyle/>
-          <a:p>
-            <a:endParaRPr/>
-          </a:p>
-        </p:txBody>
-      </p:sp>
-      <p:sp>
-        <p:nvSpPr>
-          <p:cNvPr id="4" name="object 4"/>
+          <a:bodyPr bIns="0" lIns="0" rIns="0" rtlCol="0" tIns="0" wrap="square"/>
+          <a:p/>
+        </p:txBody>
+      </p:sp>
+      <p:sp>
+        <p:nvSpPr>
+          <p:cNvPr id="1048659" name="object 4"/>
           <p:cNvSpPr/>
           <p:nvPr/>
         </p:nvSpPr>
@@ -7931,9 +7405,7 @@
           </a:xfrm>
           <a:custGeom>
             <a:avLst/>
-            <a:gdLst/>
             <a:ahLst/>
-            <a:cxnLst/>
             <a:rect l="l" t="t" r="r" b="b"/>
             <a:pathLst>
               <a:path w="180975" h="180975">
@@ -7961,16 +7433,13 @@
           </a:solidFill>
         </p:spPr>
         <p:txBody>
-          <a:bodyPr wrap="square" lIns="0" tIns="0" rIns="0" bIns="0" rtlCol="0"/>
-          <a:lstStyle/>
-          <a:p>
-            <a:endParaRPr/>
-          </a:p>
-        </p:txBody>
-      </p:sp>
-      <p:sp>
-        <p:nvSpPr>
-          <p:cNvPr id="5" name="object 5"/>
+          <a:bodyPr bIns="0" lIns="0" rIns="0" rtlCol="0" tIns="0" wrap="square"/>
+          <a:p/>
+        </p:txBody>
+      </p:sp>
+      <p:sp>
+        <p:nvSpPr>
+          <p:cNvPr id="1048660" name="object 5"/>
           <p:cNvSpPr txBox="1">
             <a:spLocks noGrp="1"/>
           </p:cNvSpPr>
@@ -7981,17 +7450,14 @@
         <p:spPr>
           <a:xfrm>
             <a:off x="699452" y="891793"/>
-            <a:ext cx="5014595" cy="518159"/>
-          </a:xfrm>
-          <a:prstGeom prst="rect">
-            <a:avLst/>
-          </a:prstGeom>
-        </p:spPr>
-        <p:txBody>
-          <a:bodyPr vert="horz" wrap="square" lIns="0" tIns="16510" rIns="0" bIns="0" rtlCol="0">
+            <a:ext cx="5014595" cy="397510"/>
+          </a:xfrm>
+          <a:prstGeom prst="rect"/>
+        </p:spPr>
+        <p:txBody>
+          <a:bodyPr bIns="0" lIns="0" rIns="0" rtlCol="0" tIns="16510" vert="horz" wrap="square">
             <a:spAutoFit/>
           </a:bodyPr>
-          <a:lstStyle/>
           <a:p>
             <a:pPr marL="12700">
               <a:lnSpc>
@@ -8002,83 +7468,83 @@
               </a:spcBef>
             </a:pPr>
             <a:r>
-              <a:rPr sz="3200" spc="25" dirty="0"/>
+              <a:rPr dirty="0" sz="3200" spc="25"/>
               <a:t>W</a:t>
             </a:r>
             <a:r>
-              <a:rPr sz="3200" spc="-20" dirty="0"/>
+              <a:rPr dirty="0" sz="3200" spc="-20"/>
               <a:t>H</a:t>
             </a:r>
             <a:r>
-              <a:rPr sz="3200" spc="20" dirty="0"/>
+              <a:rPr dirty="0" sz="3200" spc="20"/>
               <a:t>O</a:t>
             </a:r>
             <a:r>
-              <a:rPr sz="3200" spc="-235" dirty="0"/>
+              <a:rPr dirty="0" sz="3200" spc="-235"/>
               <a:t> </a:t>
             </a:r>
             <a:r>
-              <a:rPr sz="3200" spc="-10" dirty="0"/>
+              <a:rPr dirty="0" sz="3200" spc="-10"/>
               <a:t>AR</a:t>
             </a:r>
             <a:r>
-              <a:rPr sz="3200" spc="15" dirty="0"/>
+              <a:rPr dirty="0" sz="3200" spc="15"/>
               <a:t>E</a:t>
             </a:r>
             <a:r>
-              <a:rPr sz="3200" spc="-35" dirty="0"/>
+              <a:rPr dirty="0" sz="3200" spc="-35"/>
               <a:t> </a:t>
             </a:r>
             <a:r>
-              <a:rPr sz="3200" spc="-10" dirty="0"/>
+              <a:rPr dirty="0" sz="3200" spc="-10"/>
               <a:t>T</a:t>
             </a:r>
             <a:r>
-              <a:rPr sz="3200" spc="-15" dirty="0"/>
+              <a:rPr dirty="0" sz="3200" spc="-15"/>
               <a:t>H</a:t>
             </a:r>
             <a:r>
-              <a:rPr sz="3200" spc="15" dirty="0"/>
+              <a:rPr dirty="0" sz="3200" spc="15"/>
               <a:t>E</a:t>
             </a:r>
             <a:r>
-              <a:rPr sz="3200" spc="-35" dirty="0"/>
+              <a:rPr dirty="0" sz="3200" spc="-35"/>
               <a:t> </a:t>
             </a:r>
             <a:r>
-              <a:rPr sz="3200" spc="-20" dirty="0"/>
+              <a:rPr dirty="0" sz="3200" spc="-20"/>
               <a:t>E</a:t>
             </a:r>
             <a:r>
-              <a:rPr sz="3200" spc="30" dirty="0"/>
+              <a:rPr dirty="0" sz="3200" spc="30"/>
               <a:t>N</a:t>
             </a:r>
             <a:r>
-              <a:rPr sz="3200" spc="15" dirty="0"/>
+              <a:rPr dirty="0" sz="3200" spc="15"/>
               <a:t>D</a:t>
             </a:r>
             <a:r>
-              <a:rPr sz="3200" spc="-45" dirty="0"/>
+              <a:rPr dirty="0" sz="3200" spc="-45"/>
               <a:t> </a:t>
             </a:r>
             <a:r>
-              <a:rPr sz="3200" dirty="0"/>
+              <a:rPr dirty="0" sz="3200"/>
               <a:t>U</a:t>
             </a:r>
             <a:r>
-              <a:rPr sz="3200" spc="10" dirty="0"/>
+              <a:rPr dirty="0" sz="3200" spc="10"/>
               <a:t>S</a:t>
             </a:r>
             <a:r>
-              <a:rPr sz="3200" spc="-25" dirty="0"/>
+              <a:rPr dirty="0" sz="3200" spc="-25"/>
               <a:t>E</a:t>
             </a:r>
             <a:r>
-              <a:rPr sz="3200" spc="-10" dirty="0"/>
+              <a:rPr dirty="0" sz="3200" spc="-10"/>
               <a:t>R</a:t>
             </a:r>
             <a:r>
-              <a:rPr sz="3200" spc="5" dirty="0"/>
+              <a:rPr dirty="0" sz="3200" spc="5"/>
               <a:t>S?</a:t>
             </a:r>
             <a:endParaRPr sz="3200"/>
@@ -8087,12 +7553,14 @@
       </p:sp>
       <p:pic>
         <p:nvPicPr>
-          <p:cNvPr id="6" name="object 6"/>
-          <p:cNvPicPr/>
+          <p:cNvPr id="2097162" name="object 6"/>
+          <p:cNvPicPr>
+            <a:picLocks/>
+          </p:cNvPicPr>
           <p:nvPr/>
         </p:nvPicPr>
         <p:blipFill>
-          <a:blip r:embed="rId2" cstate="print"/>
+          <a:blip xmlns:r="http://schemas.openxmlformats.org/officeDocument/2006/relationships" r:embed="rId1" cstate="print"/>
           <a:stretch>
             <a:fillRect/>
           </a:stretch>
@@ -8102,14 +7570,12 @@
             <a:off x="723900" y="6172200"/>
             <a:ext cx="2181225" cy="485775"/>
           </a:xfrm>
-          <a:prstGeom prst="rect">
-            <a:avLst/>
-          </a:prstGeom>
+          <a:prstGeom prst="rect"/>
         </p:spPr>
       </p:pic>
       <p:sp>
         <p:nvSpPr>
-          <p:cNvPr id="8" name="object 8"/>
+          <p:cNvPr id="1048661" name="object 8"/>
           <p:cNvSpPr txBox="1">
             <a:spLocks noGrp="1"/>
           </p:cNvSpPr>
@@ -8118,15 +7584,16 @@
           </p:nvPr>
         </p:nvSpPr>
         <p:spPr>
-          <a:prstGeom prst="rect">
-            <a:avLst/>
-          </a:prstGeom>
-        </p:spPr>
-        <p:txBody>
-          <a:bodyPr vert="horz" wrap="square" lIns="0" tIns="6985" rIns="0" bIns="0" rtlCol="0">
+          <a:xfrm>
+            <a:off x="11353418" y="6473337"/>
+            <a:ext cx="151129" cy="133985"/>
+          </a:xfrm>
+          <a:prstGeom prst="rect"/>
+        </p:spPr>
+        <p:txBody>
+          <a:bodyPr bIns="0" lIns="0" rIns="0" rtlCol="0" tIns="6985" vert="horz" wrap="square">
             <a:spAutoFit/>
           </a:bodyPr>
-          <a:lstStyle/>
           <a:p>
             <a:pPr marL="38100">
               <a:lnSpc>
@@ -8137,7 +7604,7 @@
               </a:spcBef>
             </a:pPr>
             <a:fld id="{81D60167-4931-47E6-BA6A-407CBD079E47}" type="slidenum">
-              <a:rPr spc="10" dirty="0"/>
+              <a:rPr dirty="0" spc="10"/>
               <a:pPr marL="38100">
                 <a:lnSpc>
                   <a:spcPct val="100000"/>
@@ -8148,20 +7615,20 @@
               </a:pPr>
               <a:t>6</a:t>
             </a:fld>
-            <a:endParaRPr spc="10" dirty="0"/>
+            <a:endParaRPr dirty="0" spc="10"/>
           </a:p>
         </p:txBody>
       </p:sp>
       <p:pic>
         <p:nvPicPr>
-          <p:cNvPr id="7170" name="Picture 2" descr="8+ Hierarchy Chart Templates - Free Sample, Example Format Download"/>
+          <p:cNvPr id="2097163" name="Picture 2" descr="8+ Hierarchy Chart Templates - Free Sample, Example Format Download"/>
           <p:cNvPicPr>
             <a:picLocks noChangeAspect="1" noChangeArrowheads="1"/>
           </p:cNvPicPr>
           <p:nvPr/>
         </p:nvPicPr>
         <p:blipFill>
-          <a:blip r:embed="rId3"/>
+          <a:blip xmlns:r="http://schemas.openxmlformats.org/officeDocument/2006/relationships" r:embed="rId2"/>
           <a:srcRect/>
           <a:stretch>
             <a:fillRect/>
@@ -8172,9 +7639,7 @@
             <a:off x="685800" y="1524000"/>
             <a:ext cx="8534400" cy="4343400"/>
           </a:xfrm>
-          <a:prstGeom prst="rect">
-            <a:avLst/>
-          </a:prstGeom>
+          <a:prstGeom prst="rect"/>
           <a:noFill/>
         </p:spPr>
       </p:pic>
@@ -8183,13 +7648,7 @@
   <p:clrMapOvr>
     <a:masterClrMapping/>
   </p:clrMapOvr>
-  <p:timing>
-    <p:tnLst>
-      <p:par>
-        <p:cTn id="1" dur="indefinite" restart="never" nodeType="tmRoot"/>
-      </p:par>
-    </p:tnLst>
-  </p:timing>
+  <p:timing/>
 </p:sld>
 </file>
 
@@ -8198,7 +7657,7 @@
   <p:cSld>
     <p:spTree>
       <p:nvGrpSpPr>
-        <p:cNvPr id="1" name=""/>
+        <p:cNvPr id="37" name=""/>
         <p:cNvGrpSpPr/>
         <p:nvPr/>
       </p:nvGrpSpPr>
@@ -8212,12 +7671,14 @@
       </p:grpSpPr>
       <p:pic>
         <p:nvPicPr>
-          <p:cNvPr id="2" name="object 2"/>
-          <p:cNvPicPr/>
+          <p:cNvPr id="2097164" name="object 2"/>
+          <p:cNvPicPr>
+            <a:picLocks/>
+          </p:cNvPicPr>
           <p:nvPr/>
         </p:nvPicPr>
         <p:blipFill>
-          <a:blip r:embed="rId2" cstate="print"/>
+          <a:blip xmlns:r="http://schemas.openxmlformats.org/officeDocument/2006/relationships" r:embed="rId1" cstate="print"/>
           <a:stretch>
             <a:fillRect/>
           </a:stretch>
@@ -8227,14 +7688,12 @@
             <a:off x="0" y="1476375"/>
             <a:ext cx="2695574" cy="3248025"/>
           </a:xfrm>
-          <a:prstGeom prst="rect">
-            <a:avLst/>
-          </a:prstGeom>
+          <a:prstGeom prst="rect"/>
         </p:spPr>
       </p:pic>
       <p:sp>
         <p:nvSpPr>
-          <p:cNvPr id="3" name="object 3"/>
+          <p:cNvPr id="1048662" name="object 3"/>
           <p:cNvSpPr/>
           <p:nvPr/>
         </p:nvSpPr>
@@ -8245,9 +7704,7 @@
           </a:xfrm>
           <a:custGeom>
             <a:avLst/>
-            <a:gdLst/>
             <a:ahLst/>
-            <a:cxnLst/>
             <a:rect l="l" t="t" r="r" b="b"/>
             <a:pathLst>
               <a:path w="457200" h="457200">
@@ -8275,16 +7732,13 @@
           </a:solidFill>
         </p:spPr>
         <p:txBody>
-          <a:bodyPr wrap="square" lIns="0" tIns="0" rIns="0" bIns="0" rtlCol="0"/>
-          <a:lstStyle/>
-          <a:p>
-            <a:endParaRPr/>
-          </a:p>
-        </p:txBody>
-      </p:sp>
-      <p:sp>
-        <p:nvSpPr>
-          <p:cNvPr id="4" name="object 4"/>
+          <a:bodyPr bIns="0" lIns="0" rIns="0" rtlCol="0" tIns="0" wrap="square"/>
+          <a:p/>
+        </p:txBody>
+      </p:sp>
+      <p:sp>
+        <p:nvSpPr>
+          <p:cNvPr id="1048663" name="object 4"/>
           <p:cNvSpPr/>
           <p:nvPr/>
         </p:nvSpPr>
@@ -8295,9 +7749,7 @@
           </a:xfrm>
           <a:custGeom>
             <a:avLst/>
-            <a:gdLst/>
             <a:ahLst/>
-            <a:cxnLst/>
             <a:rect l="l" t="t" r="r" b="b"/>
             <a:pathLst>
               <a:path w="314325" h="323850">
@@ -8325,16 +7777,13 @@
           </a:solidFill>
         </p:spPr>
         <p:txBody>
-          <a:bodyPr wrap="square" lIns="0" tIns="0" rIns="0" bIns="0" rtlCol="0"/>
-          <a:lstStyle/>
-          <a:p>
-            <a:endParaRPr/>
-          </a:p>
-        </p:txBody>
-      </p:sp>
-      <p:sp>
-        <p:nvSpPr>
-          <p:cNvPr id="5" name="object 5"/>
+          <a:bodyPr bIns="0" lIns="0" rIns="0" rtlCol="0" tIns="0" wrap="square"/>
+          <a:p/>
+        </p:txBody>
+      </p:sp>
+      <p:sp>
+        <p:nvSpPr>
+          <p:cNvPr id="1048664" name="object 5"/>
           <p:cNvSpPr/>
           <p:nvPr/>
         </p:nvSpPr>
@@ -8345,9 +7794,7 @@
           </a:xfrm>
           <a:custGeom>
             <a:avLst/>
-            <a:gdLst/>
             <a:ahLst/>
-            <a:cxnLst/>
             <a:rect l="l" t="t" r="r" b="b"/>
             <a:pathLst>
               <a:path w="180975" h="180975">
@@ -8375,16 +7822,13 @@
           </a:solidFill>
         </p:spPr>
         <p:txBody>
-          <a:bodyPr wrap="square" lIns="0" tIns="0" rIns="0" bIns="0" rtlCol="0"/>
-          <a:lstStyle/>
-          <a:p>
-            <a:endParaRPr/>
-          </a:p>
-        </p:txBody>
-      </p:sp>
-      <p:sp>
-        <p:nvSpPr>
-          <p:cNvPr id="6" name="object 6"/>
+          <a:bodyPr bIns="0" lIns="0" rIns="0" rtlCol="0" tIns="0" wrap="square"/>
+          <a:p/>
+        </p:txBody>
+      </p:sp>
+      <p:sp>
+        <p:nvSpPr>
+          <p:cNvPr id="1048665" name="object 6"/>
           <p:cNvSpPr txBox="1">
             <a:spLocks noGrp="1"/>
           </p:cNvSpPr>
@@ -8397,15 +7841,12 @@
             <a:off x="558165" y="857885"/>
             <a:ext cx="9763125" cy="575310"/>
           </a:xfrm>
-          <a:prstGeom prst="rect">
-            <a:avLst/>
-          </a:prstGeom>
-        </p:spPr>
-        <p:txBody>
-          <a:bodyPr vert="horz" wrap="square" lIns="0" tIns="13335" rIns="0" bIns="0" rtlCol="0">
+          <a:prstGeom prst="rect"/>
+        </p:spPr>
+        <p:txBody>
+          <a:bodyPr bIns="0" lIns="0" rIns="0" rtlCol="0" tIns="13335" vert="horz" wrap="square">
             <a:spAutoFit/>
           </a:bodyPr>
-          <a:lstStyle/>
           <a:p>
             <a:pPr marL="12700">
               <a:lnSpc>
@@ -8416,147 +7857,147 @@
               </a:spcBef>
             </a:pPr>
             <a:r>
-              <a:rPr sz="3600" spc="10" dirty="0"/>
+              <a:rPr dirty="0" sz="3600" spc="10"/>
               <a:t>O</a:t>
             </a:r>
             <a:r>
-              <a:rPr sz="3600" spc="25" dirty="0"/>
+              <a:rPr dirty="0" sz="3600" spc="25"/>
               <a:t>U</a:t>
             </a:r>
             <a:r>
-              <a:rPr sz="3600" dirty="0"/>
+              <a:rPr dirty="0" sz="3600"/>
               <a:t>R</a:t>
             </a:r>
             <a:r>
-              <a:rPr sz="3600" spc="5" dirty="0"/>
+              <a:rPr dirty="0" sz="3600" spc="5"/>
               <a:t> </a:t>
             </a:r>
             <a:r>
-              <a:rPr sz="3600" spc="25" dirty="0"/>
+              <a:rPr dirty="0" sz="3600" spc="25"/>
               <a:t>S</a:t>
             </a:r>
             <a:r>
-              <a:rPr sz="3600" spc="10" dirty="0"/>
+              <a:rPr dirty="0" sz="3600" spc="10"/>
               <a:t>O</a:t>
             </a:r>
             <a:r>
-              <a:rPr sz="3600" spc="25" dirty="0"/>
+              <a:rPr dirty="0" sz="3600" spc="25"/>
               <a:t>LU</a:t>
             </a:r>
             <a:r>
-              <a:rPr sz="3600" spc="-35" dirty="0"/>
+              <a:rPr dirty="0" sz="3600" spc="-35"/>
               <a:t>T</a:t>
             </a:r>
             <a:r>
-              <a:rPr sz="3600" spc="-30" dirty="0"/>
+              <a:rPr dirty="0" sz="3600" spc="-30"/>
               <a:t>I</a:t>
             </a:r>
             <a:r>
-              <a:rPr sz="3600" spc="10" dirty="0"/>
+              <a:rPr dirty="0" sz="3600" spc="10"/>
               <a:t>O</a:t>
             </a:r>
             <a:r>
-              <a:rPr sz="3600" dirty="0"/>
+              <a:rPr dirty="0" sz="3600"/>
               <a:t>N</a:t>
             </a:r>
             <a:r>
-              <a:rPr sz="3600" spc="-345" dirty="0"/>
+              <a:rPr dirty="0" sz="3600" spc="-345"/>
               <a:t> </a:t>
             </a:r>
             <a:r>
-              <a:rPr sz="3600" spc="-35" dirty="0"/>
+              <a:rPr dirty="0" sz="3600" spc="-35"/>
               <a:t>A</a:t>
             </a:r>
             <a:r>
-              <a:rPr sz="3600" spc="-5" dirty="0"/>
+              <a:rPr dirty="0" sz="3600" spc="-5"/>
               <a:t>N</a:t>
             </a:r>
             <a:r>
-              <a:rPr sz="3600" dirty="0"/>
+              <a:rPr dirty="0" sz="3600"/>
               <a:t>D</a:t>
             </a:r>
             <a:r>
-              <a:rPr sz="3600" spc="35" dirty="0"/>
+              <a:rPr dirty="0" sz="3600" spc="35"/>
               <a:t> </a:t>
             </a:r>
             <a:r>
-              <a:rPr sz="3600" spc="-30" dirty="0"/>
+              <a:rPr dirty="0" sz="3600" spc="-30"/>
               <a:t>I</a:t>
             </a:r>
             <a:r>
-              <a:rPr sz="3600" spc="-35" dirty="0"/>
+              <a:rPr dirty="0" sz="3600" spc="-35"/>
               <a:t>T</a:t>
             </a:r>
             <a:r>
-              <a:rPr sz="3600" dirty="0"/>
+              <a:rPr dirty="0" sz="3600"/>
               <a:t>S</a:t>
             </a:r>
             <a:r>
-              <a:rPr sz="3600" spc="60" dirty="0"/>
+              <a:rPr dirty="0" sz="3600" spc="60"/>
               <a:t> </a:t>
             </a:r>
             <a:r>
-              <a:rPr sz="3600" spc="-295" dirty="0"/>
+              <a:rPr dirty="0" sz="3600" spc="-295"/>
               <a:t>V</a:t>
             </a:r>
             <a:r>
-              <a:rPr sz="3600" spc="-35" dirty="0"/>
+              <a:rPr dirty="0" sz="3600" spc="-35"/>
               <a:t>A</a:t>
             </a:r>
             <a:r>
-              <a:rPr sz="3600" spc="25" dirty="0"/>
+              <a:rPr dirty="0" sz="3600" spc="25"/>
               <a:t>LU</a:t>
             </a:r>
             <a:r>
-              <a:rPr sz="3600" dirty="0"/>
+              <a:rPr dirty="0" sz="3600"/>
               <a:t>E</a:t>
             </a:r>
             <a:r>
-              <a:rPr sz="3600" spc="-65" dirty="0"/>
+              <a:rPr dirty="0" sz="3600" spc="-65"/>
               <a:t> </a:t>
             </a:r>
             <a:r>
-              <a:rPr sz="3600" spc="-15" dirty="0"/>
+              <a:rPr dirty="0" sz="3600" spc="-15"/>
               <a:t>P</a:t>
             </a:r>
             <a:r>
-              <a:rPr sz="3600" spc="-30" dirty="0"/>
+              <a:rPr dirty="0" sz="3600" spc="-30"/>
               <a:t>R</a:t>
             </a:r>
             <a:r>
-              <a:rPr sz="3600" spc="10" dirty="0"/>
+              <a:rPr dirty="0" sz="3600" spc="10"/>
               <a:t>O</a:t>
             </a:r>
             <a:r>
-              <a:rPr sz="3600" spc="-15" dirty="0"/>
+              <a:rPr dirty="0" sz="3600" spc="-15"/>
               <a:t>P</a:t>
             </a:r>
             <a:r>
-              <a:rPr sz="3600" spc="10" dirty="0"/>
+              <a:rPr dirty="0" sz="3600" spc="10"/>
               <a:t>O</a:t>
             </a:r>
             <a:r>
-              <a:rPr sz="3600" spc="25" dirty="0"/>
+              <a:rPr dirty="0" sz="3600" spc="25"/>
               <a:t>S</a:t>
             </a:r>
             <a:r>
-              <a:rPr sz="3600" spc="-30" dirty="0"/>
+              <a:rPr dirty="0" sz="3600" spc="-30"/>
               <a:t>I</a:t>
             </a:r>
             <a:r>
-              <a:rPr sz="3600" spc="-35" dirty="0"/>
+              <a:rPr dirty="0" sz="3600" spc="-35"/>
               <a:t>T</a:t>
             </a:r>
             <a:r>
-              <a:rPr sz="3600" spc="-30" dirty="0"/>
+              <a:rPr dirty="0" sz="3600" spc="-30"/>
               <a:t>I</a:t>
             </a:r>
             <a:r>
-              <a:rPr sz="3600" spc="10" dirty="0"/>
+              <a:rPr dirty="0" sz="3600" spc="10"/>
               <a:t>O</a:t>
             </a:r>
             <a:r>
-              <a:rPr sz="3600" dirty="0"/>
+              <a:rPr dirty="0" sz="3600"/>
               <a:t>N</a:t>
             </a:r>
           </a:p>
@@ -8564,12 +8005,14 @@
       </p:sp>
       <p:pic>
         <p:nvPicPr>
-          <p:cNvPr id="7" name="object 7"/>
-          <p:cNvPicPr/>
+          <p:cNvPr id="2097165" name="object 7"/>
+          <p:cNvPicPr>
+            <a:picLocks/>
+          </p:cNvPicPr>
           <p:nvPr/>
         </p:nvPicPr>
         <p:blipFill>
-          <a:blip r:embed="rId3" cstate="print"/>
+          <a:blip xmlns:r="http://schemas.openxmlformats.org/officeDocument/2006/relationships" r:embed="rId2" cstate="print"/>
           <a:stretch>
             <a:fillRect/>
           </a:stretch>
@@ -8579,14 +8022,12 @@
             <a:off x="676275" y="6467475"/>
             <a:ext cx="2143125" cy="200025"/>
           </a:xfrm>
-          <a:prstGeom prst="rect">
-            <a:avLst/>
-          </a:prstGeom>
+          <a:prstGeom prst="rect"/>
         </p:spPr>
       </p:pic>
       <p:sp>
         <p:nvSpPr>
-          <p:cNvPr id="9" name="object 9"/>
+          <p:cNvPr id="1048666" name="object 9"/>
           <p:cNvSpPr txBox="1">
             <a:spLocks noGrp="1"/>
           </p:cNvSpPr>
@@ -8595,15 +8036,12 @@
           </p:nvPr>
         </p:nvSpPr>
         <p:spPr>
-          <a:prstGeom prst="rect">
-            <a:avLst/>
-          </a:prstGeom>
-        </p:spPr>
-        <p:txBody>
-          <a:bodyPr vert="horz" wrap="square" lIns="0" tIns="6985" rIns="0" bIns="0" rtlCol="0">
+          <a:prstGeom prst="rect"/>
+        </p:spPr>
+        <p:txBody>
+          <a:bodyPr bIns="0" lIns="0" rIns="0" rtlCol="0" tIns="6985" vert="horz" wrap="square">
             <a:spAutoFit/>
           </a:bodyPr>
-          <a:lstStyle/>
           <a:p>
             <a:pPr marL="38100">
               <a:lnSpc>
@@ -8614,7 +8052,7 @@
               </a:spcBef>
             </a:pPr>
             <a:fld id="{81D60167-4931-47E6-BA6A-407CBD079E47}" type="slidenum">
-              <a:rPr spc="10" dirty="0"/>
+              <a:rPr dirty="0" spc="10"/>
               <a:pPr marL="38100">
                 <a:lnSpc>
                   <a:spcPct val="100000"/>
@@ -8625,13 +8063,13 @@
               </a:pPr>
               <a:t>7</a:t>
             </a:fld>
-            <a:endParaRPr spc="10" dirty="0"/>
-          </a:p>
-        </p:txBody>
-      </p:sp>
-      <p:sp>
-        <p:nvSpPr>
-          <p:cNvPr id="11" name="TextBox 10"/>
+            <a:endParaRPr dirty="0" spc="10"/>
+          </a:p>
+        </p:txBody>
+      </p:sp>
+      <p:sp>
+        <p:nvSpPr>
+          <p:cNvPr id="1048667" name="TextBox 10"/>
           <p:cNvSpPr txBox="1"/>
           <p:nvPr/>
         </p:nvSpPr>
@@ -8640,23 +8078,20 @@
             <a:off x="3276600" y="2438400"/>
             <a:ext cx="5029200" cy="1477328"/>
           </a:xfrm>
-          <a:prstGeom prst="rect">
-            <a:avLst/>
-          </a:prstGeom>
+          <a:prstGeom prst="rect"/>
           <a:noFill/>
         </p:spPr>
         <p:txBody>
-          <a:bodyPr wrap="square" rtlCol="0">
+          <a:bodyPr rtlCol="0" wrap="square">
             <a:spAutoFit/>
           </a:bodyPr>
-          <a:lstStyle/>
           <a:p>
             <a:pPr>
               <a:buFont typeface="Wingdings" pitchFamily="2" charset="2"/>
               <a:buChar char="q"/>
             </a:pPr>
             <a:r>
-              <a:rPr lang="en-US" i="1" dirty="0" smtClean="0">
+              <a:rPr dirty="0" i="1" lang="en-US" smtClean="0">
                 <a:latin typeface="Britannic Bold" pitchFamily="34" charset="0"/>
               </a:rPr>
               <a:t>CONDITIONAL FORMATTING – MISSING VALUES</a:t>
@@ -8668,7 +8103,7 @@
               <a:buChar char="q"/>
             </a:pPr>
             <a:r>
-              <a:rPr lang="en-US" i="1" dirty="0" smtClean="0">
+              <a:rPr dirty="0" i="1" lang="en-US" smtClean="0">
                 <a:latin typeface="Britannic Bold" pitchFamily="34" charset="0"/>
               </a:rPr>
               <a:t>FILTER – REMOVE</a:t>
@@ -8680,7 +8115,7 @@
               <a:buChar char="q"/>
             </a:pPr>
             <a:r>
-              <a:rPr lang="en-US" i="1" dirty="0" smtClean="0">
+              <a:rPr dirty="0" i="1" lang="en-US" smtClean="0">
                 <a:latin typeface="Britannic Bold" pitchFamily="34" charset="0"/>
               </a:rPr>
               <a:t>FORMULA – PERFORMANCE</a:t>
@@ -8692,7 +8127,7 @@
               <a:buChar char="q"/>
             </a:pPr>
             <a:r>
-              <a:rPr lang="en-US" i="1" dirty="0" smtClean="0">
+              <a:rPr dirty="0" i="1" lang="en-US" smtClean="0">
                 <a:latin typeface="Britannic Bold" pitchFamily="34" charset="0"/>
               </a:rPr>
               <a:t>GRAPH INSERT – DATA VISUALIZATION</a:t>
@@ -8704,12 +8139,12 @@
               <a:buChar char="q"/>
             </a:pPr>
             <a:r>
-              <a:rPr lang="en-US" i="1" dirty="0" smtClean="0">
+              <a:rPr dirty="0" i="1" lang="en-US" smtClean="0">
                 <a:latin typeface="Britannic Bold" pitchFamily="34" charset="0"/>
               </a:rPr>
               <a:t>PIVOT TABLE – SUMMARY OF DATA</a:t>
             </a:r>
-            <a:endParaRPr lang="en-US" i="1" dirty="0">
+            <a:endParaRPr dirty="0" i="1" lang="en-US">
               <a:latin typeface="Britannic Bold" pitchFamily="34" charset="0"/>
             </a:endParaRPr>
           </a:p>
@@ -8720,13 +8155,7 @@
   <p:clrMapOvr>
     <a:masterClrMapping/>
   </p:clrMapOvr>
-  <p:timing>
-    <p:tnLst>
-      <p:par>
-        <p:cTn id="1" dur="indefinite" restart="never" nodeType="tmRoot"/>
-      </p:par>
-    </p:tnLst>
-  </p:timing>
+  <p:timing/>
 </p:sld>
 </file>
 
@@ -8735,7 +8164,7 @@
   <p:cSld>
     <p:spTree>
       <p:nvGrpSpPr>
-        <p:cNvPr id="1" name=""/>
+        <p:cNvPr id="38" name=""/>
         <p:cNvGrpSpPr/>
         <p:nvPr/>
       </p:nvGrpSpPr>
@@ -8749,13 +8178,7 @@
       </p:grpSpPr>
       <p:sp>
         <p:nvSpPr>
-          <p:cNvPr id="2" name="Title 1">
-            <a:extLst>
-              <a:ext uri="{FF2B5EF4-FFF2-40B4-BE49-F238E27FC236}">
-                <a16:creationId xmlns="" xmlns:a16="http://schemas.microsoft.com/office/drawing/2014/main" id="{6E06195E-16D6-79D8-7A9F-F8EB1FE9E212}"/>
-              </a:ext>
-            </a:extLst>
-          </p:cNvPr>
+          <p:cNvPr id="1048668" name="Title 1"/>
           <p:cNvSpPr>
             <a:spLocks noGrp="1"/>
           </p:cNvSpPr>
@@ -8771,23 +8194,22 @@
         </p:spPr>
         <p:txBody>
           <a:bodyPr/>
-          <a:lstStyle/>
-          <a:p>
-            <a:r>
-              <a:rPr lang="en-IN" dirty="0"/>
+          <a:p>
+            <a:r>
+              <a:rPr dirty="0" lang="en-IN"/>
               <a:t>Dataset </a:t>
             </a:r>
             <a:r>
-              <a:rPr lang="en-IN" dirty="0" smtClean="0"/>
+              <a:rPr dirty="0" lang="en-IN" smtClean="0"/>
               <a:t>Description</a:t>
             </a:r>
-            <a:endParaRPr lang="en-IN" dirty="0"/>
-          </a:p>
-        </p:txBody>
-      </p:sp>
-      <p:sp>
-        <p:nvSpPr>
-          <p:cNvPr id="3" name="TextBox 2"/>
+            <a:endParaRPr dirty="0" lang="en-IN"/>
+          </a:p>
+        </p:txBody>
+      </p:sp>
+      <p:sp>
+        <p:nvSpPr>
+          <p:cNvPr id="1048669" name="TextBox 2"/>
           <p:cNvSpPr txBox="1"/>
           <p:nvPr/>
         </p:nvSpPr>
@@ -8796,23 +8218,20 @@
             <a:off x="2362200" y="1828800"/>
             <a:ext cx="5029200" cy="2308324"/>
           </a:xfrm>
-          <a:prstGeom prst="rect">
-            <a:avLst/>
-          </a:prstGeom>
+          <a:prstGeom prst="rect"/>
           <a:noFill/>
         </p:spPr>
         <p:txBody>
-          <a:bodyPr wrap="square" rtlCol="0">
+          <a:bodyPr rtlCol="0" wrap="square">
             <a:spAutoFit/>
           </a:bodyPr>
-          <a:lstStyle/>
           <a:p>
             <a:pPr>
               <a:buFont typeface="Wingdings" pitchFamily="2" charset="2"/>
               <a:buChar char="Ø"/>
             </a:pPr>
             <a:r>
-              <a:rPr lang="en-US" dirty="0" smtClean="0">
+              <a:rPr dirty="0" lang="en-US" smtClean="0">
                 <a:latin typeface="Britannic Bold" pitchFamily="34" charset="0"/>
               </a:rPr>
               <a:t>KAGGLE WEBSITE – EMPLOYEE DATABASE</a:t>
@@ -8824,7 +8243,7 @@
               <a:buChar char="Ø"/>
             </a:pPr>
             <a:r>
-              <a:rPr lang="en-US" dirty="0" smtClean="0">
+              <a:rPr dirty="0" lang="en-US" smtClean="0">
                 <a:latin typeface="Britannic Bold" pitchFamily="34" charset="0"/>
               </a:rPr>
               <a:t>FEATURES OF DATA – 26</a:t>
@@ -8836,7 +8255,7 @@
               <a:buChar char="Ø"/>
             </a:pPr>
             <a:r>
-              <a:rPr lang="en-US" dirty="0" smtClean="0">
+              <a:rPr dirty="0" lang="en-US" smtClean="0">
                 <a:latin typeface="Britannic Bold" pitchFamily="34" charset="0"/>
               </a:rPr>
               <a:t>FEATURES – 9</a:t>
@@ -8848,7 +8267,7 @@
               <a:buChar char="Ø"/>
             </a:pPr>
             <a:r>
-              <a:rPr lang="en-US" dirty="0" smtClean="0">
+              <a:rPr dirty="0" lang="en-US" smtClean="0">
                 <a:latin typeface="Britannic Bold" pitchFamily="34" charset="0"/>
               </a:rPr>
               <a:t>NUMBER – EMPLOYMENT ID</a:t>
@@ -8860,7 +8279,7 @@
               <a:buChar char="Ø"/>
             </a:pPr>
             <a:r>
-              <a:rPr lang="en-US" dirty="0" smtClean="0">
+              <a:rPr dirty="0" lang="en-US" smtClean="0">
                 <a:latin typeface="Britannic Bold" pitchFamily="34" charset="0"/>
               </a:rPr>
               <a:t>NAMEFORMAT – TEXT</a:t>
@@ -8872,7 +8291,7 @@
               <a:buChar char="Ø"/>
             </a:pPr>
             <a:r>
-              <a:rPr lang="en-US" dirty="0" smtClean="0">
+              <a:rPr dirty="0" lang="en-US" smtClean="0">
                 <a:latin typeface="Britannic Bold" pitchFamily="34" charset="0"/>
               </a:rPr>
               <a:t>PERFOMANCE LEVEL – FORMULA CALCULATE</a:t>
@@ -8884,7 +8303,7 @@
               <a:buChar char="Ø"/>
             </a:pPr>
             <a:r>
-              <a:rPr lang="en-US" dirty="0" smtClean="0">
+              <a:rPr dirty="0" lang="en-US" smtClean="0">
                 <a:latin typeface="Britannic Bold" pitchFamily="34" charset="0"/>
               </a:rPr>
               <a:t>MALE AND FEMALE – GENDER</a:t>
@@ -8896,34 +8315,23 @@
               <a:buChar char="Ø"/>
             </a:pPr>
             <a:r>
-              <a:rPr lang="en-US" dirty="0" smtClean="0">
+              <a:rPr dirty="0" lang="en-US" smtClean="0">
                 <a:latin typeface="Britannic Bold" pitchFamily="34" charset="0"/>
               </a:rPr>
               <a:t>NUMBERS – EMPLOYEE RATINGS</a:t>
             </a:r>
-            <a:endParaRPr lang="en-US" dirty="0">
+            <a:endParaRPr dirty="0" lang="en-US">
               <a:latin typeface="Britannic Bold" pitchFamily="34" charset="0"/>
             </a:endParaRPr>
           </a:p>
         </p:txBody>
       </p:sp>
     </p:spTree>
-    <p:extLst>
-      <p:ext uri="{BB962C8B-B14F-4D97-AF65-F5344CB8AC3E}">
-        <p14:creationId xmlns="" xmlns:p14="http://schemas.microsoft.com/office/powerpoint/2010/main" val="2720660618"/>
-      </p:ext>
-    </p:extLst>
   </p:cSld>
   <p:clrMapOvr>
     <a:masterClrMapping/>
   </p:clrMapOvr>
-  <p:timing>
-    <p:tnLst>
-      <p:par>
-        <p:cTn id="1" dur="indefinite" restart="never" nodeType="tmRoot"/>
-      </p:par>
-    </p:tnLst>
-  </p:timing>
+  <p:timing/>
 </p:sld>
 </file>
 
@@ -8932,7 +8340,7 @@
   <p:cSld>
     <p:spTree>
       <p:nvGrpSpPr>
-        <p:cNvPr id="1" name=""/>
+        <p:cNvPr id="39" name=""/>
         <p:cNvGrpSpPr/>
         <p:nvPr/>
       </p:nvGrpSpPr>
@@ -8946,7 +8354,7 @@
       </p:grpSpPr>
       <p:sp>
         <p:nvSpPr>
-          <p:cNvPr id="2" name="object 2"/>
+          <p:cNvPr id="1048670" name="object 2"/>
           <p:cNvSpPr txBox="1"/>
           <p:nvPr/>
         </p:nvSpPr>
@@ -8955,15 +8363,12 @@
             <a:off x="752475" y="6486037"/>
             <a:ext cx="1773555" cy="166370"/>
           </a:xfrm>
-          <a:prstGeom prst="rect">
-            <a:avLst/>
-          </a:prstGeom>
-        </p:spPr>
-        <p:txBody>
-          <a:bodyPr vert="horz" wrap="square" lIns="0" tIns="0" rIns="0" bIns="0" rtlCol="0">
+          <a:prstGeom prst="rect"/>
+        </p:spPr>
+        <p:txBody>
+          <a:bodyPr bIns="0" lIns="0" rIns="0" rtlCol="0" tIns="0" vert="horz" wrap="square">
             <a:spAutoFit/>
           </a:bodyPr>
-          <a:lstStyle/>
           <a:p>
             <a:pPr>
               <a:lnSpc>
@@ -8971,7 +8376,7 @@
               </a:lnSpc>
             </a:pPr>
             <a:r>
-              <a:rPr sz="1100" spc="20" dirty="0">
+              <a:rPr dirty="0" sz="1100" spc="20">
                 <a:solidFill>
                   <a:srgbClr val="2D83C3"/>
                 </a:solidFill>
@@ -8981,7 +8386,7 @@
               <a:t>3/21/202</a:t>
             </a:r>
             <a:r>
-              <a:rPr sz="1100" spc="10" dirty="0">
+              <a:rPr dirty="0" sz="1100" spc="10">
                 <a:solidFill>
                   <a:srgbClr val="2D83C3"/>
                 </a:solidFill>
@@ -8991,7 +8396,7 @@
               <a:t>4</a:t>
             </a:r>
             <a:r>
-              <a:rPr sz="1100" dirty="0">
+              <a:rPr dirty="0" sz="1100">
                 <a:solidFill>
                   <a:srgbClr val="2D83C3"/>
                 </a:solidFill>
@@ -9001,7 +8406,7 @@
               <a:t> </a:t>
             </a:r>
             <a:r>
-              <a:rPr sz="1100" spc="130" dirty="0">
+              <a:rPr dirty="0" sz="1100" spc="130">
                 <a:solidFill>
                   <a:srgbClr val="2D83C3"/>
                 </a:solidFill>
@@ -9011,7 +8416,7 @@
               <a:t> </a:t>
             </a:r>
             <a:r>
-              <a:rPr sz="1100" b="1" spc="50" dirty="0">
+              <a:rPr b="1" dirty="0" sz="1100" spc="50">
                 <a:solidFill>
                   <a:srgbClr val="2D83C3"/>
                 </a:solidFill>
@@ -9021,7 +8426,7 @@
               <a:t>A</a:t>
             </a:r>
             <a:r>
-              <a:rPr sz="1100" b="1" spc="15" dirty="0">
+              <a:rPr b="1" dirty="0" sz="1100" spc="15">
                 <a:solidFill>
                   <a:srgbClr val="2D83C3"/>
                 </a:solidFill>
@@ -9031,7 +8436,7 @@
               <a:t>nnu</a:t>
             </a:r>
             <a:r>
-              <a:rPr sz="1100" b="1" spc="10" dirty="0">
+              <a:rPr b="1" dirty="0" sz="1100" spc="10">
                 <a:solidFill>
                   <a:srgbClr val="2D83C3"/>
                 </a:solidFill>
@@ -9041,7 +8446,7 @@
               <a:t>al</a:t>
             </a:r>
             <a:r>
-              <a:rPr sz="1100" b="1" spc="-140" dirty="0">
+              <a:rPr b="1" dirty="0" sz="1100" spc="-140">
                 <a:solidFill>
                   <a:srgbClr val="2D83C3"/>
                 </a:solidFill>
@@ -9051,7 +8456,7 @@
               <a:t> </a:t>
             </a:r>
             <a:r>
-              <a:rPr sz="1100" b="1" dirty="0">
+              <a:rPr b="1" dirty="0" sz="1100">
                 <a:solidFill>
                   <a:srgbClr val="2D83C3"/>
                 </a:solidFill>
@@ -9061,7 +8466,7 @@
               <a:t>R</a:t>
             </a:r>
             <a:r>
-              <a:rPr sz="1100" b="1" spc="35" dirty="0">
+              <a:rPr b="1" dirty="0" sz="1100" spc="35">
                 <a:solidFill>
                   <a:srgbClr val="2D83C3"/>
                 </a:solidFill>
@@ -9071,7 +8476,7 @@
               <a:t>e</a:t>
             </a:r>
             <a:r>
-              <a:rPr sz="1100" b="1" spc="90" dirty="0">
+              <a:rPr b="1" dirty="0" sz="1100" spc="90">
                 <a:solidFill>
                   <a:srgbClr val="2D83C3"/>
                 </a:solidFill>
@@ -9081,7 +8486,7 @@
               <a:t>v</a:t>
             </a:r>
             <a:r>
-              <a:rPr sz="1100" b="1" spc="-35" dirty="0">
+              <a:rPr b="1" dirty="0" sz="1100" spc="-35">
                 <a:solidFill>
                   <a:srgbClr val="2D83C3"/>
                 </a:solidFill>
@@ -9091,7 +8496,7 @@
               <a:t>i</a:t>
             </a:r>
             <a:r>
-              <a:rPr sz="1100" b="1" spc="35" dirty="0">
+              <a:rPr b="1" dirty="0" sz="1100" spc="35">
                 <a:solidFill>
                   <a:srgbClr val="2D83C3"/>
                 </a:solidFill>
@@ -9101,7 +8506,7 @@
               <a:t>e</a:t>
             </a:r>
             <a:r>
-              <a:rPr sz="1100" b="1" spc="15" dirty="0">
+              <a:rPr b="1" dirty="0" sz="1100" spc="15">
                 <a:solidFill>
                   <a:srgbClr val="2D83C3"/>
                 </a:solidFill>
@@ -9119,7 +8524,7 @@
       </p:sp>
       <p:sp>
         <p:nvSpPr>
-          <p:cNvPr id="3" name="object 3"/>
+          <p:cNvPr id="1048671" name="object 3"/>
           <p:cNvSpPr/>
           <p:nvPr/>
         </p:nvSpPr>
@@ -9130,9 +8535,7 @@
           </a:xfrm>
           <a:custGeom>
             <a:avLst/>
-            <a:gdLst/>
             <a:ahLst/>
-            <a:cxnLst/>
             <a:rect l="l" t="t" r="r" b="b"/>
             <a:pathLst>
               <a:path w="457200" h="457200">
@@ -9160,16 +8563,13 @@
           </a:solidFill>
         </p:spPr>
         <p:txBody>
-          <a:bodyPr wrap="square" lIns="0" tIns="0" rIns="0" bIns="0" rtlCol="0"/>
-          <a:lstStyle/>
-          <a:p>
-            <a:endParaRPr/>
-          </a:p>
-        </p:txBody>
-      </p:sp>
-      <p:sp>
-        <p:nvSpPr>
-          <p:cNvPr id="4" name="object 4"/>
+          <a:bodyPr bIns="0" lIns="0" rIns="0" rtlCol="0" tIns="0" wrap="square"/>
+          <a:p/>
+        </p:txBody>
+      </p:sp>
+      <p:sp>
+        <p:nvSpPr>
+          <p:cNvPr id="1048672" name="object 4"/>
           <p:cNvSpPr/>
           <p:nvPr/>
         </p:nvSpPr>
@@ -9180,9 +8580,7 @@
           </a:xfrm>
           <a:custGeom>
             <a:avLst/>
-            <a:gdLst/>
             <a:ahLst/>
-            <a:cxnLst/>
             <a:rect l="l" t="t" r="r" b="b"/>
             <a:pathLst>
               <a:path w="314325" h="323850">
@@ -9210,16 +8608,13 @@
           </a:solidFill>
         </p:spPr>
         <p:txBody>
-          <a:bodyPr wrap="square" lIns="0" tIns="0" rIns="0" bIns="0" rtlCol="0"/>
-          <a:lstStyle/>
-          <a:p>
-            <a:endParaRPr/>
-          </a:p>
-        </p:txBody>
-      </p:sp>
-      <p:sp>
-        <p:nvSpPr>
-          <p:cNvPr id="5" name="object 5"/>
+          <a:bodyPr bIns="0" lIns="0" rIns="0" rtlCol="0" tIns="0" wrap="square"/>
+          <a:p/>
+        </p:txBody>
+      </p:sp>
+      <p:sp>
+        <p:nvSpPr>
+          <p:cNvPr id="1048673" name="object 5"/>
           <p:cNvSpPr/>
           <p:nvPr/>
         </p:nvSpPr>
@@ -9230,9 +8625,7 @@
           </a:xfrm>
           <a:custGeom>
             <a:avLst/>
-            <a:gdLst/>
             <a:ahLst/>
-            <a:cxnLst/>
             <a:rect l="l" t="t" r="r" b="b"/>
             <a:pathLst>
               <a:path w="180975" h="180975">
@@ -9260,21 +8653,20 @@
           </a:solidFill>
         </p:spPr>
         <p:txBody>
-          <a:bodyPr wrap="square" lIns="0" tIns="0" rIns="0" bIns="0" rtlCol="0"/>
-          <a:lstStyle/>
-          <a:p>
-            <a:endParaRPr/>
-          </a:p>
+          <a:bodyPr bIns="0" lIns="0" rIns="0" rtlCol="0" tIns="0" wrap="square"/>
+          <a:p/>
         </p:txBody>
       </p:sp>
       <p:pic>
         <p:nvPicPr>
-          <p:cNvPr id="6" name="object 6"/>
-          <p:cNvPicPr/>
+          <p:cNvPr id="2097166" name="object 6"/>
+          <p:cNvPicPr>
+            <a:picLocks/>
+          </p:cNvPicPr>
           <p:nvPr/>
         </p:nvPicPr>
         <p:blipFill>
-          <a:blip r:embed="rId2" cstate="print"/>
+          <a:blip xmlns:r="http://schemas.openxmlformats.org/officeDocument/2006/relationships" r:embed="rId1" cstate="print"/>
           <a:stretch>
             <a:fillRect/>
           </a:stretch>
@@ -9284,14 +8676,12 @@
             <a:off x="66675" y="3381373"/>
             <a:ext cx="2466975" cy="3419475"/>
           </a:xfrm>
-          <a:prstGeom prst="rect">
-            <a:avLst/>
-          </a:prstGeom>
+          <a:prstGeom prst="rect"/>
         </p:spPr>
       </p:pic>
       <p:sp>
         <p:nvSpPr>
-          <p:cNvPr id="7" name="object 7"/>
+          <p:cNvPr id="1048674" name="object 7"/>
           <p:cNvSpPr txBox="1">
             <a:spLocks noGrp="1"/>
           </p:cNvSpPr>
@@ -9304,15 +8694,12 @@
             <a:off x="739775" y="654938"/>
             <a:ext cx="8480425" cy="670696"/>
           </a:xfrm>
-          <a:prstGeom prst="rect">
-            <a:avLst/>
-          </a:prstGeom>
-        </p:spPr>
-        <p:txBody>
-          <a:bodyPr vert="horz" wrap="square" lIns="0" tIns="16510" rIns="0" bIns="0" rtlCol="0">
+          <a:prstGeom prst="rect"/>
+        </p:spPr>
+        <p:txBody>
+          <a:bodyPr bIns="0" lIns="0" rIns="0" rtlCol="0" tIns="16510" vert="horz" wrap="square">
             <a:spAutoFit/>
           </a:bodyPr>
-          <a:lstStyle/>
           <a:p>
             <a:pPr marL="12700">
               <a:lnSpc>
@@ -9323,56 +8710,56 @@
               </a:spcBef>
             </a:pPr>
             <a:r>
-              <a:rPr sz="4250" spc="15" dirty="0"/>
+              <a:rPr dirty="0" sz="4250" spc="15"/>
               <a:t>THE</a:t>
             </a:r>
             <a:r>
-              <a:rPr sz="4250" spc="20" dirty="0"/>
+              <a:rPr dirty="0" sz="4250" spc="20"/>
               <a:t> </a:t>
             </a:r>
             <a:r>
-              <a:rPr lang="en-US" sz="4250" spc="20" dirty="0"/>
+              <a:rPr dirty="0" sz="4250" lang="en-US" spc="20"/>
               <a:t>"</a:t>
             </a:r>
             <a:r>
-              <a:rPr sz="4250" spc="10" dirty="0"/>
+              <a:rPr dirty="0" sz="4250" spc="10"/>
               <a:t>WOW</a:t>
             </a:r>
             <a:r>
-              <a:rPr lang="en-US" sz="4250" spc="10" dirty="0"/>
+              <a:rPr dirty="0" sz="4250" lang="en-US" spc="10"/>
               <a:t>"</a:t>
             </a:r>
             <a:r>
-              <a:rPr sz="4250" spc="85" dirty="0"/>
+              <a:rPr dirty="0" sz="4250" spc="85"/>
               <a:t> </a:t>
             </a:r>
             <a:r>
-              <a:rPr sz="4250" spc="10" dirty="0"/>
+              <a:rPr dirty="0" sz="4250" spc="10"/>
               <a:t>IN</a:t>
             </a:r>
             <a:r>
-              <a:rPr sz="4250" spc="-5" dirty="0"/>
+              <a:rPr dirty="0" sz="4250" spc="-5"/>
               <a:t> </a:t>
             </a:r>
             <a:r>
-              <a:rPr sz="4250" spc="15" dirty="0"/>
+              <a:rPr dirty="0" sz="4250" spc="15"/>
               <a:t>OUR</a:t>
             </a:r>
             <a:r>
-              <a:rPr sz="4250" spc="-10" dirty="0"/>
+              <a:rPr dirty="0" sz="4250" spc="-10"/>
               <a:t> </a:t>
             </a:r>
             <a:r>
-              <a:rPr sz="4250" spc="20" dirty="0"/>
+              <a:rPr dirty="0" sz="4250" spc="20"/>
               <a:t>SOLUTION</a:t>
             </a:r>
-            <a:endParaRPr sz="4250" dirty="0"/>
-          </a:p>
-        </p:txBody>
-      </p:sp>
-      <p:sp>
-        <p:nvSpPr>
-          <p:cNvPr id="8" name="object 8"/>
+            <a:endParaRPr dirty="0" sz="4250"/>
+          </a:p>
+        </p:txBody>
+      </p:sp>
+      <p:sp>
+        <p:nvSpPr>
+          <p:cNvPr id="1048675" name="object 8"/>
           <p:cNvSpPr txBox="1"/>
           <p:nvPr/>
         </p:nvSpPr>
@@ -9381,15 +8768,12 @@
             <a:off x="11277218" y="6473337"/>
             <a:ext cx="228600" cy="191770"/>
           </a:xfrm>
-          <a:prstGeom prst="rect">
-            <a:avLst/>
-          </a:prstGeom>
-        </p:spPr>
-        <p:txBody>
-          <a:bodyPr vert="horz" wrap="square" lIns="0" tIns="6985" rIns="0" bIns="0" rtlCol="0">
+          <a:prstGeom prst="rect"/>
+        </p:spPr>
+        <p:txBody>
+          <a:bodyPr bIns="0" lIns="0" rIns="0" rtlCol="0" tIns="6985" vert="horz" wrap="square">
             <a:spAutoFit/>
           </a:bodyPr>
-          <a:lstStyle/>
           <a:p>
             <a:pPr marL="38100">
               <a:lnSpc>
@@ -9400,7 +8784,7 @@
               </a:spcBef>
             </a:pPr>
             <a:fld id="{81D60167-4931-47E6-BA6A-407CBD079E47}" type="slidenum">
-              <a:rPr sz="1100" spc="10" dirty="0">
+              <a:rPr dirty="0" sz="1100" spc="10">
                 <a:solidFill>
                   <a:srgbClr val="2D936B"/>
                 </a:solidFill>
@@ -9426,13 +8810,7 @@
       </p:sp>
       <p:sp>
         <p:nvSpPr>
-          <p:cNvPr id="9" name="TextBox 8">
-            <a:extLst>
-              <a:ext uri="{FF2B5EF4-FFF2-40B4-BE49-F238E27FC236}">
-                <a16:creationId xmlns="" xmlns:a16="http://schemas.microsoft.com/office/drawing/2014/main" id="{FAD9CEB2-36E1-0550-426B-2FAF97882044}"/>
-              </a:ext>
-            </a:extLst>
-          </p:cNvPr>
+          <p:cNvPr id="1048676" name="TextBox 8"/>
           <p:cNvSpPr txBox="1"/>
           <p:nvPr/>
         </p:nvSpPr>
@@ -9441,22 +8819,19 @@
             <a:off x="2133600" y="2209800"/>
             <a:ext cx="8534018" cy="954107"/>
           </a:xfrm>
-          <a:prstGeom prst="rect">
-            <a:avLst/>
-          </a:prstGeom>
+          <a:prstGeom prst="rect"/>
           <a:noFill/>
         </p:spPr>
         <p:txBody>
-          <a:bodyPr wrap="square" rtlCol="0">
+          <a:bodyPr rtlCol="0" wrap="square">
             <a:spAutoFit/>
           </a:bodyPr>
-          <a:lstStyle/>
           <a:p>
             <a:pPr algn="l">
               <a:buFont typeface="Arial" panose="020B0604020202020204" pitchFamily="34" charset="0"/>
               <a:buChar char="•"/>
             </a:pPr>
-            <a:endParaRPr lang="en-US" sz="2800" b="0" i="0" dirty="0">
+            <a:endParaRPr b="0" dirty="0" sz="2800" i="0" lang="en-US">
               <a:solidFill>
                 <a:srgbClr val="0D0D0D"/>
               </a:solidFill>
@@ -9466,7 +8841,7 @@
             </a:endParaRPr>
           </a:p>
           <a:p>
-            <a:endParaRPr lang="en-IN" sz="2800" dirty="0">
+            <a:endParaRPr dirty="0" sz="2800" lang="en-IN">
               <a:latin typeface="Times New Roman" panose="02020603050405020304" pitchFamily="18" charset="0"/>
               <a:cs typeface="Times New Roman" panose="02020603050405020304" pitchFamily="18" charset="0"/>
             </a:endParaRPr>
@@ -9475,7 +8850,7 @@
       </p:sp>
       <p:sp>
         <p:nvSpPr>
-          <p:cNvPr id="10" name="Rectangle 9"/>
+          <p:cNvPr id="1048677" name="Rectangle 9"/>
           <p:cNvSpPr/>
           <p:nvPr/>
         </p:nvSpPr>
@@ -9484,18 +8859,15 @@
             <a:off x="3276600" y="3581400"/>
             <a:ext cx="6096000" cy="800219"/>
           </a:xfrm>
-          <a:prstGeom prst="rect">
-            <a:avLst/>
-          </a:prstGeom>
+          <a:prstGeom prst="rect"/>
         </p:spPr>
         <p:txBody>
           <a:bodyPr>
             <a:spAutoFit/>
           </a:bodyPr>
-          <a:lstStyle/>
-          <a:p>
-            <a:r>
-              <a:rPr lang="en-US" i="1" dirty="0" smtClean="0">
+          <a:p>
+            <a:r>
+              <a:rPr dirty="0" i="1" lang="en-US" smtClean="0">
                 <a:solidFill>
                   <a:srgbClr val="FF0000"/>
                 </a:solidFill>
@@ -9505,24 +8877,24 @@
           </a:p>
           <a:p>
             <a:r>
-              <a:rPr lang="en-US" i="1" dirty="0" smtClean="0">
+              <a:rPr dirty="0" i="1" lang="en-US" smtClean="0">
                 <a:latin typeface="Arial Black" pitchFamily="34" charset="0"/>
               </a:rPr>
               <a:t>Performance </a:t>
             </a:r>
             <a:r>
-              <a:rPr lang="en-US" i="1" dirty="0" smtClean="0">
+              <a:rPr dirty="0" i="1" lang="en-US" smtClean="0">
                 <a:latin typeface="Arial Black" pitchFamily="34" charset="0"/>
               </a:rPr>
               <a:t>Level Column </a:t>
             </a:r>
             <a:r>
-              <a:rPr lang="en-US" sz="1000" i="1" dirty="0" smtClean="0">
+              <a:rPr dirty="0" sz="1000" i="1" lang="en-US" smtClean="0">
                 <a:latin typeface="Arial Black" pitchFamily="34" charset="0"/>
               </a:rPr>
               <a:t>=IFS(Z8&gt;=5,”VERY HIGH’,Z8&gt;=4,”HIGH”,Z8&gt;=3,”MED”,”TRUE”,”LOW”)</a:t>
             </a:r>
-            <a:endParaRPr lang="en-US" sz="1000" i="1" dirty="0">
+            <a:endParaRPr dirty="0" sz="1000" i="1" lang="en-US">
               <a:latin typeface="Arial Black" pitchFamily="34" charset="0"/>
             </a:endParaRPr>
           </a:p>
@@ -9533,13 +8905,7 @@
   <p:clrMapOvr>
     <a:masterClrMapping/>
   </p:clrMapOvr>
-  <p:timing>
-    <p:tnLst>
-      <p:par>
-        <p:cTn id="1" dur="indefinite" restart="never" nodeType="tmRoot"/>
-      </p:par>
-    </p:tnLst>
-  </p:timing>
+  <p:timing/>
 </p:sld>
 </file>
 
@@ -9548,10 +8914,10 @@
   <a:themeElements>
     <a:clrScheme name="Office">
       <a:dk1>
-        <a:sysClr val="windowText" lastClr="000000"/>
+        <a:sysClr lastClr="000000" val="windowText"/>
       </a:dk1>
       <a:lt1>
-        <a:sysClr val="window" lastClr="FFFFFF"/>
+        <a:sysClr lastClr="FFFFFF" val="window"/>
       </a:lt1>
       <a:dk2>
         <a:srgbClr val="1F497D"/>
@@ -9732,7 +9098,7 @@
       <a:effectStyleLst>
         <a:effectStyle>
           <a:effectLst>
-            <a:outerShdw blurRad="40000" dist="20000" dir="5400000" rotWithShape="0">
+            <a:outerShdw blurRad="40000" dir="5400000" dist="20000" rotWithShape="0">
               <a:srgbClr val="000000">
                 <a:alpha val="38000"/>
               </a:srgbClr>
@@ -9741,7 +9107,7 @@
         </a:effectStyle>
         <a:effectStyle>
           <a:effectLst>
-            <a:outerShdw blurRad="40000" dist="23000" dir="5400000" rotWithShape="0">
+            <a:outerShdw blurRad="40000" dir="5400000" dist="23000" rotWithShape="0">
               <a:srgbClr val="000000">
                 <a:alpha val="35000"/>
               </a:srgbClr>
@@ -9750,7 +9116,7 @@
         </a:effectStyle>
         <a:effectStyle>
           <a:effectLst>
-            <a:outerShdw blurRad="40000" dist="23000" dir="5400000" rotWithShape="0">
+            <a:outerShdw blurRad="40000" dir="5400000" dist="23000" rotWithShape="0">
               <a:srgbClr val="000000">
                 <a:alpha val="35000"/>
               </a:srgbClr>
@@ -9760,7 +9126,7 @@
             <a:camera prst="orthographicFront">
               <a:rot lat="0" lon="0" rev="0"/>
             </a:camera>
-            <a:lightRig rig="threePt" dir="t">
+            <a:lightRig dir="t" rig="threePt">
               <a:rot lat="0" lon="0" rev="1200000"/>
             </a:lightRig>
           </a:scene3d>
@@ -9821,8 +9187,6 @@
       </a:bgFillStyleLst>
     </a:fmtScheme>
   </a:themeElements>
-  <a:objectDefaults/>
-  <a:extraClrSchemeLst/>
 </a:theme>
 </file>
 
@@ -9831,10 +9195,10 @@
   <a:themeElements>
     <a:clrScheme name="Office">
       <a:dk1>
-        <a:sysClr val="windowText" lastClr="000000"/>
+        <a:sysClr lastClr="000000" val="windowText"/>
       </a:dk1>
       <a:lt1>
-        <a:sysClr val="window" lastClr="FFFFFF"/>
+        <a:sysClr lastClr="FFFFFF" val="window"/>
       </a:lt1>
       <a:dk2>
         <a:srgbClr val="44546A"/>
@@ -10063,7 +9427,7 @@
         </a:effectStyle>
         <a:effectStyle>
           <a:effectLst>
-            <a:outerShdw blurRad="57150" dist="19050" dir="5400000" algn="ctr" rotWithShape="0">
+            <a:outerShdw algn="ctr" blurRad="57150" dir="5400000" dist="19050" rotWithShape="0">
               <a:srgbClr val="000000">
                 <a:alpha val="63000"/>
               </a:srgbClr>
@@ -10111,12 +9475,5 @@
       </a:bgFillStyleLst>
     </a:fmtScheme>
   </a:themeElements>
-  <a:objectDefaults/>
-  <a:extraClrSchemeLst/>
-  <a:extLst>
-    <a:ext uri="{05A4C25C-085E-4340-85A3-A5531E510DB2}">
-      <thm15:themeFamily xmlns="" xmlns:thm15="http://schemas.microsoft.com/office/thememl/2012/main" name="Office Theme" id="{62F939B6-93AF-4DB8-9C6B-D6C7DFDC589F}" vid="{4A3C46E8-61CC-4603-A589-7422A47A8E4A}"/>
-    </a:ext>
-  </a:extLst>
 </a:theme>
 </file>